--- a/Documentação/PPT/Sprint 3 - Apresentação.pptx
+++ b/Documentação/PPT/Sprint 3 - Apresentação.pptx
@@ -46721,8 +46721,8 @@
         </p:nvSpPr>
         <p:spPr>
           <a:xfrm>
-            <a:off x="796903" y="1622097"/>
-            <a:ext cx="3384208" cy="660413"/>
+            <a:off x="796903" y="1622098"/>
+            <a:ext cx="3363268" cy="442988"/>
           </a:xfrm>
           <a:prstGeom prst="rect">
             <a:avLst/>
@@ -46749,30 +46749,6 @@
             <a:r>
               <a:rPr lang="en" b="1" dirty="0"/>
               <a:t>Alguma dúvida?</a:t>
-            </a:r>
-            <a:endParaRPr b="1" dirty="0"/>
-          </a:p>
-          <a:p>
-            <a:pPr marL="0" lvl="0" indent="0" algn="l" rtl="0">
-              <a:lnSpc>
-                <a:spcPct val="100000"/>
-              </a:lnSpc>
-              <a:spcBef>
-                <a:spcPts val="0"/>
-              </a:spcBef>
-              <a:spcAft>
-                <a:spcPts val="0"/>
-              </a:spcAft>
-              <a:buNone/>
-            </a:pPr>
-            <a:r>
-              <a:rPr lang="pt-BR" b="1" i="0" u="none" strike="noStrike" dirty="0">
-                <a:solidFill>
-                  <a:srgbClr val="243762"/>
-                </a:solidFill>
-                <a:effectLst/>
-              </a:rPr>
-              <a:t>tfast5234@gmail.com</a:t>
             </a:r>
             <a:endParaRPr dirty="0"/>
           </a:p>
@@ -47035,6 +47011,45 @@
           </a:prstGeom>
         </p:spPr>
       </p:pic>
+      <p:sp>
+        <p:nvSpPr>
+          <p:cNvPr id="11" name="TextBox 10">
+            <a:extLst>
+              <a:ext uri="{FF2B5EF4-FFF2-40B4-BE49-F238E27FC236}">
+                <a16:creationId xmlns:a16="http://schemas.microsoft.com/office/drawing/2014/main" id="{C7D4CFCE-33A6-44C8-A4FA-9EF6D87A6046}"/>
+              </a:ext>
+            </a:extLst>
+          </p:cNvPr>
+          <p:cNvSpPr txBox="1"/>
+          <p:nvPr/>
+        </p:nvSpPr>
+        <p:spPr>
+          <a:xfrm>
+            <a:off x="796902" y="1964304"/>
+            <a:ext cx="4596000" cy="276999"/>
+          </a:xfrm>
+          <a:prstGeom prst="rect">
+            <a:avLst/>
+          </a:prstGeom>
+          <a:noFill/>
+        </p:spPr>
+        <p:txBody>
+          <a:bodyPr wrap="square">
+            <a:spAutoFit/>
+          </a:bodyPr>
+          <a:lstStyle/>
+          <a:p>
+            <a:r>
+              <a:rPr lang="pt-BR" sz="1200" b="1" dirty="0">
+                <a:latin typeface="Open Sans" panose="020B0606030504020204" pitchFamily="34" charset="0"/>
+                <a:ea typeface="Open Sans" panose="020B0606030504020204" pitchFamily="34" charset="0"/>
+                <a:cs typeface="Open Sans" panose="020B0606030504020204" pitchFamily="34" charset="0"/>
+              </a:rPr>
+              <a:t>https://institucional-empresa-fasttech.azurewebsites.net</a:t>
+            </a:r>
+          </a:p>
+        </p:txBody>
+      </p:sp>
     </p:spTree>
   </p:cSld>
   <p:clrMapOvr>

--- a/Documentação/PPT/Sprint 3 - Apresentação.pptx
+++ b/Documentação/PPT/Sprint 3 - Apresentação.pptx
@@ -47743,8 +47743,8 @@
         </p:nvSpPr>
         <p:spPr>
           <a:xfrm>
-            <a:off x="4425416" y="1897953"/>
-            <a:ext cx="3337676" cy="1703805"/>
+            <a:off x="4156507" y="1665482"/>
+            <a:ext cx="3245772" cy="2103799"/>
           </a:xfrm>
           <a:prstGeom prst="rect">
             <a:avLst/>
@@ -47756,7 +47756,7 @@
           </a:bodyPr>
           <a:lstStyle/>
           <a:p>
-            <a:pPr marL="0" lvl="0" indent="0" algn="l" rtl="0">
+            <a:pPr marL="0" lvl="0" indent="0" algn="just" rtl="0">
               <a:spcBef>
                 <a:spcPts val="0"/>
               </a:spcBef>
@@ -47766,10 +47766,41 @@
               <a:buNone/>
             </a:pPr>
             <a:r>
-              <a:rPr lang="pt-BR" dirty="0"/>
+              <a:rPr lang="pt-BR" sz="1200" dirty="0">
+                <a:latin typeface="Open Sans" panose="020B0606030504020204" pitchFamily="34" charset="0"/>
+                <a:ea typeface="Open Sans" panose="020B0606030504020204" pitchFamily="34" charset="0"/>
+                <a:cs typeface="Open Sans" panose="020B0606030504020204" pitchFamily="34" charset="0"/>
+              </a:rPr>
               <a:t>Segundo a Associação Brasileira de Telesserviços, o setor de call center cresceu aceleradamente durante a pandemia e deve ter faturado mais de 13,5 bilhões de reais em 2021.</a:t>
             </a:r>
-            <a:endParaRPr dirty="0"/>
+          </a:p>
+          <a:p>
+            <a:pPr marL="0" lvl="0" indent="0" algn="just" rtl="0">
+              <a:spcBef>
+                <a:spcPts val="0"/>
+              </a:spcBef>
+              <a:spcAft>
+                <a:spcPts val="1600"/>
+              </a:spcAft>
+              <a:buNone/>
+            </a:pPr>
+            <a:r>
+              <a:rPr lang="pt-BR" sz="1200" b="0" i="0" dirty="0">
+                <a:solidFill>
+                  <a:srgbClr val="2F2F2F"/>
+                </a:solidFill>
+                <a:effectLst/>
+                <a:latin typeface="Open Sans" panose="020B0606030504020204" pitchFamily="34" charset="0"/>
+                <a:ea typeface="Open Sans" panose="020B0606030504020204" pitchFamily="34" charset="0"/>
+                <a:cs typeface="Open Sans" panose="020B0606030504020204" pitchFamily="34" charset="0"/>
+              </a:rPr>
+              <a:t>Um exemplo desse crescimento é a AeC, uma das três maiores empresas do ramo no país. A operação, que fechou 2020 com 13.288 novas contratações.</a:t>
+            </a:r>
+            <a:endParaRPr sz="1200" dirty="0">
+              <a:latin typeface="Open Sans" panose="020B0606030504020204" pitchFamily="34" charset="0"/>
+              <a:ea typeface="Open Sans" panose="020B0606030504020204" pitchFamily="34" charset="0"/>
+              <a:cs typeface="Open Sans" panose="020B0606030504020204" pitchFamily="34" charset="0"/>
+            </a:endParaRPr>
           </a:p>
         </p:txBody>
       </p:sp>
@@ -48825,6 +48856,7 @@
           </a:bodyPr>
           <a:lstStyle/>
           <a:p>
+            <a:pPr algn="just"/>
             <a:r>
               <a:rPr lang="pt-BR" b="1" dirty="0">
                 <a:latin typeface="Abadi Extra Light" panose="020B0204020104020204" pitchFamily="34" charset="0"/>
@@ -49165,6 +49197,7 @@
           </a:bodyPr>
           <a:lstStyle/>
           <a:p>
+            <a:pPr algn="just"/>
             <a:r>
               <a:rPr lang="pt-BR" b="1" dirty="0">
                 <a:latin typeface="Abadi Extra Light" panose="020B0204020104020204" pitchFamily="34" charset="0"/>
@@ -49783,6 +49816,7 @@
           </a:bodyPr>
           <a:lstStyle/>
           <a:p>
+            <a:pPr algn="just"/>
             <a:r>
               <a:rPr lang="pt-BR" b="1" dirty="0">
                 <a:latin typeface="Abadi Extra Light" panose="020B0204020104020204" pitchFamily="34" charset="0"/>
@@ -50095,7 +50129,7 @@
         </p:nvSpPr>
         <p:spPr>
           <a:xfrm>
-            <a:off x="5451068" y="3222274"/>
+            <a:off x="5493634" y="3152351"/>
             <a:ext cx="2882405" cy="501299"/>
           </a:xfrm>
           <a:prstGeom prst="rect">
@@ -50368,7 +50402,7 @@
                 <a:latin typeface="Aharoni" panose="02010803020104030203" pitchFamily="2" charset="-79"/>
                 <a:cs typeface="Aharoni" panose="02010803020104030203" pitchFamily="2" charset="-79"/>
               </a:rPr>
-              <a:t>Para meu projeto R</a:t>
+              <a:t>Para o projeto R</a:t>
             </a:r>
             <a:r>
               <a:rPr lang="pt-BR" sz="2800" dirty="0">
@@ -50412,6 +50446,7 @@
           </a:bodyPr>
           <a:lstStyle/>
           <a:p>
+            <a:pPr algn="just"/>
             <a:r>
               <a:rPr lang="pt-BR" b="1" dirty="0">
                 <a:latin typeface="Abadi Extra Light" panose="020B0204020104020204" pitchFamily="34" charset="0"/>

--- a/Documentação/PPT/Sprint 3 - Apresentação.pptx
+++ b/Documentação/PPT/Sprint 3 - Apresentação.pptx
@@ -2359,7 +2359,7 @@
             </a:pPr>
             <a:fld id="{00000000-1234-1234-1234-123412341234}" type="slidenum">
               <a:rPr lang="en"/>
-              <a:t>‹#›</a:t>
+              <a:t>‹nº›</a:t>
             </a:fld>
             <a:endParaRPr/>
           </a:p>
@@ -20958,7 +20958,7 @@
             </a:pPr>
             <a:fld id="{00000000-1234-1234-1234-123412341234}" type="slidenum">
               <a:rPr lang="en"/>
-              <a:t>‹#›</a:t>
+              <a:t>‹nº›</a:t>
             </a:fld>
             <a:endParaRPr/>
           </a:p>
@@ -36918,7 +36918,7 @@
             </a:pPr>
             <a:fld id="{00000000-1234-1234-1234-123412341234}" type="slidenum">
               <a:rPr lang="en"/>
-              <a:t>‹#›</a:t>
+              <a:t>‹nº›</a:t>
             </a:fld>
             <a:endParaRPr/>
           </a:p>
@@ -47744,7 +47744,7 @@
         <p:spPr>
           <a:xfrm>
             <a:off x="4156507" y="1665482"/>
-            <a:ext cx="3245772" cy="2103799"/>
+            <a:ext cx="3511390" cy="2292564"/>
           </a:xfrm>
           <a:prstGeom prst="rect">
             <a:avLst/>
@@ -47794,7 +47794,7 @@
                 <a:ea typeface="Open Sans" panose="020B0606030504020204" pitchFamily="34" charset="0"/>
                 <a:cs typeface="Open Sans" panose="020B0606030504020204" pitchFamily="34" charset="0"/>
               </a:rPr>
-              <a:t>Um exemplo desse crescimento é a AeC, uma das três maiores empresas do ramo no país. A operação, que fechou 2020 com 13.288 novas contratações.</a:t>
+              <a:t>Um exemplo desse crescimento é a AeC, uma das três maiores empresas do ramo no país. A operação, que fechou 2020 com 13.288 novas contratações, um crescimento de 47%.</a:t>
             </a:r>
             <a:endParaRPr sz="1200" dirty="0">
               <a:latin typeface="Open Sans" panose="020B0606030504020204" pitchFamily="34" charset="0"/>
@@ -47915,6 +47915,53 @@
           <a:xfrm>
             <a:off x="1238400" y="1530844"/>
             <a:ext cx="2238437" cy="2238437"/>
+          </a:xfrm>
+          <a:prstGeom prst="rect">
+            <a:avLst/>
+          </a:prstGeom>
+          <a:noFill/>
+          <a:extLst>
+            <a:ext uri="{909E8E84-426E-40DD-AFC4-6F175D3DCCD1}">
+              <a14:hiddenFill xmlns:a14="http://schemas.microsoft.com/office/drawing/2010/main">
+                <a:solidFill>
+                  <a:srgbClr val="FFFFFF"/>
+                </a:solidFill>
+              </a14:hiddenFill>
+            </a:ext>
+          </a:extLst>
+        </p:spPr>
+      </p:pic>
+      <p:pic>
+        <p:nvPicPr>
+          <p:cNvPr id="1026" name="Picture 2" descr="Veja Logo - PNG e Vetor - Download de Logo">
+            <a:extLst>
+              <a:ext uri="{FF2B5EF4-FFF2-40B4-BE49-F238E27FC236}">
+                <a16:creationId xmlns:a16="http://schemas.microsoft.com/office/drawing/2014/main" id="{33D1168D-F5F5-4748-A4E4-6086B2E6587E}"/>
+              </a:ext>
+            </a:extLst>
+          </p:cNvPr>
+          <p:cNvPicPr>
+            <a:picLocks noChangeAspect="1" noChangeArrowheads="1"/>
+          </p:cNvPicPr>
+          <p:nvPr/>
+        </p:nvPicPr>
+        <p:blipFill>
+          <a:blip r:embed="rId5">
+            <a:extLst>
+              <a:ext uri="{28A0092B-C50C-407E-A947-70E740481C1C}">
+                <a14:useLocalDpi xmlns:a14="http://schemas.microsoft.com/office/drawing/2010/main" val="0"/>
+              </a:ext>
+            </a:extLst>
+          </a:blip>
+          <a:srcRect/>
+          <a:stretch>
+            <a:fillRect/>
+          </a:stretch>
+        </p:blipFill>
+        <p:spPr bwMode="auto">
+          <a:xfrm>
+            <a:off x="5427210" y="3614488"/>
+            <a:ext cx="1161370" cy="1161370"/>
           </a:xfrm>
           <a:prstGeom prst="rect">
             <a:avLst/>

--- a/Documentação/PPT/Sprint 3 - Apresentação.pptx
+++ b/Documentação/PPT/Sprint 3 - Apresentação.pptx
@@ -14,10 +14,10 @@
     <p:sldId id="280" r:id="rId5"/>
     <p:sldId id="258" r:id="rId6"/>
     <p:sldId id="263" r:id="rId7"/>
-    <p:sldId id="265" r:id="rId8"/>
-    <p:sldId id="312" r:id="rId9"/>
-    <p:sldId id="311" r:id="rId10"/>
-    <p:sldId id="279" r:id="rId11"/>
+    <p:sldId id="313" r:id="rId8"/>
+    <p:sldId id="265" r:id="rId9"/>
+    <p:sldId id="312" r:id="rId10"/>
+    <p:sldId id="311" r:id="rId11"/>
     <p:sldId id="267" r:id="rId12"/>
     <p:sldId id="282" r:id="rId13"/>
   </p:sldIdLst>
@@ -836,110 +836,6 @@
   <p:cSld>
     <p:spTree>
       <p:nvGrpSpPr>
-        <p:cNvPr id="1" name="Shape 1377"/>
-        <p:cNvGrpSpPr/>
-        <p:nvPr/>
-      </p:nvGrpSpPr>
-      <p:grpSpPr>
-        <a:xfrm>
-          <a:off x="0" y="0"/>
-          <a:ext cx="0" cy="0"/>
-          <a:chOff x="0" y="0"/>
-          <a:chExt cx="0" cy="0"/>
-        </a:xfrm>
-      </p:grpSpPr>
-      <p:sp>
-        <p:nvSpPr>
-          <p:cNvPr id="1378" name="Google Shape;1378;g8b47ffebea_0_874:notes"/>
-          <p:cNvSpPr>
-            <a:spLocks noGrp="1" noRot="1" noChangeAspect="1"/>
-          </p:cNvSpPr>
-          <p:nvPr>
-            <p:ph type="sldImg" idx="2"/>
-          </p:nvPr>
-        </p:nvSpPr>
-        <p:spPr>
-          <a:xfrm>
-            <a:off x="381000" y="685800"/>
-            <a:ext cx="6096000" cy="3429000"/>
-          </a:xfrm>
-          <a:custGeom>
-            <a:avLst/>
-            <a:gdLst/>
-            <a:ahLst/>
-            <a:cxnLst/>
-            <a:rect l="l" t="t" r="r" b="b"/>
-            <a:pathLst>
-              <a:path w="120000" h="120000" extrusionOk="0">
-                <a:moveTo>
-                  <a:pt x="0" y="0"/>
-                </a:moveTo>
-                <a:lnTo>
-                  <a:pt x="120000" y="0"/>
-                </a:lnTo>
-                <a:lnTo>
-                  <a:pt x="120000" y="120000"/>
-                </a:lnTo>
-                <a:lnTo>
-                  <a:pt x="0" y="120000"/>
-                </a:lnTo>
-                <a:close/>
-              </a:path>
-            </a:pathLst>
-          </a:custGeom>
-        </p:spPr>
-      </p:sp>
-      <p:sp>
-        <p:nvSpPr>
-          <p:cNvPr id="1379" name="Google Shape;1379;g8b47ffebea_0_874:notes"/>
-          <p:cNvSpPr txBox="1">
-            <a:spLocks noGrp="1"/>
-          </p:cNvSpPr>
-          <p:nvPr>
-            <p:ph type="body" idx="1"/>
-          </p:nvPr>
-        </p:nvSpPr>
-        <p:spPr>
-          <a:xfrm>
-            <a:off x="685800" y="4343400"/>
-            <a:ext cx="5486400" cy="4114800"/>
-          </a:xfrm>
-          <a:prstGeom prst="rect">
-            <a:avLst/>
-          </a:prstGeom>
-        </p:spPr>
-        <p:txBody>
-          <a:bodyPr spcFirstLastPara="1" wrap="square" lIns="91425" tIns="91425" rIns="91425" bIns="91425" anchor="t" anchorCtr="0">
-            <a:noAutofit/>
-          </a:bodyPr>
-          <a:lstStyle/>
-          <a:p>
-            <a:pPr marL="0" lvl="0" indent="0" algn="l" rtl="0">
-              <a:spcBef>
-                <a:spcPts val="0"/>
-              </a:spcBef>
-              <a:spcAft>
-                <a:spcPts val="0"/>
-              </a:spcAft>
-              <a:buNone/>
-            </a:pPr>
-            <a:endParaRPr/>
-          </a:p>
-        </p:txBody>
-      </p:sp>
-    </p:spTree>
-  </p:cSld>
-  <p:clrMapOvr>
-    <a:masterClrMapping/>
-  </p:clrMapOvr>
-</p:notes>
-</file>
-
-<file path=ppt/notesSlides/notesSlide11.xml><?xml version="1.0" encoding="utf-8"?>
-<p:notes xmlns:a="http://schemas.openxmlformats.org/drawingml/2006/main" xmlns:r="http://schemas.openxmlformats.org/officeDocument/2006/relationships" xmlns:p="http://schemas.openxmlformats.org/presentationml/2006/main" showMasterSp="0" showMasterPhAnim="0">
-  <p:cSld>
-    <p:spTree>
-      <p:nvGrpSpPr>
         <p:cNvPr id="1" name="Shape 998"/>
         <p:cNvGrpSpPr/>
         <p:nvPr/>
@@ -1039,7 +935,7 @@
 </p:notes>
 </file>
 
-<file path=ppt/notesSlides/notesSlide12.xml><?xml version="1.0" encoding="utf-8"?>
+<file path=ppt/notesSlides/notesSlide11.xml><?xml version="1.0" encoding="utf-8"?>
 <p:notes xmlns:a="http://schemas.openxmlformats.org/drawingml/2006/main" xmlns:r="http://schemas.openxmlformats.org/officeDocument/2006/relationships" xmlns:p="http://schemas.openxmlformats.org/presentationml/2006/main" showMasterSp="0" showMasterPhAnim="0">
   <p:cSld>
     <p:spTree>
@@ -6455,3486 +6351,6 @@
 </file>
 
 <file path=ppt/slideLayouts/slideLayout11.xml><?xml version="1.0" encoding="utf-8"?>
-<p:sldLayout xmlns:a="http://schemas.openxmlformats.org/drawingml/2006/main" xmlns:r="http://schemas.openxmlformats.org/officeDocument/2006/relationships" xmlns:p="http://schemas.openxmlformats.org/presentationml/2006/main" matchingName="Small Numbers ">
-  <p:cSld name="BLANK_1_1_1_1">
-    <p:spTree>
-      <p:nvGrpSpPr>
-        <p:cNvPr id="1" name="Shape 588"/>
-        <p:cNvGrpSpPr/>
-        <p:nvPr/>
-      </p:nvGrpSpPr>
-      <p:grpSpPr>
-        <a:xfrm>
-          <a:off x="0" y="0"/>
-          <a:ext cx="0" cy="0"/>
-          <a:chOff x="0" y="0"/>
-          <a:chExt cx="0" cy="0"/>
-        </a:xfrm>
-      </p:grpSpPr>
-      <p:sp>
-        <p:nvSpPr>
-          <p:cNvPr id="589" name="Google Shape;589;p27"/>
-          <p:cNvSpPr txBox="1">
-            <a:spLocks noGrp="1"/>
-          </p:cNvSpPr>
-          <p:nvPr>
-            <p:ph type="title"/>
-          </p:nvPr>
-        </p:nvSpPr>
-        <p:spPr>
-          <a:xfrm>
-            <a:off x="720000" y="540000"/>
-            <a:ext cx="7704000" cy="813900"/>
-          </a:xfrm>
-          <a:prstGeom prst="rect">
-            <a:avLst/>
-          </a:prstGeom>
-        </p:spPr>
-        <p:txBody>
-          <a:bodyPr spcFirstLastPara="1" wrap="square" lIns="91425" tIns="91425" rIns="91425" bIns="91425" anchor="t" anchorCtr="0">
-            <a:noAutofit/>
-          </a:bodyPr>
-          <a:lstStyle>
-            <a:lvl1pPr lvl="0" algn="ctr" rtl="0">
-              <a:spcBef>
-                <a:spcPts val="0"/>
-              </a:spcBef>
-              <a:spcAft>
-                <a:spcPts val="0"/>
-              </a:spcAft>
-              <a:buSzPts val="2700"/>
-              <a:buNone/>
-              <a:defRPr/>
-            </a:lvl1pPr>
-            <a:lvl2pPr lvl="1" rtl="0">
-              <a:spcBef>
-                <a:spcPts val="0"/>
-              </a:spcBef>
-              <a:spcAft>
-                <a:spcPts val="0"/>
-              </a:spcAft>
-              <a:buSzPts val="2800"/>
-              <a:buNone/>
-              <a:defRPr>
-                <a:latin typeface="Ruda"/>
-                <a:ea typeface="Ruda"/>
-                <a:cs typeface="Ruda"/>
-                <a:sym typeface="Ruda"/>
-              </a:defRPr>
-            </a:lvl2pPr>
-            <a:lvl3pPr lvl="2" rtl="0">
-              <a:spcBef>
-                <a:spcPts val="0"/>
-              </a:spcBef>
-              <a:spcAft>
-                <a:spcPts val="0"/>
-              </a:spcAft>
-              <a:buSzPts val="2800"/>
-              <a:buNone/>
-              <a:defRPr>
-                <a:latin typeface="Ruda"/>
-                <a:ea typeface="Ruda"/>
-                <a:cs typeface="Ruda"/>
-                <a:sym typeface="Ruda"/>
-              </a:defRPr>
-            </a:lvl3pPr>
-            <a:lvl4pPr lvl="3" rtl="0">
-              <a:spcBef>
-                <a:spcPts val="0"/>
-              </a:spcBef>
-              <a:spcAft>
-                <a:spcPts val="0"/>
-              </a:spcAft>
-              <a:buSzPts val="2800"/>
-              <a:buNone/>
-              <a:defRPr>
-                <a:latin typeface="Ruda"/>
-                <a:ea typeface="Ruda"/>
-                <a:cs typeface="Ruda"/>
-                <a:sym typeface="Ruda"/>
-              </a:defRPr>
-            </a:lvl4pPr>
-            <a:lvl5pPr lvl="4" rtl="0">
-              <a:spcBef>
-                <a:spcPts val="0"/>
-              </a:spcBef>
-              <a:spcAft>
-                <a:spcPts val="0"/>
-              </a:spcAft>
-              <a:buSzPts val="2800"/>
-              <a:buNone/>
-              <a:defRPr>
-                <a:latin typeface="Ruda"/>
-                <a:ea typeface="Ruda"/>
-                <a:cs typeface="Ruda"/>
-                <a:sym typeface="Ruda"/>
-              </a:defRPr>
-            </a:lvl5pPr>
-            <a:lvl6pPr lvl="5" rtl="0">
-              <a:spcBef>
-                <a:spcPts val="0"/>
-              </a:spcBef>
-              <a:spcAft>
-                <a:spcPts val="0"/>
-              </a:spcAft>
-              <a:buSzPts val="2800"/>
-              <a:buNone/>
-              <a:defRPr>
-                <a:latin typeface="Ruda"/>
-                <a:ea typeface="Ruda"/>
-                <a:cs typeface="Ruda"/>
-                <a:sym typeface="Ruda"/>
-              </a:defRPr>
-            </a:lvl6pPr>
-            <a:lvl7pPr lvl="6" rtl="0">
-              <a:spcBef>
-                <a:spcPts val="0"/>
-              </a:spcBef>
-              <a:spcAft>
-                <a:spcPts val="0"/>
-              </a:spcAft>
-              <a:buSzPts val="2800"/>
-              <a:buNone/>
-              <a:defRPr>
-                <a:latin typeface="Ruda"/>
-                <a:ea typeface="Ruda"/>
-                <a:cs typeface="Ruda"/>
-                <a:sym typeface="Ruda"/>
-              </a:defRPr>
-            </a:lvl7pPr>
-            <a:lvl8pPr lvl="7" rtl="0">
-              <a:spcBef>
-                <a:spcPts val="0"/>
-              </a:spcBef>
-              <a:spcAft>
-                <a:spcPts val="0"/>
-              </a:spcAft>
-              <a:buSzPts val="2800"/>
-              <a:buNone/>
-              <a:defRPr>
-                <a:latin typeface="Ruda"/>
-                <a:ea typeface="Ruda"/>
-                <a:cs typeface="Ruda"/>
-                <a:sym typeface="Ruda"/>
-              </a:defRPr>
-            </a:lvl8pPr>
-            <a:lvl9pPr lvl="8" rtl="0">
-              <a:spcBef>
-                <a:spcPts val="0"/>
-              </a:spcBef>
-              <a:spcAft>
-                <a:spcPts val="0"/>
-              </a:spcAft>
-              <a:buSzPts val="2800"/>
-              <a:buNone/>
-              <a:defRPr>
-                <a:latin typeface="Ruda"/>
-                <a:ea typeface="Ruda"/>
-                <a:cs typeface="Ruda"/>
-                <a:sym typeface="Ruda"/>
-              </a:defRPr>
-            </a:lvl9pPr>
-          </a:lstStyle>
-          <a:p>
-            <a:endParaRPr/>
-          </a:p>
-        </p:txBody>
-      </p:sp>
-      <p:sp>
-        <p:nvSpPr>
-          <p:cNvPr id="590" name="Google Shape;590;p27"/>
-          <p:cNvSpPr/>
-          <p:nvPr/>
-        </p:nvSpPr>
-        <p:spPr>
-          <a:xfrm rot="10800000">
-            <a:off x="-200029" y="3409984"/>
-            <a:ext cx="2952629" cy="1756863"/>
-          </a:xfrm>
-          <a:custGeom>
-            <a:avLst/>
-            <a:gdLst/>
-            <a:ahLst/>
-            <a:cxnLst/>
-            <a:rect l="l" t="t" r="r" b="b"/>
-            <a:pathLst>
-              <a:path w="97656" h="47689" extrusionOk="0">
-                <a:moveTo>
-                  <a:pt x="1" y="0"/>
-                </a:moveTo>
-                <a:cubicBezTo>
-                  <a:pt x="179" y="2596"/>
-                  <a:pt x="763" y="5120"/>
-                  <a:pt x="1965" y="7454"/>
-                </a:cubicBezTo>
-                <a:cubicBezTo>
-                  <a:pt x="7382" y="17872"/>
-                  <a:pt x="24766" y="15621"/>
-                  <a:pt x="34243" y="18550"/>
-                </a:cubicBezTo>
-                <a:cubicBezTo>
-                  <a:pt x="51459" y="23872"/>
-                  <a:pt x="37874" y="41351"/>
-                  <a:pt x="54103" y="46899"/>
-                </a:cubicBezTo>
-                <a:cubicBezTo>
-                  <a:pt x="55722" y="47453"/>
-                  <a:pt x="57442" y="47688"/>
-                  <a:pt x="59232" y="47688"/>
-                </a:cubicBezTo>
-                <a:cubicBezTo>
-                  <a:pt x="69055" y="47688"/>
-                  <a:pt x="80997" y="40619"/>
-                  <a:pt x="90000" y="40458"/>
-                </a:cubicBezTo>
-                <a:cubicBezTo>
-                  <a:pt x="90155" y="40455"/>
-                  <a:pt x="90308" y="40453"/>
-                  <a:pt x="90460" y="40453"/>
-                </a:cubicBezTo>
-                <a:cubicBezTo>
-                  <a:pt x="93270" y="40453"/>
-                  <a:pt x="95645" y="40971"/>
-                  <a:pt x="97656" y="41886"/>
-                </a:cubicBezTo>
-                <a:lnTo>
-                  <a:pt x="97656" y="0"/>
-                </a:lnTo>
-                <a:close/>
-              </a:path>
-            </a:pathLst>
-          </a:custGeom>
-          <a:gradFill>
-            <a:gsLst>
-              <a:gs pos="0">
-                <a:schemeClr val="accent3"/>
-              </a:gs>
-              <a:gs pos="100000">
-                <a:schemeClr val="accent4"/>
-              </a:gs>
-            </a:gsLst>
-            <a:lin ang="5400700" scaled="0"/>
-          </a:gradFill>
-          <a:ln>
-            <a:noFill/>
-          </a:ln>
-          <a:effectLst>
-            <a:outerShdw blurRad="357188" dist="219075" algn="bl" rotWithShape="0">
-              <a:srgbClr val="000000">
-                <a:alpha val="22000"/>
-              </a:srgbClr>
-            </a:outerShdw>
-          </a:effectLst>
-        </p:spPr>
-        <p:txBody>
-          <a:bodyPr spcFirstLastPara="1" wrap="square" lIns="91425" tIns="91425" rIns="91425" bIns="91425" anchor="ctr" anchorCtr="0">
-            <a:noAutofit/>
-          </a:bodyPr>
-          <a:lstStyle/>
-          <a:p>
-            <a:pPr marL="0" lvl="0" indent="0" algn="l" rtl="0">
-              <a:spcBef>
-                <a:spcPts val="0"/>
-              </a:spcBef>
-              <a:spcAft>
-                <a:spcPts val="0"/>
-              </a:spcAft>
-              <a:buNone/>
-            </a:pPr>
-            <a:endParaRPr/>
-          </a:p>
-        </p:txBody>
-      </p:sp>
-      <p:sp>
-        <p:nvSpPr>
-          <p:cNvPr id="591" name="Google Shape;591;p27"/>
-          <p:cNvSpPr/>
-          <p:nvPr/>
-        </p:nvSpPr>
-        <p:spPr>
-          <a:xfrm>
-            <a:off x="1725153" y="3742075"/>
-            <a:ext cx="351300" cy="342600"/>
-          </a:xfrm>
-          <a:prstGeom prst="ellipse">
-            <a:avLst/>
-          </a:prstGeom>
-          <a:gradFill>
-            <a:gsLst>
-              <a:gs pos="0">
-                <a:schemeClr val="accent3"/>
-              </a:gs>
-              <a:gs pos="100000">
-                <a:schemeClr val="accent4"/>
-              </a:gs>
-            </a:gsLst>
-            <a:lin ang="5400700" scaled="0"/>
-          </a:gradFill>
-          <a:ln>
-            <a:noFill/>
-          </a:ln>
-        </p:spPr>
-        <p:txBody>
-          <a:bodyPr spcFirstLastPara="1" wrap="square" lIns="91425" tIns="91425" rIns="91425" bIns="91425" anchor="ctr" anchorCtr="0">
-            <a:noAutofit/>
-          </a:bodyPr>
-          <a:lstStyle/>
-          <a:p>
-            <a:pPr marL="0" lvl="0" indent="0" algn="l" rtl="0">
-              <a:spcBef>
-                <a:spcPts val="0"/>
-              </a:spcBef>
-              <a:spcAft>
-                <a:spcPts val="0"/>
-              </a:spcAft>
-              <a:buNone/>
-            </a:pPr>
-            <a:endParaRPr/>
-          </a:p>
-        </p:txBody>
-      </p:sp>
-      <p:sp>
-        <p:nvSpPr>
-          <p:cNvPr id="592" name="Google Shape;592;p27"/>
-          <p:cNvSpPr/>
-          <p:nvPr/>
-        </p:nvSpPr>
-        <p:spPr>
-          <a:xfrm rot="10800000">
-            <a:off x="-352429" y="3529512"/>
-            <a:ext cx="2952629" cy="1756863"/>
-          </a:xfrm>
-          <a:custGeom>
-            <a:avLst/>
-            <a:gdLst/>
-            <a:ahLst/>
-            <a:cxnLst/>
-            <a:rect l="l" t="t" r="r" b="b"/>
-            <a:pathLst>
-              <a:path w="97656" h="47689" extrusionOk="0">
-                <a:moveTo>
-                  <a:pt x="1" y="0"/>
-                </a:moveTo>
-                <a:cubicBezTo>
-                  <a:pt x="179" y="2596"/>
-                  <a:pt x="763" y="5120"/>
-                  <a:pt x="1965" y="7454"/>
-                </a:cubicBezTo>
-                <a:cubicBezTo>
-                  <a:pt x="7382" y="17872"/>
-                  <a:pt x="24766" y="15621"/>
-                  <a:pt x="34243" y="18550"/>
-                </a:cubicBezTo>
-                <a:cubicBezTo>
-                  <a:pt x="51459" y="23872"/>
-                  <a:pt x="37874" y="41351"/>
-                  <a:pt x="54103" y="46899"/>
-                </a:cubicBezTo>
-                <a:cubicBezTo>
-                  <a:pt x="55722" y="47453"/>
-                  <a:pt x="57442" y="47688"/>
-                  <a:pt x="59232" y="47688"/>
-                </a:cubicBezTo>
-                <a:cubicBezTo>
-                  <a:pt x="69055" y="47688"/>
-                  <a:pt x="80997" y="40619"/>
-                  <a:pt x="90000" y="40458"/>
-                </a:cubicBezTo>
-                <a:cubicBezTo>
-                  <a:pt x="90155" y="40455"/>
-                  <a:pt x="90308" y="40453"/>
-                  <a:pt x="90460" y="40453"/>
-                </a:cubicBezTo>
-                <a:cubicBezTo>
-                  <a:pt x="93270" y="40453"/>
-                  <a:pt x="95645" y="40971"/>
-                  <a:pt x="97656" y="41886"/>
-                </a:cubicBezTo>
-                <a:lnTo>
-                  <a:pt x="97656" y="0"/>
-                </a:lnTo>
-                <a:close/>
-              </a:path>
-            </a:pathLst>
-          </a:custGeom>
-          <a:noFill/>
-          <a:ln w="9525" cap="flat" cmpd="sng">
-            <a:solidFill>
-              <a:schemeClr val="dk1"/>
-            </a:solidFill>
-            <a:prstDash val="solid"/>
-            <a:round/>
-            <a:headEnd type="none" w="sm" len="sm"/>
-            <a:tailEnd type="none" w="sm" len="sm"/>
-          </a:ln>
-          <a:effectLst>
-            <a:outerShdw blurRad="357188" dist="219075" algn="bl" rotWithShape="0">
-              <a:srgbClr val="000000">
-                <a:alpha val="22000"/>
-              </a:srgbClr>
-            </a:outerShdw>
-          </a:effectLst>
-        </p:spPr>
-        <p:txBody>
-          <a:bodyPr spcFirstLastPara="1" wrap="square" lIns="91425" tIns="91425" rIns="91425" bIns="91425" anchor="ctr" anchorCtr="0">
-            <a:noAutofit/>
-          </a:bodyPr>
-          <a:lstStyle/>
-          <a:p>
-            <a:pPr marL="0" lvl="0" indent="0" algn="l" rtl="0">
-              <a:spcBef>
-                <a:spcPts val="0"/>
-              </a:spcBef>
-              <a:spcAft>
-                <a:spcPts val="0"/>
-              </a:spcAft>
-              <a:buNone/>
-            </a:pPr>
-            <a:endParaRPr/>
-          </a:p>
-        </p:txBody>
-      </p:sp>
-      <p:sp>
-        <p:nvSpPr>
-          <p:cNvPr id="593" name="Google Shape;593;p27"/>
-          <p:cNvSpPr/>
-          <p:nvPr/>
-        </p:nvSpPr>
-        <p:spPr>
-          <a:xfrm rot="-496824">
-            <a:off x="6810412" y="-771207"/>
-            <a:ext cx="2917890" cy="2202282"/>
-          </a:xfrm>
-          <a:custGeom>
-            <a:avLst/>
-            <a:gdLst/>
-            <a:ahLst/>
-            <a:cxnLst/>
-            <a:rect l="l" t="t" r="r" b="b"/>
-            <a:pathLst>
-              <a:path w="102121" h="77076" extrusionOk="0">
-                <a:moveTo>
-                  <a:pt x="20453" y="1"/>
-                </a:moveTo>
-                <a:cubicBezTo>
-                  <a:pt x="18855" y="1"/>
-                  <a:pt x="17249" y="219"/>
-                  <a:pt x="15644" y="713"/>
-                </a:cubicBezTo>
-                <a:cubicBezTo>
-                  <a:pt x="12098" y="1819"/>
-                  <a:pt x="9470" y="4593"/>
-                  <a:pt x="7551" y="7700"/>
-                </a:cubicBezTo>
-                <a:cubicBezTo>
-                  <a:pt x="7072" y="7242"/>
-                  <a:pt x="6467" y="6950"/>
-                  <a:pt x="5799" y="6845"/>
-                </a:cubicBezTo>
-                <a:cubicBezTo>
-                  <a:pt x="5657" y="6827"/>
-                  <a:pt x="5517" y="6818"/>
-                  <a:pt x="5380" y="6818"/>
-                </a:cubicBezTo>
-                <a:cubicBezTo>
-                  <a:pt x="3784" y="6818"/>
-                  <a:pt x="2641" y="8018"/>
-                  <a:pt x="2295" y="9536"/>
-                </a:cubicBezTo>
-                <a:cubicBezTo>
-                  <a:pt x="1232" y="14354"/>
-                  <a:pt x="1" y="20132"/>
-                  <a:pt x="2400" y="24762"/>
-                </a:cubicBezTo>
-                <a:cubicBezTo>
-                  <a:pt x="6112" y="31916"/>
-                  <a:pt x="18043" y="30373"/>
-                  <a:pt x="24550" y="32375"/>
-                </a:cubicBezTo>
-                <a:cubicBezTo>
-                  <a:pt x="36356" y="36025"/>
-                  <a:pt x="27033" y="48018"/>
-                  <a:pt x="38171" y="51835"/>
-                </a:cubicBezTo>
-                <a:cubicBezTo>
-                  <a:pt x="39277" y="52214"/>
-                  <a:pt x="40453" y="52374"/>
-                  <a:pt x="41678" y="52374"/>
-                </a:cubicBezTo>
-                <a:cubicBezTo>
-                  <a:pt x="48417" y="52374"/>
-                  <a:pt x="56626" y="47516"/>
-                  <a:pt x="62803" y="47392"/>
-                </a:cubicBezTo>
-                <a:cubicBezTo>
-                  <a:pt x="62905" y="47391"/>
-                  <a:pt x="63006" y="47390"/>
-                  <a:pt x="63105" y="47390"/>
-                </a:cubicBezTo>
-                <a:cubicBezTo>
-                  <a:pt x="74130" y="47390"/>
-                  <a:pt x="75326" y="58736"/>
-                  <a:pt x="76173" y="67666"/>
-                </a:cubicBezTo>
-                <a:cubicBezTo>
-                  <a:pt x="76816" y="74484"/>
-                  <a:pt x="79803" y="77076"/>
-                  <a:pt x="83423" y="77076"/>
-                </a:cubicBezTo>
-                <a:cubicBezTo>
-                  <a:pt x="88377" y="77076"/>
-                  <a:pt x="94517" y="72225"/>
-                  <a:pt x="97469" y="66707"/>
-                </a:cubicBezTo>
-                <a:cubicBezTo>
-                  <a:pt x="100848" y="60428"/>
-                  <a:pt x="102120" y="53087"/>
-                  <a:pt x="101682" y="46016"/>
-                </a:cubicBezTo>
-                <a:cubicBezTo>
-                  <a:pt x="101286" y="39759"/>
-                  <a:pt x="99263" y="33293"/>
-                  <a:pt x="96781" y="27557"/>
-                </a:cubicBezTo>
-                <a:cubicBezTo>
-                  <a:pt x="94215" y="21612"/>
-                  <a:pt x="90315" y="15105"/>
-                  <a:pt x="84475" y="11893"/>
-                </a:cubicBezTo>
-                <a:cubicBezTo>
-                  <a:pt x="82069" y="10574"/>
-                  <a:pt x="79586" y="10072"/>
-                  <a:pt x="77082" y="10072"/>
-                </a:cubicBezTo>
-                <a:cubicBezTo>
-                  <a:pt x="72854" y="10072"/>
-                  <a:pt x="68567" y="11503"/>
-                  <a:pt x="64493" y="12852"/>
-                </a:cubicBezTo>
-                <a:cubicBezTo>
-                  <a:pt x="63075" y="13311"/>
-                  <a:pt x="61719" y="13749"/>
-                  <a:pt x="60300" y="14083"/>
-                </a:cubicBezTo>
-                <a:cubicBezTo>
-                  <a:pt x="59550" y="14271"/>
-                  <a:pt x="58778" y="14417"/>
-                  <a:pt x="58006" y="14521"/>
-                </a:cubicBezTo>
-                <a:cubicBezTo>
-                  <a:pt x="57798" y="14563"/>
-                  <a:pt x="56963" y="14583"/>
-                  <a:pt x="56901" y="14604"/>
-                </a:cubicBezTo>
-                <a:cubicBezTo>
-                  <a:pt x="56192" y="14563"/>
-                  <a:pt x="55482" y="14479"/>
-                  <a:pt x="54773" y="14354"/>
-                </a:cubicBezTo>
-                <a:cubicBezTo>
-                  <a:pt x="54606" y="14312"/>
-                  <a:pt x="53876" y="14145"/>
-                  <a:pt x="53772" y="14125"/>
-                </a:cubicBezTo>
-                <a:cubicBezTo>
-                  <a:pt x="53355" y="13999"/>
-                  <a:pt x="52938" y="13853"/>
-                  <a:pt x="52521" y="13707"/>
-                </a:cubicBezTo>
-                <a:cubicBezTo>
-                  <a:pt x="48349" y="12268"/>
-                  <a:pt x="44470" y="9974"/>
-                  <a:pt x="40653" y="7805"/>
-                </a:cubicBezTo>
-                <a:cubicBezTo>
-                  <a:pt x="34616" y="4377"/>
-                  <a:pt x="27616" y="1"/>
-                  <a:pt x="20453" y="1"/>
-                </a:cubicBezTo>
-                <a:close/>
-              </a:path>
-            </a:pathLst>
-          </a:custGeom>
-          <a:gradFill>
-            <a:gsLst>
-              <a:gs pos="0">
-                <a:schemeClr val="lt2"/>
-              </a:gs>
-              <a:gs pos="100000">
-                <a:schemeClr val="accent1"/>
-              </a:gs>
-            </a:gsLst>
-            <a:lin ang="5400700" scaled="0"/>
-          </a:gradFill>
-          <a:ln>
-            <a:noFill/>
-          </a:ln>
-        </p:spPr>
-        <p:txBody>
-          <a:bodyPr spcFirstLastPara="1" wrap="square" lIns="91425" tIns="91425" rIns="91425" bIns="91425" anchor="ctr" anchorCtr="0">
-            <a:noAutofit/>
-          </a:bodyPr>
-          <a:lstStyle/>
-          <a:p>
-            <a:pPr marL="0" lvl="0" indent="0" algn="l" rtl="0">
-              <a:spcBef>
-                <a:spcPts val="0"/>
-              </a:spcBef>
-              <a:spcAft>
-                <a:spcPts val="0"/>
-              </a:spcAft>
-              <a:buNone/>
-            </a:pPr>
-            <a:endParaRPr/>
-          </a:p>
-        </p:txBody>
-      </p:sp>
-      <p:sp>
-        <p:nvSpPr>
-          <p:cNvPr id="594" name="Google Shape;594;p27"/>
-          <p:cNvSpPr/>
-          <p:nvPr/>
-        </p:nvSpPr>
-        <p:spPr>
-          <a:xfrm rot="9791591">
-            <a:off x="8393680" y="848082"/>
-            <a:ext cx="367289" cy="358754"/>
-          </a:xfrm>
-          <a:prstGeom prst="ellipse">
-            <a:avLst/>
-          </a:prstGeom>
-          <a:gradFill>
-            <a:gsLst>
-              <a:gs pos="0">
-                <a:schemeClr val="lt2"/>
-              </a:gs>
-              <a:gs pos="100000">
-                <a:schemeClr val="accent1"/>
-              </a:gs>
-            </a:gsLst>
-            <a:lin ang="5400012" scaled="0"/>
-          </a:gradFill>
-          <a:ln>
-            <a:noFill/>
-          </a:ln>
-        </p:spPr>
-        <p:txBody>
-          <a:bodyPr spcFirstLastPara="1" wrap="square" lIns="91425" tIns="91425" rIns="91425" bIns="91425" anchor="ctr" anchorCtr="0">
-            <a:noAutofit/>
-          </a:bodyPr>
-          <a:lstStyle/>
-          <a:p>
-            <a:pPr marL="0" lvl="0" indent="0" algn="l" rtl="0">
-              <a:spcBef>
-                <a:spcPts val="0"/>
-              </a:spcBef>
-              <a:spcAft>
-                <a:spcPts val="0"/>
-              </a:spcAft>
-              <a:buNone/>
-            </a:pPr>
-            <a:endParaRPr/>
-          </a:p>
-        </p:txBody>
-      </p:sp>
-      <p:grpSp>
-        <p:nvGrpSpPr>
-          <p:cNvPr id="595" name="Google Shape;595;p27"/>
-          <p:cNvGrpSpPr/>
-          <p:nvPr/>
-        </p:nvGrpSpPr>
-        <p:grpSpPr>
-          <a:xfrm>
-            <a:off x="8262849" y="3952812"/>
-            <a:ext cx="1105852" cy="705209"/>
-            <a:chOff x="8038125" y="4174075"/>
-            <a:chExt cx="673396" cy="429429"/>
-          </a:xfrm>
-        </p:grpSpPr>
-        <p:sp>
-          <p:nvSpPr>
-            <p:cNvPr id="596" name="Google Shape;596;p27"/>
-            <p:cNvSpPr/>
-            <p:nvPr/>
-          </p:nvSpPr>
-          <p:spPr>
-            <a:xfrm>
-              <a:off x="8038125" y="4174075"/>
-              <a:ext cx="63876" cy="63876"/>
-            </a:xfrm>
-            <a:custGeom>
-              <a:avLst/>
-              <a:gdLst/>
-              <a:ahLst/>
-              <a:cxnLst/>
-              <a:rect l="l" t="t" r="r" b="b"/>
-              <a:pathLst>
-                <a:path w="3859" h="3859" extrusionOk="0">
-                  <a:moveTo>
-                    <a:pt x="334" y="1"/>
-                  </a:moveTo>
-                  <a:lnTo>
-                    <a:pt x="1" y="334"/>
-                  </a:lnTo>
-                  <a:lnTo>
-                    <a:pt x="1596" y="1942"/>
-                  </a:lnTo>
-                  <a:lnTo>
-                    <a:pt x="1" y="3525"/>
-                  </a:lnTo>
-                  <a:lnTo>
-                    <a:pt x="334" y="3859"/>
-                  </a:lnTo>
-                  <a:lnTo>
-                    <a:pt x="1930" y="2251"/>
-                  </a:lnTo>
-                  <a:lnTo>
-                    <a:pt x="3537" y="3859"/>
-                  </a:lnTo>
-                  <a:lnTo>
-                    <a:pt x="3859" y="3525"/>
-                  </a:lnTo>
-                  <a:lnTo>
-                    <a:pt x="2251" y="1942"/>
-                  </a:lnTo>
-                  <a:lnTo>
-                    <a:pt x="3859" y="334"/>
-                  </a:lnTo>
-                  <a:lnTo>
-                    <a:pt x="3537" y="1"/>
-                  </a:lnTo>
-                  <a:lnTo>
-                    <a:pt x="1930" y="1608"/>
-                  </a:lnTo>
-                  <a:lnTo>
-                    <a:pt x="334" y="1"/>
-                  </a:lnTo>
-                  <a:close/>
-                </a:path>
-              </a:pathLst>
-            </a:custGeom>
-            <a:solidFill>
-              <a:schemeClr val="dk1"/>
-            </a:solidFill>
-            <a:ln>
-              <a:noFill/>
-            </a:ln>
-          </p:spPr>
-          <p:txBody>
-            <a:bodyPr spcFirstLastPara="1" wrap="square" lIns="91425" tIns="91425" rIns="91425" bIns="91425" anchor="ctr" anchorCtr="0">
-              <a:noAutofit/>
-            </a:bodyPr>
-            <a:lstStyle/>
-            <a:p>
-              <a:pPr marL="0" lvl="0" indent="0" algn="l" rtl="0">
-                <a:spcBef>
-                  <a:spcPts val="0"/>
-                </a:spcBef>
-                <a:spcAft>
-                  <a:spcPts val="0"/>
-                </a:spcAft>
-                <a:buNone/>
-              </a:pPr>
-              <a:endParaRPr/>
-            </a:p>
-          </p:txBody>
-        </p:sp>
-        <p:sp>
-          <p:nvSpPr>
-            <p:cNvPr id="597" name="Google Shape;597;p27"/>
-            <p:cNvSpPr/>
-            <p:nvPr/>
-          </p:nvSpPr>
-          <p:spPr>
-            <a:xfrm>
-              <a:off x="8160109" y="4174075"/>
-              <a:ext cx="63677" cy="63876"/>
-            </a:xfrm>
-            <a:custGeom>
-              <a:avLst/>
-              <a:gdLst/>
-              <a:ahLst/>
-              <a:cxnLst/>
-              <a:rect l="l" t="t" r="r" b="b"/>
-              <a:pathLst>
-                <a:path w="3847" h="3859" extrusionOk="0">
-                  <a:moveTo>
-                    <a:pt x="310" y="1"/>
-                  </a:moveTo>
-                  <a:lnTo>
-                    <a:pt x="1" y="334"/>
-                  </a:lnTo>
-                  <a:lnTo>
-                    <a:pt x="1596" y="1942"/>
-                  </a:lnTo>
-                  <a:lnTo>
-                    <a:pt x="1" y="3525"/>
-                  </a:lnTo>
-                  <a:lnTo>
-                    <a:pt x="310" y="3859"/>
-                  </a:lnTo>
-                  <a:lnTo>
-                    <a:pt x="1918" y="2251"/>
-                  </a:lnTo>
-                  <a:lnTo>
-                    <a:pt x="3525" y="3859"/>
-                  </a:lnTo>
-                  <a:lnTo>
-                    <a:pt x="3847" y="3525"/>
-                  </a:lnTo>
-                  <a:lnTo>
-                    <a:pt x="2251" y="1942"/>
-                  </a:lnTo>
-                  <a:lnTo>
-                    <a:pt x="3847" y="334"/>
-                  </a:lnTo>
-                  <a:lnTo>
-                    <a:pt x="3525" y="1"/>
-                  </a:lnTo>
-                  <a:lnTo>
-                    <a:pt x="1918" y="1608"/>
-                  </a:lnTo>
-                  <a:lnTo>
-                    <a:pt x="310" y="1"/>
-                  </a:lnTo>
-                  <a:close/>
-                </a:path>
-              </a:pathLst>
-            </a:custGeom>
-            <a:solidFill>
-              <a:schemeClr val="dk1"/>
-            </a:solidFill>
-            <a:ln>
-              <a:noFill/>
-            </a:ln>
-          </p:spPr>
-          <p:txBody>
-            <a:bodyPr spcFirstLastPara="1" wrap="square" lIns="91425" tIns="91425" rIns="91425" bIns="91425" anchor="ctr" anchorCtr="0">
-              <a:noAutofit/>
-            </a:bodyPr>
-            <a:lstStyle/>
-            <a:p>
-              <a:pPr marL="0" lvl="0" indent="0" algn="l" rtl="0">
-                <a:spcBef>
-                  <a:spcPts val="0"/>
-                </a:spcBef>
-                <a:spcAft>
-                  <a:spcPts val="0"/>
-                </a:spcAft>
-                <a:buNone/>
-              </a:pPr>
-              <a:endParaRPr/>
-            </a:p>
-          </p:txBody>
-        </p:sp>
-        <p:sp>
-          <p:nvSpPr>
-            <p:cNvPr id="598" name="Google Shape;598;p27"/>
-            <p:cNvSpPr/>
-            <p:nvPr/>
-          </p:nvSpPr>
-          <p:spPr>
-            <a:xfrm>
-              <a:off x="8281893" y="4174075"/>
-              <a:ext cx="64075" cy="63876"/>
-            </a:xfrm>
-            <a:custGeom>
-              <a:avLst/>
-              <a:gdLst/>
-              <a:ahLst/>
-              <a:cxnLst/>
-              <a:rect l="l" t="t" r="r" b="b"/>
-              <a:pathLst>
-                <a:path w="3871" h="3859" extrusionOk="0">
-                  <a:moveTo>
-                    <a:pt x="322" y="1"/>
-                  </a:moveTo>
-                  <a:lnTo>
-                    <a:pt x="1" y="334"/>
-                  </a:lnTo>
-                  <a:lnTo>
-                    <a:pt x="1608" y="1942"/>
-                  </a:lnTo>
-                  <a:lnTo>
-                    <a:pt x="1" y="3525"/>
-                  </a:lnTo>
-                  <a:lnTo>
-                    <a:pt x="322" y="3859"/>
-                  </a:lnTo>
-                  <a:lnTo>
-                    <a:pt x="1930" y="2251"/>
-                  </a:lnTo>
-                  <a:lnTo>
-                    <a:pt x="3525" y="3859"/>
-                  </a:lnTo>
-                  <a:lnTo>
-                    <a:pt x="3871" y="3525"/>
-                  </a:lnTo>
-                  <a:lnTo>
-                    <a:pt x="2263" y="1942"/>
-                  </a:lnTo>
-                  <a:lnTo>
-                    <a:pt x="3847" y="334"/>
-                  </a:lnTo>
-                  <a:lnTo>
-                    <a:pt x="3525" y="1"/>
-                  </a:lnTo>
-                  <a:lnTo>
-                    <a:pt x="1930" y="1608"/>
-                  </a:lnTo>
-                  <a:lnTo>
-                    <a:pt x="322" y="1"/>
-                  </a:lnTo>
-                  <a:close/>
-                </a:path>
-              </a:pathLst>
-            </a:custGeom>
-            <a:solidFill>
-              <a:schemeClr val="dk1"/>
-            </a:solidFill>
-            <a:ln>
-              <a:noFill/>
-            </a:ln>
-          </p:spPr>
-          <p:txBody>
-            <a:bodyPr spcFirstLastPara="1" wrap="square" lIns="91425" tIns="91425" rIns="91425" bIns="91425" anchor="ctr" anchorCtr="0">
-              <a:noAutofit/>
-            </a:bodyPr>
-            <a:lstStyle/>
-            <a:p>
-              <a:pPr marL="0" lvl="0" indent="0" algn="l" rtl="0">
-                <a:spcBef>
-                  <a:spcPts val="0"/>
-                </a:spcBef>
-                <a:spcAft>
-                  <a:spcPts val="0"/>
-                </a:spcAft>
-                <a:buNone/>
-              </a:pPr>
-              <a:endParaRPr/>
-            </a:p>
-          </p:txBody>
-        </p:sp>
-        <p:sp>
-          <p:nvSpPr>
-            <p:cNvPr id="599" name="Google Shape;599;p27"/>
-            <p:cNvSpPr/>
-            <p:nvPr/>
-          </p:nvSpPr>
-          <p:spPr>
-            <a:xfrm>
-              <a:off x="8403695" y="4174075"/>
-              <a:ext cx="63860" cy="63876"/>
-            </a:xfrm>
-            <a:custGeom>
-              <a:avLst/>
-              <a:gdLst/>
-              <a:ahLst/>
-              <a:cxnLst/>
-              <a:rect l="l" t="t" r="r" b="b"/>
-              <a:pathLst>
-                <a:path w="3858" h="3859" extrusionOk="0">
-                  <a:moveTo>
-                    <a:pt x="333" y="1"/>
-                  </a:moveTo>
-                  <a:lnTo>
-                    <a:pt x="0" y="334"/>
-                  </a:lnTo>
-                  <a:lnTo>
-                    <a:pt x="1607" y="1942"/>
-                  </a:lnTo>
-                  <a:lnTo>
-                    <a:pt x="0" y="3525"/>
-                  </a:lnTo>
-                  <a:lnTo>
-                    <a:pt x="333" y="3859"/>
-                  </a:lnTo>
-                  <a:lnTo>
-                    <a:pt x="1941" y="2251"/>
-                  </a:lnTo>
-                  <a:lnTo>
-                    <a:pt x="3536" y="3859"/>
-                  </a:lnTo>
-                  <a:lnTo>
-                    <a:pt x="3858" y="3525"/>
-                  </a:lnTo>
-                  <a:lnTo>
-                    <a:pt x="2262" y="1918"/>
-                  </a:lnTo>
-                  <a:lnTo>
-                    <a:pt x="3858" y="334"/>
-                  </a:lnTo>
-                  <a:lnTo>
-                    <a:pt x="3536" y="1"/>
-                  </a:lnTo>
-                  <a:lnTo>
-                    <a:pt x="1941" y="1608"/>
-                  </a:lnTo>
-                  <a:lnTo>
-                    <a:pt x="333" y="1"/>
-                  </a:lnTo>
-                  <a:close/>
-                </a:path>
-              </a:pathLst>
-            </a:custGeom>
-            <a:solidFill>
-              <a:schemeClr val="dk1"/>
-            </a:solidFill>
-            <a:ln>
-              <a:noFill/>
-            </a:ln>
-          </p:spPr>
-          <p:txBody>
-            <a:bodyPr spcFirstLastPara="1" wrap="square" lIns="91425" tIns="91425" rIns="91425" bIns="91425" anchor="ctr" anchorCtr="0">
-              <a:noAutofit/>
-            </a:bodyPr>
-            <a:lstStyle/>
-            <a:p>
-              <a:pPr marL="0" lvl="0" indent="0" algn="l" rtl="0">
-                <a:spcBef>
-                  <a:spcPts val="0"/>
-                </a:spcBef>
-                <a:spcAft>
-                  <a:spcPts val="0"/>
-                </a:spcAft>
-                <a:buNone/>
-              </a:pPr>
-              <a:endParaRPr/>
-            </a:p>
-          </p:txBody>
-        </p:sp>
-        <p:sp>
-          <p:nvSpPr>
-            <p:cNvPr id="600" name="Google Shape;600;p27"/>
-            <p:cNvSpPr/>
-            <p:nvPr/>
-          </p:nvSpPr>
-          <p:spPr>
-            <a:xfrm>
-              <a:off x="8525678" y="4174075"/>
-              <a:ext cx="63860" cy="63876"/>
-            </a:xfrm>
-            <a:custGeom>
-              <a:avLst/>
-              <a:gdLst/>
-              <a:ahLst/>
-              <a:cxnLst/>
-              <a:rect l="l" t="t" r="r" b="b"/>
-              <a:pathLst>
-                <a:path w="3858" h="3859" extrusionOk="0">
-                  <a:moveTo>
-                    <a:pt x="333" y="1"/>
-                  </a:moveTo>
-                  <a:lnTo>
-                    <a:pt x="0" y="334"/>
-                  </a:lnTo>
-                  <a:lnTo>
-                    <a:pt x="1607" y="1918"/>
-                  </a:lnTo>
-                  <a:lnTo>
-                    <a:pt x="0" y="3525"/>
-                  </a:lnTo>
-                  <a:lnTo>
-                    <a:pt x="333" y="3859"/>
-                  </a:lnTo>
-                  <a:lnTo>
-                    <a:pt x="1917" y="2251"/>
-                  </a:lnTo>
-                  <a:lnTo>
-                    <a:pt x="3524" y="3859"/>
-                  </a:lnTo>
-                  <a:lnTo>
-                    <a:pt x="3858" y="3525"/>
-                  </a:lnTo>
-                  <a:lnTo>
-                    <a:pt x="2262" y="1942"/>
-                  </a:lnTo>
-                  <a:lnTo>
-                    <a:pt x="3858" y="334"/>
-                  </a:lnTo>
-                  <a:lnTo>
-                    <a:pt x="3524" y="1"/>
-                  </a:lnTo>
-                  <a:lnTo>
-                    <a:pt x="1941" y="1596"/>
-                  </a:lnTo>
-                  <a:lnTo>
-                    <a:pt x="333" y="1"/>
-                  </a:lnTo>
-                  <a:close/>
-                </a:path>
-              </a:pathLst>
-            </a:custGeom>
-            <a:solidFill>
-              <a:schemeClr val="dk1"/>
-            </a:solidFill>
-            <a:ln>
-              <a:noFill/>
-            </a:ln>
-          </p:spPr>
-          <p:txBody>
-            <a:bodyPr spcFirstLastPara="1" wrap="square" lIns="91425" tIns="91425" rIns="91425" bIns="91425" anchor="ctr" anchorCtr="0">
-              <a:noAutofit/>
-            </a:bodyPr>
-            <a:lstStyle/>
-            <a:p>
-              <a:pPr marL="0" lvl="0" indent="0" algn="l" rtl="0">
-                <a:spcBef>
-                  <a:spcPts val="0"/>
-                </a:spcBef>
-                <a:spcAft>
-                  <a:spcPts val="0"/>
-                </a:spcAft>
-                <a:buNone/>
-              </a:pPr>
-              <a:endParaRPr/>
-            </a:p>
-          </p:txBody>
-        </p:sp>
-        <p:sp>
-          <p:nvSpPr>
-            <p:cNvPr id="601" name="Google Shape;601;p27"/>
-            <p:cNvSpPr/>
-            <p:nvPr/>
-          </p:nvSpPr>
-          <p:spPr>
-            <a:xfrm>
-              <a:off x="8647645" y="4174075"/>
-              <a:ext cx="63876" cy="63876"/>
-            </a:xfrm>
-            <a:custGeom>
-              <a:avLst/>
-              <a:gdLst/>
-              <a:ahLst/>
-              <a:cxnLst/>
-              <a:rect l="l" t="t" r="r" b="b"/>
-              <a:pathLst>
-                <a:path w="3859" h="3859" extrusionOk="0">
-                  <a:moveTo>
-                    <a:pt x="322" y="1"/>
-                  </a:moveTo>
-                  <a:lnTo>
-                    <a:pt x="1" y="334"/>
-                  </a:lnTo>
-                  <a:lnTo>
-                    <a:pt x="1596" y="1918"/>
-                  </a:lnTo>
-                  <a:lnTo>
-                    <a:pt x="1" y="3525"/>
-                  </a:lnTo>
-                  <a:lnTo>
-                    <a:pt x="322" y="3859"/>
-                  </a:lnTo>
-                  <a:lnTo>
-                    <a:pt x="1918" y="2251"/>
-                  </a:lnTo>
-                  <a:lnTo>
-                    <a:pt x="3525" y="3859"/>
-                  </a:lnTo>
-                  <a:lnTo>
-                    <a:pt x="3859" y="3525"/>
-                  </a:lnTo>
-                  <a:lnTo>
-                    <a:pt x="2251" y="1942"/>
-                  </a:lnTo>
-                  <a:lnTo>
-                    <a:pt x="3859" y="334"/>
-                  </a:lnTo>
-                  <a:lnTo>
-                    <a:pt x="3525" y="1"/>
-                  </a:lnTo>
-                  <a:lnTo>
-                    <a:pt x="1918" y="1596"/>
-                  </a:lnTo>
-                  <a:lnTo>
-                    <a:pt x="322" y="1"/>
-                  </a:lnTo>
-                  <a:close/>
-                </a:path>
-              </a:pathLst>
-            </a:custGeom>
-            <a:solidFill>
-              <a:schemeClr val="dk1"/>
-            </a:solidFill>
-            <a:ln>
-              <a:noFill/>
-            </a:ln>
-          </p:spPr>
-          <p:txBody>
-            <a:bodyPr spcFirstLastPara="1" wrap="square" lIns="91425" tIns="91425" rIns="91425" bIns="91425" anchor="ctr" anchorCtr="0">
-              <a:noAutofit/>
-            </a:bodyPr>
-            <a:lstStyle/>
-            <a:p>
-              <a:pPr marL="0" lvl="0" indent="0" algn="l" rtl="0">
-                <a:spcBef>
-                  <a:spcPts val="0"/>
-                </a:spcBef>
-                <a:spcAft>
-                  <a:spcPts val="0"/>
-                </a:spcAft>
-                <a:buNone/>
-              </a:pPr>
-              <a:endParaRPr/>
-            </a:p>
-          </p:txBody>
-        </p:sp>
-        <p:sp>
-          <p:nvSpPr>
-            <p:cNvPr id="602" name="Google Shape;602;p27"/>
-            <p:cNvSpPr/>
-            <p:nvPr/>
-          </p:nvSpPr>
-          <p:spPr>
-            <a:xfrm>
-              <a:off x="8038125" y="4296059"/>
-              <a:ext cx="63876" cy="63876"/>
-            </a:xfrm>
-            <a:custGeom>
-              <a:avLst/>
-              <a:gdLst/>
-              <a:ahLst/>
-              <a:cxnLst/>
-              <a:rect l="l" t="t" r="r" b="b"/>
-              <a:pathLst>
-                <a:path w="3859" h="3859" extrusionOk="0">
-                  <a:moveTo>
-                    <a:pt x="334" y="1"/>
-                  </a:moveTo>
-                  <a:lnTo>
-                    <a:pt x="1" y="322"/>
-                  </a:lnTo>
-                  <a:lnTo>
-                    <a:pt x="1596" y="1918"/>
-                  </a:lnTo>
-                  <a:lnTo>
-                    <a:pt x="1" y="3525"/>
-                  </a:lnTo>
-                  <a:lnTo>
-                    <a:pt x="334" y="3859"/>
-                  </a:lnTo>
-                  <a:lnTo>
-                    <a:pt x="1930" y="2251"/>
-                  </a:lnTo>
-                  <a:lnTo>
-                    <a:pt x="3537" y="3859"/>
-                  </a:lnTo>
-                  <a:lnTo>
-                    <a:pt x="3859" y="3525"/>
-                  </a:lnTo>
-                  <a:lnTo>
-                    <a:pt x="2251" y="1918"/>
-                  </a:lnTo>
-                  <a:lnTo>
-                    <a:pt x="3859" y="322"/>
-                  </a:lnTo>
-                  <a:lnTo>
-                    <a:pt x="3537" y="1"/>
-                  </a:lnTo>
-                  <a:lnTo>
-                    <a:pt x="1930" y="1596"/>
-                  </a:lnTo>
-                  <a:lnTo>
-                    <a:pt x="334" y="1"/>
-                  </a:lnTo>
-                  <a:close/>
-                </a:path>
-              </a:pathLst>
-            </a:custGeom>
-            <a:solidFill>
-              <a:schemeClr val="dk1"/>
-            </a:solidFill>
-            <a:ln>
-              <a:noFill/>
-            </a:ln>
-          </p:spPr>
-          <p:txBody>
-            <a:bodyPr spcFirstLastPara="1" wrap="square" lIns="91425" tIns="91425" rIns="91425" bIns="91425" anchor="ctr" anchorCtr="0">
-              <a:noAutofit/>
-            </a:bodyPr>
-            <a:lstStyle/>
-            <a:p>
-              <a:pPr marL="0" lvl="0" indent="0" algn="l" rtl="0">
-                <a:spcBef>
-                  <a:spcPts val="0"/>
-                </a:spcBef>
-                <a:spcAft>
-                  <a:spcPts val="0"/>
-                </a:spcAft>
-                <a:buNone/>
-              </a:pPr>
-              <a:endParaRPr/>
-            </a:p>
-          </p:txBody>
-        </p:sp>
-        <p:sp>
-          <p:nvSpPr>
-            <p:cNvPr id="603" name="Google Shape;603;p27"/>
-            <p:cNvSpPr/>
-            <p:nvPr/>
-          </p:nvSpPr>
-          <p:spPr>
-            <a:xfrm>
-              <a:off x="8160109" y="4296059"/>
-              <a:ext cx="63876" cy="63876"/>
-            </a:xfrm>
-            <a:custGeom>
-              <a:avLst/>
-              <a:gdLst/>
-              <a:ahLst/>
-              <a:cxnLst/>
-              <a:rect l="l" t="t" r="r" b="b"/>
-              <a:pathLst>
-                <a:path w="3859" h="3859" extrusionOk="0">
-                  <a:moveTo>
-                    <a:pt x="310" y="1"/>
-                  </a:moveTo>
-                  <a:lnTo>
-                    <a:pt x="1" y="322"/>
-                  </a:lnTo>
-                  <a:lnTo>
-                    <a:pt x="1596" y="1918"/>
-                  </a:lnTo>
-                  <a:lnTo>
-                    <a:pt x="1" y="3525"/>
-                  </a:lnTo>
-                  <a:lnTo>
-                    <a:pt x="310" y="3859"/>
-                  </a:lnTo>
-                  <a:lnTo>
-                    <a:pt x="1918" y="2251"/>
-                  </a:lnTo>
-                  <a:lnTo>
-                    <a:pt x="3525" y="3859"/>
-                  </a:lnTo>
-                  <a:lnTo>
-                    <a:pt x="3847" y="3525"/>
-                  </a:lnTo>
-                  <a:lnTo>
-                    <a:pt x="2251" y="1918"/>
-                  </a:lnTo>
-                  <a:lnTo>
-                    <a:pt x="3859" y="322"/>
-                  </a:lnTo>
-                  <a:lnTo>
-                    <a:pt x="3525" y="1"/>
-                  </a:lnTo>
-                  <a:lnTo>
-                    <a:pt x="1918" y="1596"/>
-                  </a:lnTo>
-                  <a:lnTo>
-                    <a:pt x="310" y="1"/>
-                  </a:lnTo>
-                  <a:close/>
-                </a:path>
-              </a:pathLst>
-            </a:custGeom>
-            <a:solidFill>
-              <a:schemeClr val="dk1"/>
-            </a:solidFill>
-            <a:ln>
-              <a:noFill/>
-            </a:ln>
-          </p:spPr>
-          <p:txBody>
-            <a:bodyPr spcFirstLastPara="1" wrap="square" lIns="91425" tIns="91425" rIns="91425" bIns="91425" anchor="ctr" anchorCtr="0">
-              <a:noAutofit/>
-            </a:bodyPr>
-            <a:lstStyle/>
-            <a:p>
-              <a:pPr marL="0" lvl="0" indent="0" algn="l" rtl="0">
-                <a:spcBef>
-                  <a:spcPts val="0"/>
-                </a:spcBef>
-                <a:spcAft>
-                  <a:spcPts val="0"/>
-                </a:spcAft>
-                <a:buNone/>
-              </a:pPr>
-              <a:endParaRPr/>
-            </a:p>
-          </p:txBody>
-        </p:sp>
-        <p:sp>
-          <p:nvSpPr>
-            <p:cNvPr id="604" name="Google Shape;604;p27"/>
-            <p:cNvSpPr/>
-            <p:nvPr/>
-          </p:nvSpPr>
-          <p:spPr>
-            <a:xfrm>
-              <a:off x="8281893" y="4296059"/>
-              <a:ext cx="63677" cy="63876"/>
-            </a:xfrm>
-            <a:custGeom>
-              <a:avLst/>
-              <a:gdLst/>
-              <a:ahLst/>
-              <a:cxnLst/>
-              <a:rect l="l" t="t" r="r" b="b"/>
-              <a:pathLst>
-                <a:path w="3847" h="3859" extrusionOk="0">
-                  <a:moveTo>
-                    <a:pt x="322" y="1"/>
-                  </a:moveTo>
-                  <a:lnTo>
-                    <a:pt x="13" y="322"/>
-                  </a:lnTo>
-                  <a:lnTo>
-                    <a:pt x="1608" y="1918"/>
-                  </a:lnTo>
-                  <a:lnTo>
-                    <a:pt x="1" y="3525"/>
-                  </a:lnTo>
-                  <a:lnTo>
-                    <a:pt x="322" y="3859"/>
-                  </a:lnTo>
-                  <a:lnTo>
-                    <a:pt x="1930" y="2251"/>
-                  </a:lnTo>
-                  <a:lnTo>
-                    <a:pt x="3537" y="3859"/>
-                  </a:lnTo>
-                  <a:lnTo>
-                    <a:pt x="3847" y="3525"/>
-                  </a:lnTo>
-                  <a:lnTo>
-                    <a:pt x="2263" y="1918"/>
-                  </a:lnTo>
-                  <a:lnTo>
-                    <a:pt x="3847" y="322"/>
-                  </a:lnTo>
-                  <a:lnTo>
-                    <a:pt x="3525" y="1"/>
-                  </a:lnTo>
-                  <a:lnTo>
-                    <a:pt x="1930" y="1596"/>
-                  </a:lnTo>
-                  <a:lnTo>
-                    <a:pt x="322" y="1"/>
-                  </a:lnTo>
-                  <a:close/>
-                </a:path>
-              </a:pathLst>
-            </a:custGeom>
-            <a:solidFill>
-              <a:schemeClr val="dk1"/>
-            </a:solidFill>
-            <a:ln>
-              <a:noFill/>
-            </a:ln>
-          </p:spPr>
-          <p:txBody>
-            <a:bodyPr spcFirstLastPara="1" wrap="square" lIns="91425" tIns="91425" rIns="91425" bIns="91425" anchor="ctr" anchorCtr="0">
-              <a:noAutofit/>
-            </a:bodyPr>
-            <a:lstStyle/>
-            <a:p>
-              <a:pPr marL="0" lvl="0" indent="0" algn="l" rtl="0">
-                <a:spcBef>
-                  <a:spcPts val="0"/>
-                </a:spcBef>
-                <a:spcAft>
-                  <a:spcPts val="0"/>
-                </a:spcAft>
-                <a:buNone/>
-              </a:pPr>
-              <a:endParaRPr/>
-            </a:p>
-          </p:txBody>
-        </p:sp>
-        <p:sp>
-          <p:nvSpPr>
-            <p:cNvPr id="605" name="Google Shape;605;p27"/>
-            <p:cNvSpPr/>
-            <p:nvPr/>
-          </p:nvSpPr>
-          <p:spPr>
-            <a:xfrm>
-              <a:off x="8403695" y="4296059"/>
-              <a:ext cx="63860" cy="63876"/>
-            </a:xfrm>
-            <a:custGeom>
-              <a:avLst/>
-              <a:gdLst/>
-              <a:ahLst/>
-              <a:cxnLst/>
-              <a:rect l="l" t="t" r="r" b="b"/>
-              <a:pathLst>
-                <a:path w="3858" h="3859" extrusionOk="0">
-                  <a:moveTo>
-                    <a:pt x="333" y="1"/>
-                  </a:moveTo>
-                  <a:lnTo>
-                    <a:pt x="0" y="322"/>
-                  </a:lnTo>
-                  <a:lnTo>
-                    <a:pt x="1607" y="1918"/>
-                  </a:lnTo>
-                  <a:lnTo>
-                    <a:pt x="0" y="3525"/>
-                  </a:lnTo>
-                  <a:lnTo>
-                    <a:pt x="333" y="3859"/>
-                  </a:lnTo>
-                  <a:lnTo>
-                    <a:pt x="1941" y="2251"/>
-                  </a:lnTo>
-                  <a:lnTo>
-                    <a:pt x="3536" y="3859"/>
-                  </a:lnTo>
-                  <a:lnTo>
-                    <a:pt x="3858" y="3525"/>
-                  </a:lnTo>
-                  <a:lnTo>
-                    <a:pt x="2262" y="1918"/>
-                  </a:lnTo>
-                  <a:lnTo>
-                    <a:pt x="3858" y="322"/>
-                  </a:lnTo>
-                  <a:lnTo>
-                    <a:pt x="3536" y="1"/>
-                  </a:lnTo>
-                  <a:lnTo>
-                    <a:pt x="1941" y="1596"/>
-                  </a:lnTo>
-                  <a:lnTo>
-                    <a:pt x="333" y="1"/>
-                  </a:lnTo>
-                  <a:close/>
-                </a:path>
-              </a:pathLst>
-            </a:custGeom>
-            <a:solidFill>
-              <a:schemeClr val="dk1"/>
-            </a:solidFill>
-            <a:ln>
-              <a:noFill/>
-            </a:ln>
-          </p:spPr>
-          <p:txBody>
-            <a:bodyPr spcFirstLastPara="1" wrap="square" lIns="91425" tIns="91425" rIns="91425" bIns="91425" anchor="ctr" anchorCtr="0">
-              <a:noAutofit/>
-            </a:bodyPr>
-            <a:lstStyle/>
-            <a:p>
-              <a:pPr marL="0" lvl="0" indent="0" algn="l" rtl="0">
-                <a:spcBef>
-                  <a:spcPts val="0"/>
-                </a:spcBef>
-                <a:spcAft>
-                  <a:spcPts val="0"/>
-                </a:spcAft>
-                <a:buNone/>
-              </a:pPr>
-              <a:endParaRPr/>
-            </a:p>
-          </p:txBody>
-        </p:sp>
-        <p:sp>
-          <p:nvSpPr>
-            <p:cNvPr id="606" name="Google Shape;606;p27"/>
-            <p:cNvSpPr/>
-            <p:nvPr/>
-          </p:nvSpPr>
-          <p:spPr>
-            <a:xfrm>
-              <a:off x="8525678" y="4296059"/>
-              <a:ext cx="63860" cy="63876"/>
-            </a:xfrm>
-            <a:custGeom>
-              <a:avLst/>
-              <a:gdLst/>
-              <a:ahLst/>
-              <a:cxnLst/>
-              <a:rect l="l" t="t" r="r" b="b"/>
-              <a:pathLst>
-                <a:path w="3858" h="3859" extrusionOk="0">
-                  <a:moveTo>
-                    <a:pt x="333" y="1"/>
-                  </a:moveTo>
-                  <a:lnTo>
-                    <a:pt x="0" y="322"/>
-                  </a:lnTo>
-                  <a:lnTo>
-                    <a:pt x="1595" y="1918"/>
-                  </a:lnTo>
-                  <a:lnTo>
-                    <a:pt x="0" y="3525"/>
-                  </a:lnTo>
-                  <a:lnTo>
-                    <a:pt x="333" y="3859"/>
-                  </a:lnTo>
-                  <a:lnTo>
-                    <a:pt x="1941" y="2251"/>
-                  </a:lnTo>
-                  <a:lnTo>
-                    <a:pt x="3524" y="3859"/>
-                  </a:lnTo>
-                  <a:lnTo>
-                    <a:pt x="3858" y="3525"/>
-                  </a:lnTo>
-                  <a:lnTo>
-                    <a:pt x="2262" y="1918"/>
-                  </a:lnTo>
-                  <a:lnTo>
-                    <a:pt x="3858" y="322"/>
-                  </a:lnTo>
-                  <a:lnTo>
-                    <a:pt x="3524" y="1"/>
-                  </a:lnTo>
-                  <a:lnTo>
-                    <a:pt x="1941" y="1596"/>
-                  </a:lnTo>
-                  <a:lnTo>
-                    <a:pt x="333" y="1"/>
-                  </a:lnTo>
-                  <a:close/>
-                </a:path>
-              </a:pathLst>
-            </a:custGeom>
-            <a:solidFill>
-              <a:schemeClr val="dk1"/>
-            </a:solidFill>
-            <a:ln>
-              <a:noFill/>
-            </a:ln>
-          </p:spPr>
-          <p:txBody>
-            <a:bodyPr spcFirstLastPara="1" wrap="square" lIns="91425" tIns="91425" rIns="91425" bIns="91425" anchor="ctr" anchorCtr="0">
-              <a:noAutofit/>
-            </a:bodyPr>
-            <a:lstStyle/>
-            <a:p>
-              <a:pPr marL="0" lvl="0" indent="0" algn="l" rtl="0">
-                <a:spcBef>
-                  <a:spcPts val="0"/>
-                </a:spcBef>
-                <a:spcAft>
-                  <a:spcPts val="0"/>
-                </a:spcAft>
-                <a:buNone/>
-              </a:pPr>
-              <a:endParaRPr/>
-            </a:p>
-          </p:txBody>
-        </p:sp>
-        <p:sp>
-          <p:nvSpPr>
-            <p:cNvPr id="607" name="Google Shape;607;p27"/>
-            <p:cNvSpPr/>
-            <p:nvPr/>
-          </p:nvSpPr>
-          <p:spPr>
-            <a:xfrm>
-              <a:off x="8647645" y="4296059"/>
-              <a:ext cx="63876" cy="63876"/>
-            </a:xfrm>
-            <a:custGeom>
-              <a:avLst/>
-              <a:gdLst/>
-              <a:ahLst/>
-              <a:cxnLst/>
-              <a:rect l="l" t="t" r="r" b="b"/>
-              <a:pathLst>
-                <a:path w="3859" h="3859" extrusionOk="0">
-                  <a:moveTo>
-                    <a:pt x="322" y="1"/>
-                  </a:moveTo>
-                  <a:lnTo>
-                    <a:pt x="1" y="322"/>
-                  </a:lnTo>
-                  <a:lnTo>
-                    <a:pt x="1596" y="1918"/>
-                  </a:lnTo>
-                  <a:lnTo>
-                    <a:pt x="1" y="3525"/>
-                  </a:lnTo>
-                  <a:lnTo>
-                    <a:pt x="322" y="3859"/>
-                  </a:lnTo>
-                  <a:lnTo>
-                    <a:pt x="1918" y="2251"/>
-                  </a:lnTo>
-                  <a:lnTo>
-                    <a:pt x="3525" y="3859"/>
-                  </a:lnTo>
-                  <a:lnTo>
-                    <a:pt x="3859" y="3525"/>
-                  </a:lnTo>
-                  <a:lnTo>
-                    <a:pt x="2251" y="1918"/>
-                  </a:lnTo>
-                  <a:lnTo>
-                    <a:pt x="3859" y="322"/>
-                  </a:lnTo>
-                  <a:lnTo>
-                    <a:pt x="3525" y="1"/>
-                  </a:lnTo>
-                  <a:lnTo>
-                    <a:pt x="1918" y="1596"/>
-                  </a:lnTo>
-                  <a:lnTo>
-                    <a:pt x="322" y="1"/>
-                  </a:lnTo>
-                  <a:close/>
-                </a:path>
-              </a:pathLst>
-            </a:custGeom>
-            <a:solidFill>
-              <a:schemeClr val="dk1"/>
-            </a:solidFill>
-            <a:ln>
-              <a:noFill/>
-            </a:ln>
-          </p:spPr>
-          <p:txBody>
-            <a:bodyPr spcFirstLastPara="1" wrap="square" lIns="91425" tIns="91425" rIns="91425" bIns="91425" anchor="ctr" anchorCtr="0">
-              <a:noAutofit/>
-            </a:bodyPr>
-            <a:lstStyle/>
-            <a:p>
-              <a:pPr marL="0" lvl="0" indent="0" algn="l" rtl="0">
-                <a:spcBef>
-                  <a:spcPts val="0"/>
-                </a:spcBef>
-                <a:spcAft>
-                  <a:spcPts val="0"/>
-                </a:spcAft>
-                <a:buNone/>
-              </a:pPr>
-              <a:endParaRPr/>
-            </a:p>
-          </p:txBody>
-        </p:sp>
-        <p:sp>
-          <p:nvSpPr>
-            <p:cNvPr id="608" name="Google Shape;608;p27"/>
-            <p:cNvSpPr/>
-            <p:nvPr/>
-          </p:nvSpPr>
-          <p:spPr>
-            <a:xfrm>
-              <a:off x="8038125" y="4418042"/>
-              <a:ext cx="63876" cy="63677"/>
-            </a:xfrm>
-            <a:custGeom>
-              <a:avLst/>
-              <a:gdLst/>
-              <a:ahLst/>
-              <a:cxnLst/>
-              <a:rect l="l" t="t" r="r" b="b"/>
-              <a:pathLst>
-                <a:path w="3859" h="3847" extrusionOk="0">
-                  <a:moveTo>
-                    <a:pt x="334" y="1"/>
-                  </a:moveTo>
-                  <a:lnTo>
-                    <a:pt x="1" y="310"/>
-                  </a:lnTo>
-                  <a:lnTo>
-                    <a:pt x="1596" y="1918"/>
-                  </a:lnTo>
-                  <a:lnTo>
-                    <a:pt x="1" y="3525"/>
-                  </a:lnTo>
-                  <a:lnTo>
-                    <a:pt x="334" y="3847"/>
-                  </a:lnTo>
-                  <a:lnTo>
-                    <a:pt x="1930" y="2239"/>
-                  </a:lnTo>
-                  <a:lnTo>
-                    <a:pt x="3537" y="3847"/>
-                  </a:lnTo>
-                  <a:lnTo>
-                    <a:pt x="3859" y="3525"/>
-                  </a:lnTo>
-                  <a:lnTo>
-                    <a:pt x="2251" y="1918"/>
-                  </a:lnTo>
-                  <a:lnTo>
-                    <a:pt x="3859" y="322"/>
-                  </a:lnTo>
-                  <a:lnTo>
-                    <a:pt x="3537" y="1"/>
-                  </a:lnTo>
-                  <a:lnTo>
-                    <a:pt x="1930" y="1584"/>
-                  </a:lnTo>
-                  <a:lnTo>
-                    <a:pt x="334" y="1"/>
-                  </a:lnTo>
-                  <a:close/>
-                </a:path>
-              </a:pathLst>
-            </a:custGeom>
-            <a:solidFill>
-              <a:schemeClr val="dk1"/>
-            </a:solidFill>
-            <a:ln>
-              <a:noFill/>
-            </a:ln>
-          </p:spPr>
-          <p:txBody>
-            <a:bodyPr spcFirstLastPara="1" wrap="square" lIns="91425" tIns="91425" rIns="91425" bIns="91425" anchor="ctr" anchorCtr="0">
-              <a:noAutofit/>
-            </a:bodyPr>
-            <a:lstStyle/>
-            <a:p>
-              <a:pPr marL="0" lvl="0" indent="0" algn="l" rtl="0">
-                <a:spcBef>
-                  <a:spcPts val="0"/>
-                </a:spcBef>
-                <a:spcAft>
-                  <a:spcPts val="0"/>
-                </a:spcAft>
-                <a:buNone/>
-              </a:pPr>
-              <a:endParaRPr/>
-            </a:p>
-          </p:txBody>
-        </p:sp>
-        <p:sp>
-          <p:nvSpPr>
-            <p:cNvPr id="609" name="Google Shape;609;p27"/>
-            <p:cNvSpPr/>
-            <p:nvPr/>
-          </p:nvSpPr>
-          <p:spPr>
-            <a:xfrm>
-              <a:off x="8160109" y="4418042"/>
-              <a:ext cx="63876" cy="63677"/>
-            </a:xfrm>
-            <a:custGeom>
-              <a:avLst/>
-              <a:gdLst/>
-              <a:ahLst/>
-              <a:cxnLst/>
-              <a:rect l="l" t="t" r="r" b="b"/>
-              <a:pathLst>
-                <a:path w="3859" h="3847" extrusionOk="0">
-                  <a:moveTo>
-                    <a:pt x="310" y="1"/>
-                  </a:moveTo>
-                  <a:lnTo>
-                    <a:pt x="1" y="322"/>
-                  </a:lnTo>
-                  <a:lnTo>
-                    <a:pt x="1596" y="1918"/>
-                  </a:lnTo>
-                  <a:lnTo>
-                    <a:pt x="1" y="3525"/>
-                  </a:lnTo>
-                  <a:lnTo>
-                    <a:pt x="310" y="3847"/>
-                  </a:lnTo>
-                  <a:lnTo>
-                    <a:pt x="1918" y="2239"/>
-                  </a:lnTo>
-                  <a:lnTo>
-                    <a:pt x="3525" y="3847"/>
-                  </a:lnTo>
-                  <a:lnTo>
-                    <a:pt x="3859" y="3525"/>
-                  </a:lnTo>
-                  <a:lnTo>
-                    <a:pt x="2251" y="1918"/>
-                  </a:lnTo>
-                  <a:lnTo>
-                    <a:pt x="3847" y="322"/>
-                  </a:lnTo>
-                  <a:lnTo>
-                    <a:pt x="3525" y="1"/>
-                  </a:lnTo>
-                  <a:lnTo>
-                    <a:pt x="1918" y="1584"/>
-                  </a:lnTo>
-                  <a:lnTo>
-                    <a:pt x="310" y="1"/>
-                  </a:lnTo>
-                  <a:close/>
-                </a:path>
-              </a:pathLst>
-            </a:custGeom>
-            <a:solidFill>
-              <a:schemeClr val="dk1"/>
-            </a:solidFill>
-            <a:ln>
-              <a:noFill/>
-            </a:ln>
-          </p:spPr>
-          <p:txBody>
-            <a:bodyPr spcFirstLastPara="1" wrap="square" lIns="91425" tIns="91425" rIns="91425" bIns="91425" anchor="ctr" anchorCtr="0">
-              <a:noAutofit/>
-            </a:bodyPr>
-            <a:lstStyle/>
-            <a:p>
-              <a:pPr marL="0" lvl="0" indent="0" algn="l" rtl="0">
-                <a:spcBef>
-                  <a:spcPts val="0"/>
-                </a:spcBef>
-                <a:spcAft>
-                  <a:spcPts val="0"/>
-                </a:spcAft>
-                <a:buNone/>
-              </a:pPr>
-              <a:endParaRPr/>
-            </a:p>
-          </p:txBody>
-        </p:sp>
-        <p:sp>
-          <p:nvSpPr>
-            <p:cNvPr id="610" name="Google Shape;610;p27"/>
-            <p:cNvSpPr/>
-            <p:nvPr/>
-          </p:nvSpPr>
-          <p:spPr>
-            <a:xfrm>
-              <a:off x="8281893" y="4417661"/>
-              <a:ext cx="63677" cy="64058"/>
-            </a:xfrm>
-            <a:custGeom>
-              <a:avLst/>
-              <a:gdLst/>
-              <a:ahLst/>
-              <a:cxnLst/>
-              <a:rect l="l" t="t" r="r" b="b"/>
-              <a:pathLst>
-                <a:path w="3847" h="3870" extrusionOk="0">
-                  <a:moveTo>
-                    <a:pt x="322" y="0"/>
-                  </a:moveTo>
-                  <a:lnTo>
-                    <a:pt x="13" y="345"/>
-                  </a:lnTo>
-                  <a:lnTo>
-                    <a:pt x="1608" y="1941"/>
-                  </a:lnTo>
-                  <a:lnTo>
-                    <a:pt x="1" y="3548"/>
-                  </a:lnTo>
-                  <a:lnTo>
-                    <a:pt x="322" y="3870"/>
-                  </a:lnTo>
-                  <a:lnTo>
-                    <a:pt x="1930" y="2262"/>
-                  </a:lnTo>
-                  <a:lnTo>
-                    <a:pt x="3525" y="3870"/>
-                  </a:lnTo>
-                  <a:lnTo>
-                    <a:pt x="3847" y="3548"/>
-                  </a:lnTo>
-                  <a:lnTo>
-                    <a:pt x="2263" y="1941"/>
-                  </a:lnTo>
-                  <a:lnTo>
-                    <a:pt x="3847" y="333"/>
-                  </a:lnTo>
-                  <a:lnTo>
-                    <a:pt x="3525" y="24"/>
-                  </a:lnTo>
-                  <a:lnTo>
-                    <a:pt x="1930" y="1607"/>
-                  </a:lnTo>
-                  <a:lnTo>
-                    <a:pt x="322" y="0"/>
-                  </a:lnTo>
-                  <a:close/>
-                </a:path>
-              </a:pathLst>
-            </a:custGeom>
-            <a:solidFill>
-              <a:schemeClr val="dk1"/>
-            </a:solidFill>
-            <a:ln>
-              <a:noFill/>
-            </a:ln>
-          </p:spPr>
-          <p:txBody>
-            <a:bodyPr spcFirstLastPara="1" wrap="square" lIns="91425" tIns="91425" rIns="91425" bIns="91425" anchor="ctr" anchorCtr="0">
-              <a:noAutofit/>
-            </a:bodyPr>
-            <a:lstStyle/>
-            <a:p>
-              <a:pPr marL="0" lvl="0" indent="0" algn="l" rtl="0">
-                <a:spcBef>
-                  <a:spcPts val="0"/>
-                </a:spcBef>
-                <a:spcAft>
-                  <a:spcPts val="0"/>
-                </a:spcAft>
-                <a:buNone/>
-              </a:pPr>
-              <a:endParaRPr/>
-            </a:p>
-          </p:txBody>
-        </p:sp>
-        <p:sp>
-          <p:nvSpPr>
-            <p:cNvPr id="611" name="Google Shape;611;p27"/>
-            <p:cNvSpPr/>
-            <p:nvPr/>
-          </p:nvSpPr>
-          <p:spPr>
-            <a:xfrm>
-              <a:off x="8403695" y="4418042"/>
-              <a:ext cx="63860" cy="63677"/>
-            </a:xfrm>
-            <a:custGeom>
-              <a:avLst/>
-              <a:gdLst/>
-              <a:ahLst/>
-              <a:cxnLst/>
-              <a:rect l="l" t="t" r="r" b="b"/>
-              <a:pathLst>
-                <a:path w="3858" h="3847" extrusionOk="0">
-                  <a:moveTo>
-                    <a:pt x="333" y="1"/>
-                  </a:moveTo>
-                  <a:lnTo>
-                    <a:pt x="0" y="322"/>
-                  </a:lnTo>
-                  <a:lnTo>
-                    <a:pt x="1607" y="1918"/>
-                  </a:lnTo>
-                  <a:lnTo>
-                    <a:pt x="0" y="3525"/>
-                  </a:lnTo>
-                  <a:lnTo>
-                    <a:pt x="333" y="3847"/>
-                  </a:lnTo>
-                  <a:lnTo>
-                    <a:pt x="1941" y="2239"/>
-                  </a:lnTo>
-                  <a:lnTo>
-                    <a:pt x="3536" y="3847"/>
-                  </a:lnTo>
-                  <a:lnTo>
-                    <a:pt x="3858" y="3525"/>
-                  </a:lnTo>
-                  <a:lnTo>
-                    <a:pt x="2262" y="1918"/>
-                  </a:lnTo>
-                  <a:lnTo>
-                    <a:pt x="3858" y="322"/>
-                  </a:lnTo>
-                  <a:lnTo>
-                    <a:pt x="3536" y="1"/>
-                  </a:lnTo>
-                  <a:lnTo>
-                    <a:pt x="1941" y="1584"/>
-                  </a:lnTo>
-                  <a:lnTo>
-                    <a:pt x="333" y="1"/>
-                  </a:lnTo>
-                  <a:close/>
-                </a:path>
-              </a:pathLst>
-            </a:custGeom>
-            <a:solidFill>
-              <a:schemeClr val="dk1"/>
-            </a:solidFill>
-            <a:ln>
-              <a:noFill/>
-            </a:ln>
-          </p:spPr>
-          <p:txBody>
-            <a:bodyPr spcFirstLastPara="1" wrap="square" lIns="91425" tIns="91425" rIns="91425" bIns="91425" anchor="ctr" anchorCtr="0">
-              <a:noAutofit/>
-            </a:bodyPr>
-            <a:lstStyle/>
-            <a:p>
-              <a:pPr marL="0" lvl="0" indent="0" algn="l" rtl="0">
-                <a:spcBef>
-                  <a:spcPts val="0"/>
-                </a:spcBef>
-                <a:spcAft>
-                  <a:spcPts val="0"/>
-                </a:spcAft>
-                <a:buNone/>
-              </a:pPr>
-              <a:endParaRPr/>
-            </a:p>
-          </p:txBody>
-        </p:sp>
-        <p:sp>
-          <p:nvSpPr>
-            <p:cNvPr id="612" name="Google Shape;612;p27"/>
-            <p:cNvSpPr/>
-            <p:nvPr/>
-          </p:nvSpPr>
-          <p:spPr>
-            <a:xfrm>
-              <a:off x="8525678" y="4418042"/>
-              <a:ext cx="63860" cy="63677"/>
-            </a:xfrm>
-            <a:custGeom>
-              <a:avLst/>
-              <a:gdLst/>
-              <a:ahLst/>
-              <a:cxnLst/>
-              <a:rect l="l" t="t" r="r" b="b"/>
-              <a:pathLst>
-                <a:path w="3858" h="3847" extrusionOk="0">
-                  <a:moveTo>
-                    <a:pt x="333" y="1"/>
-                  </a:moveTo>
-                  <a:lnTo>
-                    <a:pt x="0" y="322"/>
-                  </a:lnTo>
-                  <a:lnTo>
-                    <a:pt x="1595" y="1918"/>
-                  </a:lnTo>
-                  <a:lnTo>
-                    <a:pt x="0" y="3525"/>
-                  </a:lnTo>
-                  <a:lnTo>
-                    <a:pt x="333" y="3847"/>
-                  </a:lnTo>
-                  <a:lnTo>
-                    <a:pt x="1941" y="2239"/>
-                  </a:lnTo>
-                  <a:lnTo>
-                    <a:pt x="3524" y="3847"/>
-                  </a:lnTo>
-                  <a:lnTo>
-                    <a:pt x="3858" y="3525"/>
-                  </a:lnTo>
-                  <a:lnTo>
-                    <a:pt x="2262" y="1918"/>
-                  </a:lnTo>
-                  <a:lnTo>
-                    <a:pt x="3858" y="322"/>
-                  </a:lnTo>
-                  <a:lnTo>
-                    <a:pt x="3524" y="1"/>
-                  </a:lnTo>
-                  <a:lnTo>
-                    <a:pt x="1941" y="1584"/>
-                  </a:lnTo>
-                  <a:lnTo>
-                    <a:pt x="333" y="1"/>
-                  </a:lnTo>
-                  <a:close/>
-                </a:path>
-              </a:pathLst>
-            </a:custGeom>
-            <a:solidFill>
-              <a:schemeClr val="dk1"/>
-            </a:solidFill>
-            <a:ln>
-              <a:noFill/>
-            </a:ln>
-          </p:spPr>
-          <p:txBody>
-            <a:bodyPr spcFirstLastPara="1" wrap="square" lIns="91425" tIns="91425" rIns="91425" bIns="91425" anchor="ctr" anchorCtr="0">
-              <a:noAutofit/>
-            </a:bodyPr>
-            <a:lstStyle/>
-            <a:p>
-              <a:pPr marL="0" lvl="0" indent="0" algn="l" rtl="0">
-                <a:spcBef>
-                  <a:spcPts val="0"/>
-                </a:spcBef>
-                <a:spcAft>
-                  <a:spcPts val="0"/>
-                </a:spcAft>
-                <a:buNone/>
-              </a:pPr>
-              <a:endParaRPr/>
-            </a:p>
-          </p:txBody>
-        </p:sp>
-        <p:sp>
-          <p:nvSpPr>
-            <p:cNvPr id="613" name="Google Shape;613;p27"/>
-            <p:cNvSpPr/>
-            <p:nvPr/>
-          </p:nvSpPr>
-          <p:spPr>
-            <a:xfrm>
-              <a:off x="8647645" y="4418042"/>
-              <a:ext cx="63876" cy="63677"/>
-            </a:xfrm>
-            <a:custGeom>
-              <a:avLst/>
-              <a:gdLst/>
-              <a:ahLst/>
-              <a:cxnLst/>
-              <a:rect l="l" t="t" r="r" b="b"/>
-              <a:pathLst>
-                <a:path w="3859" h="3847" extrusionOk="0">
-                  <a:moveTo>
-                    <a:pt x="322" y="1"/>
-                  </a:moveTo>
-                  <a:lnTo>
-                    <a:pt x="1" y="322"/>
-                  </a:lnTo>
-                  <a:lnTo>
-                    <a:pt x="1596" y="1918"/>
-                  </a:lnTo>
-                  <a:lnTo>
-                    <a:pt x="1" y="3525"/>
-                  </a:lnTo>
-                  <a:lnTo>
-                    <a:pt x="322" y="3847"/>
-                  </a:lnTo>
-                  <a:lnTo>
-                    <a:pt x="1918" y="2239"/>
-                  </a:lnTo>
-                  <a:lnTo>
-                    <a:pt x="3525" y="3847"/>
-                  </a:lnTo>
-                  <a:lnTo>
-                    <a:pt x="3859" y="3525"/>
-                  </a:lnTo>
-                  <a:lnTo>
-                    <a:pt x="2251" y="1918"/>
-                  </a:lnTo>
-                  <a:lnTo>
-                    <a:pt x="3859" y="322"/>
-                  </a:lnTo>
-                  <a:lnTo>
-                    <a:pt x="3525" y="1"/>
-                  </a:lnTo>
-                  <a:lnTo>
-                    <a:pt x="1918" y="1584"/>
-                  </a:lnTo>
-                  <a:lnTo>
-                    <a:pt x="322" y="1"/>
-                  </a:lnTo>
-                  <a:close/>
-                </a:path>
-              </a:pathLst>
-            </a:custGeom>
-            <a:solidFill>
-              <a:schemeClr val="dk1"/>
-            </a:solidFill>
-            <a:ln>
-              <a:noFill/>
-            </a:ln>
-          </p:spPr>
-          <p:txBody>
-            <a:bodyPr spcFirstLastPara="1" wrap="square" lIns="91425" tIns="91425" rIns="91425" bIns="91425" anchor="ctr" anchorCtr="0">
-              <a:noAutofit/>
-            </a:bodyPr>
-            <a:lstStyle/>
-            <a:p>
-              <a:pPr marL="0" lvl="0" indent="0" algn="l" rtl="0">
-                <a:spcBef>
-                  <a:spcPts val="0"/>
-                </a:spcBef>
-                <a:spcAft>
-                  <a:spcPts val="0"/>
-                </a:spcAft>
-                <a:buNone/>
-              </a:pPr>
-              <a:endParaRPr/>
-            </a:p>
-          </p:txBody>
-        </p:sp>
-        <p:sp>
-          <p:nvSpPr>
-            <p:cNvPr id="614" name="Google Shape;614;p27"/>
-            <p:cNvSpPr/>
-            <p:nvPr/>
-          </p:nvSpPr>
-          <p:spPr>
-            <a:xfrm>
-              <a:off x="8038125" y="4539645"/>
-              <a:ext cx="63876" cy="63860"/>
-            </a:xfrm>
-            <a:custGeom>
-              <a:avLst/>
-              <a:gdLst/>
-              <a:ahLst/>
-              <a:cxnLst/>
-              <a:rect l="l" t="t" r="r" b="b"/>
-              <a:pathLst>
-                <a:path w="3859" h="3858" extrusionOk="0">
-                  <a:moveTo>
-                    <a:pt x="334" y="0"/>
-                  </a:moveTo>
-                  <a:lnTo>
-                    <a:pt x="1" y="333"/>
-                  </a:lnTo>
-                  <a:lnTo>
-                    <a:pt x="1596" y="1941"/>
-                  </a:lnTo>
-                  <a:lnTo>
-                    <a:pt x="1" y="3524"/>
-                  </a:lnTo>
-                  <a:lnTo>
-                    <a:pt x="334" y="3858"/>
-                  </a:lnTo>
-                  <a:lnTo>
-                    <a:pt x="1930" y="2262"/>
-                  </a:lnTo>
-                  <a:lnTo>
-                    <a:pt x="3537" y="3858"/>
-                  </a:lnTo>
-                  <a:lnTo>
-                    <a:pt x="3859" y="3536"/>
-                  </a:lnTo>
-                  <a:lnTo>
-                    <a:pt x="2251" y="1941"/>
-                  </a:lnTo>
-                  <a:lnTo>
-                    <a:pt x="3859" y="333"/>
-                  </a:lnTo>
-                  <a:lnTo>
-                    <a:pt x="3537" y="0"/>
-                  </a:lnTo>
-                  <a:lnTo>
-                    <a:pt x="1930" y="1607"/>
-                  </a:lnTo>
-                  <a:lnTo>
-                    <a:pt x="334" y="0"/>
-                  </a:lnTo>
-                  <a:close/>
-                </a:path>
-              </a:pathLst>
-            </a:custGeom>
-            <a:solidFill>
-              <a:schemeClr val="dk1"/>
-            </a:solidFill>
-            <a:ln>
-              <a:noFill/>
-            </a:ln>
-          </p:spPr>
-          <p:txBody>
-            <a:bodyPr spcFirstLastPara="1" wrap="square" lIns="91425" tIns="91425" rIns="91425" bIns="91425" anchor="ctr" anchorCtr="0">
-              <a:noAutofit/>
-            </a:bodyPr>
-            <a:lstStyle/>
-            <a:p>
-              <a:pPr marL="0" lvl="0" indent="0" algn="l" rtl="0">
-                <a:spcBef>
-                  <a:spcPts val="0"/>
-                </a:spcBef>
-                <a:spcAft>
-                  <a:spcPts val="0"/>
-                </a:spcAft>
-                <a:buNone/>
-              </a:pPr>
-              <a:endParaRPr/>
-            </a:p>
-          </p:txBody>
-        </p:sp>
-        <p:sp>
-          <p:nvSpPr>
-            <p:cNvPr id="615" name="Google Shape;615;p27"/>
-            <p:cNvSpPr/>
-            <p:nvPr/>
-          </p:nvSpPr>
-          <p:spPr>
-            <a:xfrm>
-              <a:off x="8160109" y="4539645"/>
-              <a:ext cx="63677" cy="63860"/>
-            </a:xfrm>
-            <a:custGeom>
-              <a:avLst/>
-              <a:gdLst/>
-              <a:ahLst/>
-              <a:cxnLst/>
-              <a:rect l="l" t="t" r="r" b="b"/>
-              <a:pathLst>
-                <a:path w="3847" h="3858" extrusionOk="0">
-                  <a:moveTo>
-                    <a:pt x="310" y="0"/>
-                  </a:moveTo>
-                  <a:lnTo>
-                    <a:pt x="1" y="333"/>
-                  </a:lnTo>
-                  <a:lnTo>
-                    <a:pt x="1596" y="1941"/>
-                  </a:lnTo>
-                  <a:lnTo>
-                    <a:pt x="1" y="3524"/>
-                  </a:lnTo>
-                  <a:lnTo>
-                    <a:pt x="310" y="3858"/>
-                  </a:lnTo>
-                  <a:lnTo>
-                    <a:pt x="1918" y="2262"/>
-                  </a:lnTo>
-                  <a:lnTo>
-                    <a:pt x="3525" y="3858"/>
-                  </a:lnTo>
-                  <a:lnTo>
-                    <a:pt x="3847" y="3536"/>
-                  </a:lnTo>
-                  <a:lnTo>
-                    <a:pt x="2251" y="1941"/>
-                  </a:lnTo>
-                  <a:lnTo>
-                    <a:pt x="3847" y="333"/>
-                  </a:lnTo>
-                  <a:lnTo>
-                    <a:pt x="3525" y="0"/>
-                  </a:lnTo>
-                  <a:lnTo>
-                    <a:pt x="1918" y="1607"/>
-                  </a:lnTo>
-                  <a:lnTo>
-                    <a:pt x="310" y="0"/>
-                  </a:lnTo>
-                  <a:close/>
-                </a:path>
-              </a:pathLst>
-            </a:custGeom>
-            <a:solidFill>
-              <a:schemeClr val="dk1"/>
-            </a:solidFill>
-            <a:ln>
-              <a:noFill/>
-            </a:ln>
-          </p:spPr>
-          <p:txBody>
-            <a:bodyPr spcFirstLastPara="1" wrap="square" lIns="91425" tIns="91425" rIns="91425" bIns="91425" anchor="ctr" anchorCtr="0">
-              <a:noAutofit/>
-            </a:bodyPr>
-            <a:lstStyle/>
-            <a:p>
-              <a:pPr marL="0" lvl="0" indent="0" algn="l" rtl="0">
-                <a:spcBef>
-                  <a:spcPts val="0"/>
-                </a:spcBef>
-                <a:spcAft>
-                  <a:spcPts val="0"/>
-                </a:spcAft>
-                <a:buNone/>
-              </a:pPr>
-              <a:endParaRPr/>
-            </a:p>
-          </p:txBody>
-        </p:sp>
-        <p:sp>
-          <p:nvSpPr>
-            <p:cNvPr id="616" name="Google Shape;616;p27"/>
-            <p:cNvSpPr/>
-            <p:nvPr/>
-          </p:nvSpPr>
-          <p:spPr>
-            <a:xfrm>
-              <a:off x="8282092" y="4539645"/>
-              <a:ext cx="63876" cy="63860"/>
-            </a:xfrm>
-            <a:custGeom>
-              <a:avLst/>
-              <a:gdLst/>
-              <a:ahLst/>
-              <a:cxnLst/>
-              <a:rect l="l" t="t" r="r" b="b"/>
-              <a:pathLst>
-                <a:path w="3859" h="3858" extrusionOk="0">
-                  <a:moveTo>
-                    <a:pt x="3513" y="0"/>
-                  </a:moveTo>
-                  <a:lnTo>
-                    <a:pt x="1918" y="1607"/>
-                  </a:lnTo>
-                  <a:lnTo>
-                    <a:pt x="310" y="12"/>
-                  </a:lnTo>
-                  <a:lnTo>
-                    <a:pt x="1" y="333"/>
-                  </a:lnTo>
-                  <a:lnTo>
-                    <a:pt x="1596" y="1941"/>
-                  </a:lnTo>
-                  <a:lnTo>
-                    <a:pt x="1" y="3536"/>
-                  </a:lnTo>
-                  <a:lnTo>
-                    <a:pt x="310" y="3858"/>
-                  </a:lnTo>
-                  <a:lnTo>
-                    <a:pt x="1918" y="2262"/>
-                  </a:lnTo>
-                  <a:lnTo>
-                    <a:pt x="3513" y="3858"/>
-                  </a:lnTo>
-                  <a:lnTo>
-                    <a:pt x="3835" y="3524"/>
-                  </a:lnTo>
-                  <a:lnTo>
-                    <a:pt x="2251" y="1941"/>
-                  </a:lnTo>
-                  <a:lnTo>
-                    <a:pt x="3859" y="333"/>
-                  </a:lnTo>
-                  <a:lnTo>
-                    <a:pt x="3513" y="0"/>
-                  </a:lnTo>
-                  <a:close/>
-                </a:path>
-              </a:pathLst>
-            </a:custGeom>
-            <a:solidFill>
-              <a:schemeClr val="dk1"/>
-            </a:solidFill>
-            <a:ln>
-              <a:noFill/>
-            </a:ln>
-          </p:spPr>
-          <p:txBody>
-            <a:bodyPr spcFirstLastPara="1" wrap="square" lIns="91425" tIns="91425" rIns="91425" bIns="91425" anchor="ctr" anchorCtr="0">
-              <a:noAutofit/>
-            </a:bodyPr>
-            <a:lstStyle/>
-            <a:p>
-              <a:pPr marL="0" lvl="0" indent="0" algn="l" rtl="0">
-                <a:spcBef>
-                  <a:spcPts val="0"/>
-                </a:spcBef>
-                <a:spcAft>
-                  <a:spcPts val="0"/>
-                </a:spcAft>
-                <a:buNone/>
-              </a:pPr>
-              <a:endParaRPr/>
-            </a:p>
-          </p:txBody>
-        </p:sp>
-        <p:sp>
-          <p:nvSpPr>
-            <p:cNvPr id="617" name="Google Shape;617;p27"/>
-            <p:cNvSpPr/>
-            <p:nvPr/>
-          </p:nvSpPr>
-          <p:spPr>
-            <a:xfrm>
-              <a:off x="8403695" y="4539645"/>
-              <a:ext cx="63860" cy="63860"/>
-            </a:xfrm>
-            <a:custGeom>
-              <a:avLst/>
-              <a:gdLst/>
-              <a:ahLst/>
-              <a:cxnLst/>
-              <a:rect l="l" t="t" r="r" b="b"/>
-              <a:pathLst>
-                <a:path w="3858" h="3858" extrusionOk="0">
-                  <a:moveTo>
-                    <a:pt x="3536" y="0"/>
-                  </a:moveTo>
-                  <a:lnTo>
-                    <a:pt x="1941" y="1607"/>
-                  </a:lnTo>
-                  <a:lnTo>
-                    <a:pt x="333" y="12"/>
-                  </a:lnTo>
-                  <a:lnTo>
-                    <a:pt x="0" y="333"/>
-                  </a:lnTo>
-                  <a:lnTo>
-                    <a:pt x="1607" y="1941"/>
-                  </a:lnTo>
-                  <a:lnTo>
-                    <a:pt x="0" y="3524"/>
-                  </a:lnTo>
-                  <a:lnTo>
-                    <a:pt x="333" y="3858"/>
-                  </a:lnTo>
-                  <a:lnTo>
-                    <a:pt x="1941" y="2262"/>
-                  </a:lnTo>
-                  <a:lnTo>
-                    <a:pt x="3536" y="3858"/>
-                  </a:lnTo>
-                  <a:lnTo>
-                    <a:pt x="3858" y="3524"/>
-                  </a:lnTo>
-                  <a:lnTo>
-                    <a:pt x="2262" y="1941"/>
-                  </a:lnTo>
-                  <a:lnTo>
-                    <a:pt x="3858" y="333"/>
-                  </a:lnTo>
-                  <a:lnTo>
-                    <a:pt x="3536" y="0"/>
-                  </a:lnTo>
-                  <a:close/>
-                </a:path>
-              </a:pathLst>
-            </a:custGeom>
-            <a:solidFill>
-              <a:schemeClr val="dk1"/>
-            </a:solidFill>
-            <a:ln>
-              <a:noFill/>
-            </a:ln>
-          </p:spPr>
-          <p:txBody>
-            <a:bodyPr spcFirstLastPara="1" wrap="square" lIns="91425" tIns="91425" rIns="91425" bIns="91425" anchor="ctr" anchorCtr="0">
-              <a:noAutofit/>
-            </a:bodyPr>
-            <a:lstStyle/>
-            <a:p>
-              <a:pPr marL="0" lvl="0" indent="0" algn="l" rtl="0">
-                <a:spcBef>
-                  <a:spcPts val="0"/>
-                </a:spcBef>
-                <a:spcAft>
-                  <a:spcPts val="0"/>
-                </a:spcAft>
-                <a:buNone/>
-              </a:pPr>
-              <a:endParaRPr/>
-            </a:p>
-          </p:txBody>
-        </p:sp>
-        <p:sp>
-          <p:nvSpPr>
-            <p:cNvPr id="618" name="Google Shape;618;p27"/>
-            <p:cNvSpPr/>
-            <p:nvPr/>
-          </p:nvSpPr>
-          <p:spPr>
-            <a:xfrm>
-              <a:off x="8525678" y="4539645"/>
-              <a:ext cx="63860" cy="63860"/>
-            </a:xfrm>
-            <a:custGeom>
-              <a:avLst/>
-              <a:gdLst/>
-              <a:ahLst/>
-              <a:cxnLst/>
-              <a:rect l="l" t="t" r="r" b="b"/>
-              <a:pathLst>
-                <a:path w="3858" h="3858" extrusionOk="0">
-                  <a:moveTo>
-                    <a:pt x="333" y="0"/>
-                  </a:moveTo>
-                  <a:lnTo>
-                    <a:pt x="0" y="333"/>
-                  </a:lnTo>
-                  <a:lnTo>
-                    <a:pt x="1595" y="1941"/>
-                  </a:lnTo>
-                  <a:lnTo>
-                    <a:pt x="0" y="3536"/>
-                  </a:lnTo>
-                  <a:lnTo>
-                    <a:pt x="333" y="3858"/>
-                  </a:lnTo>
-                  <a:lnTo>
-                    <a:pt x="1941" y="2262"/>
-                  </a:lnTo>
-                  <a:lnTo>
-                    <a:pt x="3524" y="3858"/>
-                  </a:lnTo>
-                  <a:lnTo>
-                    <a:pt x="3858" y="3536"/>
-                  </a:lnTo>
-                  <a:lnTo>
-                    <a:pt x="2250" y="1941"/>
-                  </a:lnTo>
-                  <a:lnTo>
-                    <a:pt x="3858" y="333"/>
-                  </a:lnTo>
-                  <a:lnTo>
-                    <a:pt x="3524" y="12"/>
-                  </a:lnTo>
-                  <a:lnTo>
-                    <a:pt x="1941" y="1607"/>
-                  </a:lnTo>
-                  <a:lnTo>
-                    <a:pt x="333" y="0"/>
-                  </a:lnTo>
-                  <a:close/>
-                </a:path>
-              </a:pathLst>
-            </a:custGeom>
-            <a:solidFill>
-              <a:schemeClr val="dk1"/>
-            </a:solidFill>
-            <a:ln>
-              <a:noFill/>
-            </a:ln>
-          </p:spPr>
-          <p:txBody>
-            <a:bodyPr spcFirstLastPara="1" wrap="square" lIns="91425" tIns="91425" rIns="91425" bIns="91425" anchor="ctr" anchorCtr="0">
-              <a:noAutofit/>
-            </a:bodyPr>
-            <a:lstStyle/>
-            <a:p>
-              <a:pPr marL="0" lvl="0" indent="0" algn="l" rtl="0">
-                <a:spcBef>
-                  <a:spcPts val="0"/>
-                </a:spcBef>
-                <a:spcAft>
-                  <a:spcPts val="0"/>
-                </a:spcAft>
-                <a:buNone/>
-              </a:pPr>
-              <a:endParaRPr/>
-            </a:p>
-          </p:txBody>
-        </p:sp>
-        <p:sp>
-          <p:nvSpPr>
-            <p:cNvPr id="619" name="Google Shape;619;p27"/>
-            <p:cNvSpPr/>
-            <p:nvPr/>
-          </p:nvSpPr>
-          <p:spPr>
-            <a:xfrm>
-              <a:off x="8647645" y="4539645"/>
-              <a:ext cx="63876" cy="63860"/>
-            </a:xfrm>
-            <a:custGeom>
-              <a:avLst/>
-              <a:gdLst/>
-              <a:ahLst/>
-              <a:cxnLst/>
-              <a:rect l="l" t="t" r="r" b="b"/>
-              <a:pathLst>
-                <a:path w="3859" h="3858" extrusionOk="0">
-                  <a:moveTo>
-                    <a:pt x="322" y="0"/>
-                  </a:moveTo>
-                  <a:lnTo>
-                    <a:pt x="1" y="333"/>
-                  </a:lnTo>
-                  <a:lnTo>
-                    <a:pt x="1608" y="1941"/>
-                  </a:lnTo>
-                  <a:lnTo>
-                    <a:pt x="1" y="3536"/>
-                  </a:lnTo>
-                  <a:lnTo>
-                    <a:pt x="322" y="3858"/>
-                  </a:lnTo>
-                  <a:lnTo>
-                    <a:pt x="1918" y="2262"/>
-                  </a:lnTo>
-                  <a:lnTo>
-                    <a:pt x="3525" y="3858"/>
-                  </a:lnTo>
-                  <a:lnTo>
-                    <a:pt x="3859" y="3524"/>
-                  </a:lnTo>
-                  <a:lnTo>
-                    <a:pt x="2251" y="1941"/>
-                  </a:lnTo>
-                  <a:lnTo>
-                    <a:pt x="3859" y="333"/>
-                  </a:lnTo>
-                  <a:lnTo>
-                    <a:pt x="3525" y="12"/>
-                  </a:lnTo>
-                  <a:lnTo>
-                    <a:pt x="1918" y="1607"/>
-                  </a:lnTo>
-                  <a:lnTo>
-                    <a:pt x="322" y="0"/>
-                  </a:lnTo>
-                  <a:close/>
-                </a:path>
-              </a:pathLst>
-            </a:custGeom>
-            <a:solidFill>
-              <a:schemeClr val="dk1"/>
-            </a:solidFill>
-            <a:ln>
-              <a:noFill/>
-            </a:ln>
-          </p:spPr>
-          <p:txBody>
-            <a:bodyPr spcFirstLastPara="1" wrap="square" lIns="91425" tIns="91425" rIns="91425" bIns="91425" anchor="ctr" anchorCtr="0">
-              <a:noAutofit/>
-            </a:bodyPr>
-            <a:lstStyle/>
-            <a:p>
-              <a:pPr marL="0" lvl="0" indent="0" algn="l" rtl="0">
-                <a:spcBef>
-                  <a:spcPts val="0"/>
-                </a:spcBef>
-                <a:spcAft>
-                  <a:spcPts val="0"/>
-                </a:spcAft>
-                <a:buNone/>
-              </a:pPr>
-              <a:endParaRPr/>
-            </a:p>
-          </p:txBody>
-        </p:sp>
-      </p:grpSp>
-      <p:sp>
-        <p:nvSpPr>
-          <p:cNvPr id="620" name="Google Shape;620;p27"/>
-          <p:cNvSpPr/>
-          <p:nvPr/>
-        </p:nvSpPr>
-        <p:spPr>
-          <a:xfrm rot="-7207933">
-            <a:off x="360477" y="769492"/>
-            <a:ext cx="209165" cy="205407"/>
-          </a:xfrm>
-          <a:prstGeom prst="ellipse">
-            <a:avLst/>
-          </a:prstGeom>
-          <a:noFill/>
-          <a:ln w="28575" cap="flat" cmpd="sng">
-            <a:solidFill>
-              <a:schemeClr val="accent2"/>
-            </a:solidFill>
-            <a:prstDash val="solid"/>
-            <a:round/>
-            <a:headEnd type="none" w="sm" len="sm"/>
-            <a:tailEnd type="none" w="sm" len="sm"/>
-          </a:ln>
-        </p:spPr>
-        <p:txBody>
-          <a:bodyPr spcFirstLastPara="1" wrap="square" lIns="91425" tIns="91425" rIns="91425" bIns="91425" anchor="ctr" anchorCtr="0">
-            <a:noAutofit/>
-          </a:bodyPr>
-          <a:lstStyle/>
-          <a:p>
-            <a:pPr marL="0" lvl="0" indent="0" algn="l" rtl="0">
-              <a:spcBef>
-                <a:spcPts val="0"/>
-              </a:spcBef>
-              <a:spcAft>
-                <a:spcPts val="0"/>
-              </a:spcAft>
-              <a:buNone/>
-            </a:pPr>
-            <a:endParaRPr/>
-          </a:p>
-        </p:txBody>
-      </p:sp>
-      <p:sp>
-        <p:nvSpPr>
-          <p:cNvPr id="621" name="Google Shape;621;p27"/>
-          <p:cNvSpPr/>
-          <p:nvPr/>
-        </p:nvSpPr>
-        <p:spPr>
-          <a:xfrm rot="-7209233">
-            <a:off x="279448" y="1185270"/>
-            <a:ext cx="422237" cy="414831"/>
-          </a:xfrm>
-          <a:prstGeom prst="ellipse">
-            <a:avLst/>
-          </a:prstGeom>
-          <a:noFill/>
-          <a:ln w="28575" cap="flat" cmpd="sng">
-            <a:solidFill>
-              <a:schemeClr val="accent4"/>
-            </a:solidFill>
-            <a:prstDash val="solid"/>
-            <a:round/>
-            <a:headEnd type="none" w="sm" len="sm"/>
-            <a:tailEnd type="none" w="sm" len="sm"/>
-          </a:ln>
-        </p:spPr>
-        <p:txBody>
-          <a:bodyPr spcFirstLastPara="1" wrap="square" lIns="91425" tIns="91425" rIns="91425" bIns="91425" anchor="ctr" anchorCtr="0">
-            <a:noAutofit/>
-          </a:bodyPr>
-          <a:lstStyle/>
-          <a:p>
-            <a:pPr marL="0" lvl="0" indent="0" algn="l" rtl="0">
-              <a:spcBef>
-                <a:spcPts val="0"/>
-              </a:spcBef>
-              <a:spcAft>
-                <a:spcPts val="0"/>
-              </a:spcAft>
-              <a:buNone/>
-            </a:pPr>
-            <a:endParaRPr/>
-          </a:p>
-        </p:txBody>
-      </p:sp>
-      <p:sp>
-        <p:nvSpPr>
-          <p:cNvPr id="622" name="Google Shape;622;p27"/>
-          <p:cNvSpPr txBox="1">
-            <a:spLocks noGrp="1"/>
-          </p:cNvSpPr>
-          <p:nvPr>
-            <p:ph type="title" idx="2" hasCustomPrompt="1"/>
-          </p:nvPr>
-        </p:nvSpPr>
-        <p:spPr>
-          <a:xfrm>
-            <a:off x="2533350" y="2428125"/>
-            <a:ext cx="2222400" cy="874800"/>
-          </a:xfrm>
-          <a:prstGeom prst="rect">
-            <a:avLst/>
-          </a:prstGeom>
-        </p:spPr>
-        <p:txBody>
-          <a:bodyPr spcFirstLastPara="1" wrap="square" lIns="91425" tIns="91425" rIns="91425" bIns="91425" anchor="b" anchorCtr="0">
-            <a:noAutofit/>
-          </a:bodyPr>
-          <a:lstStyle>
-            <a:lvl1pPr lvl="0" algn="ctr" rtl="0">
-              <a:spcBef>
-                <a:spcPts val="0"/>
-              </a:spcBef>
-              <a:spcAft>
-                <a:spcPts val="0"/>
-              </a:spcAft>
-              <a:buSzPts val="4000"/>
-              <a:buNone/>
-              <a:defRPr sz="5000"/>
-            </a:lvl1pPr>
-            <a:lvl2pPr lvl="1" algn="ctr" rtl="0">
-              <a:spcBef>
-                <a:spcPts val="0"/>
-              </a:spcBef>
-              <a:spcAft>
-                <a:spcPts val="0"/>
-              </a:spcAft>
-              <a:buSzPts val="4000"/>
-              <a:buNone/>
-              <a:defRPr sz="4000"/>
-            </a:lvl2pPr>
-            <a:lvl3pPr lvl="2" algn="ctr" rtl="0">
-              <a:spcBef>
-                <a:spcPts val="0"/>
-              </a:spcBef>
-              <a:spcAft>
-                <a:spcPts val="0"/>
-              </a:spcAft>
-              <a:buSzPts val="4000"/>
-              <a:buNone/>
-              <a:defRPr sz="4000"/>
-            </a:lvl3pPr>
-            <a:lvl4pPr lvl="3" algn="ctr" rtl="0">
-              <a:spcBef>
-                <a:spcPts val="0"/>
-              </a:spcBef>
-              <a:spcAft>
-                <a:spcPts val="0"/>
-              </a:spcAft>
-              <a:buSzPts val="4000"/>
-              <a:buNone/>
-              <a:defRPr sz="4000"/>
-            </a:lvl4pPr>
-            <a:lvl5pPr lvl="4" algn="ctr" rtl="0">
-              <a:spcBef>
-                <a:spcPts val="0"/>
-              </a:spcBef>
-              <a:spcAft>
-                <a:spcPts val="0"/>
-              </a:spcAft>
-              <a:buSzPts val="4000"/>
-              <a:buNone/>
-              <a:defRPr sz="4000"/>
-            </a:lvl5pPr>
-            <a:lvl6pPr lvl="5" algn="ctr" rtl="0">
-              <a:spcBef>
-                <a:spcPts val="0"/>
-              </a:spcBef>
-              <a:spcAft>
-                <a:spcPts val="0"/>
-              </a:spcAft>
-              <a:buSzPts val="4000"/>
-              <a:buNone/>
-              <a:defRPr sz="4000"/>
-            </a:lvl6pPr>
-            <a:lvl7pPr lvl="6" algn="ctr" rtl="0">
-              <a:spcBef>
-                <a:spcPts val="0"/>
-              </a:spcBef>
-              <a:spcAft>
-                <a:spcPts val="0"/>
-              </a:spcAft>
-              <a:buSzPts val="4000"/>
-              <a:buNone/>
-              <a:defRPr sz="4000"/>
-            </a:lvl7pPr>
-            <a:lvl8pPr lvl="7" algn="ctr" rtl="0">
-              <a:spcBef>
-                <a:spcPts val="0"/>
-              </a:spcBef>
-              <a:spcAft>
-                <a:spcPts val="0"/>
-              </a:spcAft>
-              <a:buSzPts val="4000"/>
-              <a:buNone/>
-              <a:defRPr sz="4000"/>
-            </a:lvl8pPr>
-            <a:lvl9pPr lvl="8" algn="ctr" rtl="0">
-              <a:spcBef>
-                <a:spcPts val="0"/>
-              </a:spcBef>
-              <a:spcAft>
-                <a:spcPts val="0"/>
-              </a:spcAft>
-              <a:buSzPts val="4000"/>
-              <a:buNone/>
-              <a:defRPr sz="4000"/>
-            </a:lvl9pPr>
-          </a:lstStyle>
-          <a:p>
-            <a:r>
-              <a:t>xx%</a:t>
-            </a:r>
-          </a:p>
-        </p:txBody>
-      </p:sp>
-      <p:sp>
-        <p:nvSpPr>
-          <p:cNvPr id="623" name="Google Shape;623;p27"/>
-          <p:cNvSpPr txBox="1">
-            <a:spLocks noGrp="1"/>
-          </p:cNvSpPr>
-          <p:nvPr>
-            <p:ph type="subTitle" idx="1"/>
-          </p:nvPr>
-        </p:nvSpPr>
-        <p:spPr>
-          <a:xfrm>
-            <a:off x="2946600" y="3089175"/>
-            <a:ext cx="1395900" cy="367500"/>
-          </a:xfrm>
-          <a:prstGeom prst="rect">
-            <a:avLst/>
-          </a:prstGeom>
-        </p:spPr>
-        <p:txBody>
-          <a:bodyPr spcFirstLastPara="1" wrap="square" lIns="91425" tIns="91425" rIns="91425" bIns="91425" anchor="t" anchorCtr="0">
-            <a:noAutofit/>
-          </a:bodyPr>
-          <a:lstStyle>
-            <a:lvl1pPr lvl="0" algn="ctr" rtl="0">
-              <a:lnSpc>
-                <a:spcPct val="100000"/>
-              </a:lnSpc>
-              <a:spcBef>
-                <a:spcPts val="0"/>
-              </a:spcBef>
-              <a:spcAft>
-                <a:spcPts val="0"/>
-              </a:spcAft>
-              <a:buSzPts val="1400"/>
-              <a:buNone/>
-              <a:defRPr sz="1400"/>
-            </a:lvl1pPr>
-            <a:lvl2pPr lvl="1" rtl="0">
-              <a:lnSpc>
-                <a:spcPct val="100000"/>
-              </a:lnSpc>
-              <a:spcBef>
-                <a:spcPts val="1600"/>
-              </a:spcBef>
-              <a:spcAft>
-                <a:spcPts val="0"/>
-              </a:spcAft>
-              <a:buSzPts val="1400"/>
-              <a:buNone/>
-              <a:defRPr/>
-            </a:lvl2pPr>
-            <a:lvl3pPr lvl="2" rtl="0">
-              <a:lnSpc>
-                <a:spcPct val="100000"/>
-              </a:lnSpc>
-              <a:spcBef>
-                <a:spcPts val="1600"/>
-              </a:spcBef>
-              <a:spcAft>
-                <a:spcPts val="0"/>
-              </a:spcAft>
-              <a:buSzPts val="1400"/>
-              <a:buNone/>
-              <a:defRPr/>
-            </a:lvl3pPr>
-            <a:lvl4pPr lvl="3" rtl="0">
-              <a:lnSpc>
-                <a:spcPct val="100000"/>
-              </a:lnSpc>
-              <a:spcBef>
-                <a:spcPts val="1600"/>
-              </a:spcBef>
-              <a:spcAft>
-                <a:spcPts val="0"/>
-              </a:spcAft>
-              <a:buSzPts val="1400"/>
-              <a:buNone/>
-              <a:defRPr/>
-            </a:lvl4pPr>
-            <a:lvl5pPr lvl="4" rtl="0">
-              <a:lnSpc>
-                <a:spcPct val="100000"/>
-              </a:lnSpc>
-              <a:spcBef>
-                <a:spcPts val="1600"/>
-              </a:spcBef>
-              <a:spcAft>
-                <a:spcPts val="0"/>
-              </a:spcAft>
-              <a:buSzPts val="1400"/>
-              <a:buNone/>
-              <a:defRPr/>
-            </a:lvl5pPr>
-            <a:lvl6pPr lvl="5" rtl="0">
-              <a:lnSpc>
-                <a:spcPct val="100000"/>
-              </a:lnSpc>
-              <a:spcBef>
-                <a:spcPts val="1600"/>
-              </a:spcBef>
-              <a:spcAft>
-                <a:spcPts val="0"/>
-              </a:spcAft>
-              <a:buSzPts val="1400"/>
-              <a:buNone/>
-              <a:defRPr/>
-            </a:lvl6pPr>
-            <a:lvl7pPr lvl="6" rtl="0">
-              <a:lnSpc>
-                <a:spcPct val="100000"/>
-              </a:lnSpc>
-              <a:spcBef>
-                <a:spcPts val="1600"/>
-              </a:spcBef>
-              <a:spcAft>
-                <a:spcPts val="0"/>
-              </a:spcAft>
-              <a:buSzPts val="1400"/>
-              <a:buNone/>
-              <a:defRPr/>
-            </a:lvl7pPr>
-            <a:lvl8pPr lvl="7" rtl="0">
-              <a:lnSpc>
-                <a:spcPct val="100000"/>
-              </a:lnSpc>
-              <a:spcBef>
-                <a:spcPts val="1600"/>
-              </a:spcBef>
-              <a:spcAft>
-                <a:spcPts val="0"/>
-              </a:spcAft>
-              <a:buSzPts val="1400"/>
-              <a:buNone/>
-              <a:defRPr/>
-            </a:lvl8pPr>
-            <a:lvl9pPr lvl="8" rtl="0">
-              <a:lnSpc>
-                <a:spcPct val="100000"/>
-              </a:lnSpc>
-              <a:spcBef>
-                <a:spcPts val="1600"/>
-              </a:spcBef>
-              <a:spcAft>
-                <a:spcPts val="1600"/>
-              </a:spcAft>
-              <a:buSzPts val="1400"/>
-              <a:buNone/>
-              <a:defRPr/>
-            </a:lvl9pPr>
-          </a:lstStyle>
-          <a:p>
-            <a:endParaRPr/>
-          </a:p>
-        </p:txBody>
-      </p:sp>
-      <p:sp>
-        <p:nvSpPr>
-          <p:cNvPr id="624" name="Google Shape;624;p27"/>
-          <p:cNvSpPr txBox="1">
-            <a:spLocks noGrp="1"/>
-          </p:cNvSpPr>
-          <p:nvPr>
-            <p:ph type="title" idx="3" hasCustomPrompt="1"/>
-          </p:nvPr>
-        </p:nvSpPr>
-        <p:spPr>
-          <a:xfrm>
-            <a:off x="5195850" y="2187300"/>
-            <a:ext cx="1609200" cy="636600"/>
-          </a:xfrm>
-          <a:prstGeom prst="rect">
-            <a:avLst/>
-          </a:prstGeom>
-        </p:spPr>
-        <p:txBody>
-          <a:bodyPr spcFirstLastPara="1" wrap="square" lIns="91425" tIns="91425" rIns="91425" bIns="91425" anchor="b" anchorCtr="0">
-            <a:noAutofit/>
-          </a:bodyPr>
-          <a:lstStyle>
-            <a:lvl1pPr lvl="0" algn="ctr" rtl="0">
-              <a:spcBef>
-                <a:spcPts val="0"/>
-              </a:spcBef>
-              <a:spcAft>
-                <a:spcPts val="0"/>
-              </a:spcAft>
-              <a:buSzPts val="4000"/>
-              <a:buNone/>
-              <a:defRPr sz="3000"/>
-            </a:lvl1pPr>
-            <a:lvl2pPr lvl="1" algn="ctr" rtl="0">
-              <a:spcBef>
-                <a:spcPts val="0"/>
-              </a:spcBef>
-              <a:spcAft>
-                <a:spcPts val="0"/>
-              </a:spcAft>
-              <a:buSzPts val="4000"/>
-              <a:buNone/>
-              <a:defRPr sz="4000"/>
-            </a:lvl2pPr>
-            <a:lvl3pPr lvl="2" algn="ctr" rtl="0">
-              <a:spcBef>
-                <a:spcPts val="0"/>
-              </a:spcBef>
-              <a:spcAft>
-                <a:spcPts val="0"/>
-              </a:spcAft>
-              <a:buSzPts val="4000"/>
-              <a:buNone/>
-              <a:defRPr sz="4000"/>
-            </a:lvl3pPr>
-            <a:lvl4pPr lvl="3" algn="ctr" rtl="0">
-              <a:spcBef>
-                <a:spcPts val="0"/>
-              </a:spcBef>
-              <a:spcAft>
-                <a:spcPts val="0"/>
-              </a:spcAft>
-              <a:buSzPts val="4000"/>
-              <a:buNone/>
-              <a:defRPr sz="4000"/>
-            </a:lvl4pPr>
-            <a:lvl5pPr lvl="4" algn="ctr" rtl="0">
-              <a:spcBef>
-                <a:spcPts val="0"/>
-              </a:spcBef>
-              <a:spcAft>
-                <a:spcPts val="0"/>
-              </a:spcAft>
-              <a:buSzPts val="4000"/>
-              <a:buNone/>
-              <a:defRPr sz="4000"/>
-            </a:lvl5pPr>
-            <a:lvl6pPr lvl="5" algn="ctr" rtl="0">
-              <a:spcBef>
-                <a:spcPts val="0"/>
-              </a:spcBef>
-              <a:spcAft>
-                <a:spcPts val="0"/>
-              </a:spcAft>
-              <a:buSzPts val="4000"/>
-              <a:buNone/>
-              <a:defRPr sz="4000"/>
-            </a:lvl6pPr>
-            <a:lvl7pPr lvl="6" algn="ctr" rtl="0">
-              <a:spcBef>
-                <a:spcPts val="0"/>
-              </a:spcBef>
-              <a:spcAft>
-                <a:spcPts val="0"/>
-              </a:spcAft>
-              <a:buSzPts val="4000"/>
-              <a:buNone/>
-              <a:defRPr sz="4000"/>
-            </a:lvl7pPr>
-            <a:lvl8pPr lvl="7" algn="ctr" rtl="0">
-              <a:spcBef>
-                <a:spcPts val="0"/>
-              </a:spcBef>
-              <a:spcAft>
-                <a:spcPts val="0"/>
-              </a:spcAft>
-              <a:buSzPts val="4000"/>
-              <a:buNone/>
-              <a:defRPr sz="4000"/>
-            </a:lvl8pPr>
-            <a:lvl9pPr lvl="8" algn="ctr" rtl="0">
-              <a:spcBef>
-                <a:spcPts val="0"/>
-              </a:spcBef>
-              <a:spcAft>
-                <a:spcPts val="0"/>
-              </a:spcAft>
-              <a:buSzPts val="4000"/>
-              <a:buNone/>
-              <a:defRPr sz="4000"/>
-            </a:lvl9pPr>
-          </a:lstStyle>
-          <a:p>
-            <a:r>
-              <a:t>xx%</a:t>
-            </a:r>
-          </a:p>
-        </p:txBody>
-      </p:sp>
-      <p:sp>
-        <p:nvSpPr>
-          <p:cNvPr id="625" name="Google Shape;625;p27"/>
-          <p:cNvSpPr txBox="1">
-            <a:spLocks noGrp="1"/>
-          </p:cNvSpPr>
-          <p:nvPr>
-            <p:ph type="subTitle" idx="4"/>
-          </p:nvPr>
-        </p:nvSpPr>
-        <p:spPr>
-          <a:xfrm>
-            <a:off x="5261850" y="2652500"/>
-            <a:ext cx="1477200" cy="509400"/>
-          </a:xfrm>
-          <a:prstGeom prst="rect">
-            <a:avLst/>
-          </a:prstGeom>
-        </p:spPr>
-        <p:txBody>
-          <a:bodyPr spcFirstLastPara="1" wrap="square" lIns="91425" tIns="91425" rIns="91425" bIns="91425" anchor="t" anchorCtr="0">
-            <a:noAutofit/>
-          </a:bodyPr>
-          <a:lstStyle>
-            <a:lvl1pPr lvl="0" algn="ctr" rtl="0">
-              <a:lnSpc>
-                <a:spcPct val="100000"/>
-              </a:lnSpc>
-              <a:spcBef>
-                <a:spcPts val="0"/>
-              </a:spcBef>
-              <a:spcAft>
-                <a:spcPts val="0"/>
-              </a:spcAft>
-              <a:buSzPts val="1400"/>
-              <a:buNone/>
-              <a:defRPr sz="1200"/>
-            </a:lvl1pPr>
-            <a:lvl2pPr lvl="1" rtl="0">
-              <a:lnSpc>
-                <a:spcPct val="100000"/>
-              </a:lnSpc>
-              <a:spcBef>
-                <a:spcPts val="1600"/>
-              </a:spcBef>
-              <a:spcAft>
-                <a:spcPts val="0"/>
-              </a:spcAft>
-              <a:buSzPts val="1400"/>
-              <a:buNone/>
-              <a:defRPr/>
-            </a:lvl2pPr>
-            <a:lvl3pPr lvl="2" rtl="0">
-              <a:lnSpc>
-                <a:spcPct val="100000"/>
-              </a:lnSpc>
-              <a:spcBef>
-                <a:spcPts val="1600"/>
-              </a:spcBef>
-              <a:spcAft>
-                <a:spcPts val="0"/>
-              </a:spcAft>
-              <a:buSzPts val="1400"/>
-              <a:buNone/>
-              <a:defRPr/>
-            </a:lvl3pPr>
-            <a:lvl4pPr lvl="3" rtl="0">
-              <a:lnSpc>
-                <a:spcPct val="100000"/>
-              </a:lnSpc>
-              <a:spcBef>
-                <a:spcPts val="1600"/>
-              </a:spcBef>
-              <a:spcAft>
-                <a:spcPts val="0"/>
-              </a:spcAft>
-              <a:buSzPts val="1400"/>
-              <a:buNone/>
-              <a:defRPr/>
-            </a:lvl4pPr>
-            <a:lvl5pPr lvl="4" rtl="0">
-              <a:lnSpc>
-                <a:spcPct val="100000"/>
-              </a:lnSpc>
-              <a:spcBef>
-                <a:spcPts val="1600"/>
-              </a:spcBef>
-              <a:spcAft>
-                <a:spcPts val="0"/>
-              </a:spcAft>
-              <a:buSzPts val="1400"/>
-              <a:buNone/>
-              <a:defRPr/>
-            </a:lvl5pPr>
-            <a:lvl6pPr lvl="5" rtl="0">
-              <a:lnSpc>
-                <a:spcPct val="100000"/>
-              </a:lnSpc>
-              <a:spcBef>
-                <a:spcPts val="1600"/>
-              </a:spcBef>
-              <a:spcAft>
-                <a:spcPts val="0"/>
-              </a:spcAft>
-              <a:buSzPts val="1400"/>
-              <a:buNone/>
-              <a:defRPr/>
-            </a:lvl6pPr>
-            <a:lvl7pPr lvl="6" rtl="0">
-              <a:lnSpc>
-                <a:spcPct val="100000"/>
-              </a:lnSpc>
-              <a:spcBef>
-                <a:spcPts val="1600"/>
-              </a:spcBef>
-              <a:spcAft>
-                <a:spcPts val="0"/>
-              </a:spcAft>
-              <a:buSzPts val="1400"/>
-              <a:buNone/>
-              <a:defRPr/>
-            </a:lvl7pPr>
-            <a:lvl8pPr lvl="7" rtl="0">
-              <a:lnSpc>
-                <a:spcPct val="100000"/>
-              </a:lnSpc>
-              <a:spcBef>
-                <a:spcPts val="1600"/>
-              </a:spcBef>
-              <a:spcAft>
-                <a:spcPts val="0"/>
-              </a:spcAft>
-              <a:buSzPts val="1400"/>
-              <a:buNone/>
-              <a:defRPr/>
-            </a:lvl8pPr>
-            <a:lvl9pPr lvl="8" rtl="0">
-              <a:lnSpc>
-                <a:spcPct val="100000"/>
-              </a:lnSpc>
-              <a:spcBef>
-                <a:spcPts val="1600"/>
-              </a:spcBef>
-              <a:spcAft>
-                <a:spcPts val="1600"/>
-              </a:spcAft>
-              <a:buSzPts val="1400"/>
-              <a:buNone/>
-              <a:defRPr/>
-            </a:lvl9pPr>
-          </a:lstStyle>
-          <a:p>
-            <a:endParaRPr/>
-          </a:p>
-        </p:txBody>
-      </p:sp>
-    </p:spTree>
-  </p:cSld>
-  <p:clrMapOvr>
-    <a:masterClrMapping/>
-  </p:clrMapOvr>
-</p:sldLayout>
-</file>
-
-<file path=ppt/slideLayouts/slideLayout12.xml><?xml version="1.0" encoding="utf-8"?>
 <p:sldLayout xmlns:a="http://schemas.openxmlformats.org/drawingml/2006/main" xmlns:r="http://schemas.openxmlformats.org/officeDocument/2006/relationships" xmlns:p="http://schemas.openxmlformats.org/presentationml/2006/main" matchingName="Technology">
   <p:cSld name="BLANK_1_1_1_1_1">
     <p:spTree>
@@ -12969,7 +9385,7 @@
 </p:sldLayout>
 </file>
 
-<file path=ppt/slideLayouts/slideLayout13.xml><?xml version="1.0" encoding="utf-8"?>
+<file path=ppt/slideLayouts/slideLayout12.xml><?xml version="1.0" encoding="utf-8"?>
 <p:sldLayout xmlns:a="http://schemas.openxmlformats.org/drawingml/2006/main" xmlns:r="http://schemas.openxmlformats.org/officeDocument/2006/relationships" xmlns:p="http://schemas.openxmlformats.org/presentationml/2006/main" matchingName="Background 1">
   <p:cSld name="CUSTOM_3">
     <p:spTree>
@@ -14821,7 +11237,7 @@
 </p:sldLayout>
 </file>
 
-<file path=ppt/slideLayouts/slideLayout14.xml><?xml version="1.0" encoding="utf-8"?>
+<file path=ppt/slideLayouts/slideLayout13.xml><?xml version="1.0" encoding="utf-8"?>
 <p:sldLayout xmlns:a="http://schemas.openxmlformats.org/drawingml/2006/main" xmlns:r="http://schemas.openxmlformats.org/officeDocument/2006/relationships" xmlns:p="http://schemas.openxmlformats.org/presentationml/2006/main" matchingName="Background 2">
   <p:cSld name="CUSTOM_4">
     <p:spTree>
@@ -17375,7 +13791,7 @@
 </p:sldLayout>
 </file>
 
-<file path=ppt/slideLayouts/slideLayout15.xml><?xml version="1.0" encoding="utf-8"?>
+<file path=ppt/slideLayouts/slideLayout14.xml><?xml version="1.0" encoding="utf-8"?>
 <p:sldLayout xmlns:a="http://schemas.openxmlformats.org/drawingml/2006/main" xmlns:r="http://schemas.openxmlformats.org/officeDocument/2006/relationships" xmlns:p="http://schemas.openxmlformats.org/presentationml/2006/main" matchingName="Table of contents">
   <p:cSld name="Table of contents">
     <p:spTree>
@@ -20588,7 +17004,7 @@
 </p:sldLayout>
 </file>
 
-<file path=ppt/slideLayouts/slideLayout16.xml><?xml version="1.0" encoding="utf-8"?>
+<file path=ppt/slideLayouts/slideLayout15.xml><?xml version="1.0" encoding="utf-8"?>
 <p:sldLayout xmlns:a="http://schemas.openxmlformats.org/drawingml/2006/main" xmlns:r="http://schemas.openxmlformats.org/officeDocument/2006/relationships" xmlns:p="http://schemas.openxmlformats.org/presentationml/2006/main" matchingName="Title and body" type="tx">
   <p:cSld name="Title and body">
     <p:spTree>
@@ -42155,12 +38571,11 @@
     <p:sldLayoutId id="2147483663" r:id="rId8"/>
     <p:sldLayoutId id="2147483665" r:id="rId9"/>
     <p:sldLayoutId id="2147483668" r:id="rId10"/>
-    <p:sldLayoutId id="2147483673" r:id="rId11"/>
-    <p:sldLayoutId id="2147483675" r:id="rId12"/>
-    <p:sldLayoutId id="2147483677" r:id="rId13"/>
-    <p:sldLayoutId id="2147483678" r:id="rId14"/>
-    <p:sldLayoutId id="2147483681" r:id="rId15"/>
-    <p:sldLayoutId id="2147483682" r:id="rId16"/>
+    <p:sldLayoutId id="2147483675" r:id="rId11"/>
+    <p:sldLayoutId id="2147483677" r:id="rId12"/>
+    <p:sldLayoutId id="2147483678" r:id="rId13"/>
+    <p:sldLayoutId id="2147483681" r:id="rId14"/>
+    <p:sldLayoutId id="2147483682" r:id="rId15"/>
   </p:sldLayoutIdLst>
   <p:hf sldNum="0" hdr="0" ftr="0" dt="0"/>
   <p:txStyles>
@@ -43032,9 +39447,18 @@
   <p:clrMapOvr>
     <a:masterClrMapping/>
   </p:clrMapOvr>
-  <p:transition spd="slow">
-    <p:wipe/>
-  </p:transition>
+  <mc:AlternateContent xmlns:mc="http://schemas.openxmlformats.org/markup-compatibility/2006" xmlns:p159="http://schemas.microsoft.com/office/powerpoint/2015/09/main">
+    <mc:Choice Requires="p159">
+      <p:transition xmlns:p14="http://schemas.microsoft.com/office/powerpoint/2010/main" spd="slow" p14:dur="2000">
+        <p159:morph option="byObject"/>
+      </p:transition>
+    </mc:Choice>
+    <mc:Fallback xmlns="">
+      <p:transition spd="slow">
+        <p:fade/>
+      </p:transition>
+    </mc:Fallback>
+  </mc:AlternateContent>
 </p:sld>
 </file>
 
@@ -43043,7 +39467,7 @@
   <p:cSld>
     <p:spTree>
       <p:nvGrpSpPr>
-        <p:cNvPr id="1" name="Shape 1380"/>
+        <p:cNvPr id="1" name="Shape 827"/>
         <p:cNvGrpSpPr/>
         <p:nvPr/>
       </p:nvGrpSpPr>
@@ -43057,2281 +39481,355 @@
       </p:grpSpPr>
       <p:sp>
         <p:nvSpPr>
-          <p:cNvPr id="1381" name="Google Shape;1381;p58"/>
+          <p:cNvPr id="7" name="Google Shape;798;p37">
+            <a:extLst>
+              <a:ext uri="{FF2B5EF4-FFF2-40B4-BE49-F238E27FC236}">
+                <a16:creationId xmlns:a16="http://schemas.microsoft.com/office/drawing/2014/main" id="{821CE211-38E1-4D3E-843E-FC2534411C5B}"/>
+              </a:ext>
+            </a:extLst>
+          </p:cNvPr>
+          <p:cNvSpPr txBox="1">
+            <a:spLocks/>
+          </p:cNvSpPr>
+          <p:nvPr/>
+        </p:nvSpPr>
+        <p:spPr>
+          <a:xfrm>
+            <a:off x="603508" y="1889371"/>
+            <a:ext cx="4182609" cy="909638"/>
+          </a:xfrm>
+          <a:prstGeom prst="rect">
+            <a:avLst/>
+          </a:prstGeom>
+          <a:noFill/>
+          <a:ln>
+            <a:noFill/>
+          </a:ln>
+        </p:spPr>
+        <p:txBody>
+          <a:bodyPr spcFirstLastPara="1" wrap="square" lIns="91425" tIns="91425" rIns="91425" bIns="91425" anchor="t" anchorCtr="0">
+            <a:noAutofit/>
+          </a:bodyPr>
+          <a:lstStyle>
+            <a:defPPr marR="0" lvl="0" algn="l" rtl="0">
+              <a:lnSpc>
+                <a:spcPct val="100000"/>
+              </a:lnSpc>
+              <a:spcBef>
+                <a:spcPts val="0"/>
+              </a:spcBef>
+              <a:spcAft>
+                <a:spcPts val="0"/>
+              </a:spcAft>
+              <a:defRPr/>
+            </a:defPPr>
+            <a:lvl1pPr marR="0" lvl="0" algn="ctr" rtl="0">
+              <a:lnSpc>
+                <a:spcPct val="100000"/>
+              </a:lnSpc>
+              <a:spcBef>
+                <a:spcPts val="0"/>
+              </a:spcBef>
+              <a:spcAft>
+                <a:spcPts val="0"/>
+              </a:spcAft>
+              <a:buClr>
+                <a:schemeClr val="dk1"/>
+              </a:buClr>
+              <a:buSzPts val="2700"/>
+              <a:buFont typeface="Krona One"/>
+              <a:buNone/>
+              <a:defRPr sz="2700" b="0" i="0" u="none" strike="noStrike" cap="none">
+                <a:solidFill>
+                  <a:schemeClr val="dk1"/>
+                </a:solidFill>
+                <a:latin typeface="Krona One"/>
+                <a:ea typeface="Krona One"/>
+                <a:cs typeface="Krona One"/>
+                <a:sym typeface="Krona One"/>
+              </a:defRPr>
+            </a:lvl1pPr>
+            <a:lvl2pPr marR="0" lvl="1" algn="l" rtl="0">
+              <a:lnSpc>
+                <a:spcPct val="100000"/>
+              </a:lnSpc>
+              <a:spcBef>
+                <a:spcPts val="0"/>
+              </a:spcBef>
+              <a:spcAft>
+                <a:spcPts val="0"/>
+              </a:spcAft>
+              <a:buClr>
+                <a:schemeClr val="dk1"/>
+              </a:buClr>
+              <a:buSzPts val="2800"/>
+              <a:buFont typeface="Arial"/>
+              <a:buNone/>
+              <a:defRPr sz="2800" b="0" i="0" u="none" strike="noStrike" cap="none">
+                <a:solidFill>
+                  <a:schemeClr val="dk1"/>
+                </a:solidFill>
+                <a:latin typeface="Ruda"/>
+                <a:ea typeface="Ruda"/>
+                <a:cs typeface="Ruda"/>
+                <a:sym typeface="Ruda"/>
+              </a:defRPr>
+            </a:lvl2pPr>
+            <a:lvl3pPr marR="0" lvl="2" algn="l" rtl="0">
+              <a:lnSpc>
+                <a:spcPct val="100000"/>
+              </a:lnSpc>
+              <a:spcBef>
+                <a:spcPts val="0"/>
+              </a:spcBef>
+              <a:spcAft>
+                <a:spcPts val="0"/>
+              </a:spcAft>
+              <a:buClr>
+                <a:schemeClr val="dk1"/>
+              </a:buClr>
+              <a:buSzPts val="2800"/>
+              <a:buFont typeface="Arial"/>
+              <a:buNone/>
+              <a:defRPr sz="2800" b="0" i="0" u="none" strike="noStrike" cap="none">
+                <a:solidFill>
+                  <a:schemeClr val="dk1"/>
+                </a:solidFill>
+                <a:latin typeface="Ruda"/>
+                <a:ea typeface="Ruda"/>
+                <a:cs typeface="Ruda"/>
+                <a:sym typeface="Ruda"/>
+              </a:defRPr>
+            </a:lvl3pPr>
+            <a:lvl4pPr marR="0" lvl="3" algn="l" rtl="0">
+              <a:lnSpc>
+                <a:spcPct val="100000"/>
+              </a:lnSpc>
+              <a:spcBef>
+                <a:spcPts val="0"/>
+              </a:spcBef>
+              <a:spcAft>
+                <a:spcPts val="0"/>
+              </a:spcAft>
+              <a:buClr>
+                <a:schemeClr val="dk1"/>
+              </a:buClr>
+              <a:buSzPts val="2800"/>
+              <a:buFont typeface="Arial"/>
+              <a:buNone/>
+              <a:defRPr sz="2800" b="0" i="0" u="none" strike="noStrike" cap="none">
+                <a:solidFill>
+                  <a:schemeClr val="dk1"/>
+                </a:solidFill>
+                <a:latin typeface="Ruda"/>
+                <a:ea typeface="Ruda"/>
+                <a:cs typeface="Ruda"/>
+                <a:sym typeface="Ruda"/>
+              </a:defRPr>
+            </a:lvl4pPr>
+            <a:lvl5pPr marR="0" lvl="4" algn="l" rtl="0">
+              <a:lnSpc>
+                <a:spcPct val="100000"/>
+              </a:lnSpc>
+              <a:spcBef>
+                <a:spcPts val="0"/>
+              </a:spcBef>
+              <a:spcAft>
+                <a:spcPts val="0"/>
+              </a:spcAft>
+              <a:buClr>
+                <a:schemeClr val="dk1"/>
+              </a:buClr>
+              <a:buSzPts val="2800"/>
+              <a:buFont typeface="Arial"/>
+              <a:buNone/>
+              <a:defRPr sz="2800" b="0" i="0" u="none" strike="noStrike" cap="none">
+                <a:solidFill>
+                  <a:schemeClr val="dk1"/>
+                </a:solidFill>
+                <a:latin typeface="Ruda"/>
+                <a:ea typeface="Ruda"/>
+                <a:cs typeface="Ruda"/>
+                <a:sym typeface="Ruda"/>
+              </a:defRPr>
+            </a:lvl5pPr>
+            <a:lvl6pPr marR="0" lvl="5" algn="l" rtl="0">
+              <a:lnSpc>
+                <a:spcPct val="100000"/>
+              </a:lnSpc>
+              <a:spcBef>
+                <a:spcPts val="0"/>
+              </a:spcBef>
+              <a:spcAft>
+                <a:spcPts val="0"/>
+              </a:spcAft>
+              <a:buClr>
+                <a:schemeClr val="dk1"/>
+              </a:buClr>
+              <a:buSzPts val="2800"/>
+              <a:buFont typeface="Arial"/>
+              <a:buNone/>
+              <a:defRPr sz="2800" b="0" i="0" u="none" strike="noStrike" cap="none">
+                <a:solidFill>
+                  <a:schemeClr val="dk1"/>
+                </a:solidFill>
+                <a:latin typeface="Ruda"/>
+                <a:ea typeface="Ruda"/>
+                <a:cs typeface="Ruda"/>
+                <a:sym typeface="Ruda"/>
+              </a:defRPr>
+            </a:lvl6pPr>
+            <a:lvl7pPr marR="0" lvl="6" algn="l" rtl="0">
+              <a:lnSpc>
+                <a:spcPct val="100000"/>
+              </a:lnSpc>
+              <a:spcBef>
+                <a:spcPts val="0"/>
+              </a:spcBef>
+              <a:spcAft>
+                <a:spcPts val="0"/>
+              </a:spcAft>
+              <a:buClr>
+                <a:schemeClr val="dk1"/>
+              </a:buClr>
+              <a:buSzPts val="2800"/>
+              <a:buFont typeface="Arial"/>
+              <a:buNone/>
+              <a:defRPr sz="2800" b="0" i="0" u="none" strike="noStrike" cap="none">
+                <a:solidFill>
+                  <a:schemeClr val="dk1"/>
+                </a:solidFill>
+                <a:latin typeface="Ruda"/>
+                <a:ea typeface="Ruda"/>
+                <a:cs typeface="Ruda"/>
+                <a:sym typeface="Ruda"/>
+              </a:defRPr>
+            </a:lvl7pPr>
+            <a:lvl8pPr marR="0" lvl="7" algn="l" rtl="0">
+              <a:lnSpc>
+                <a:spcPct val="100000"/>
+              </a:lnSpc>
+              <a:spcBef>
+                <a:spcPts val="0"/>
+              </a:spcBef>
+              <a:spcAft>
+                <a:spcPts val="0"/>
+              </a:spcAft>
+              <a:buClr>
+                <a:schemeClr val="dk1"/>
+              </a:buClr>
+              <a:buSzPts val="2800"/>
+              <a:buFont typeface="Arial"/>
+              <a:buNone/>
+              <a:defRPr sz="2800" b="0" i="0" u="none" strike="noStrike" cap="none">
+                <a:solidFill>
+                  <a:schemeClr val="dk1"/>
+                </a:solidFill>
+                <a:latin typeface="Ruda"/>
+                <a:ea typeface="Ruda"/>
+                <a:cs typeface="Ruda"/>
+                <a:sym typeface="Ruda"/>
+              </a:defRPr>
+            </a:lvl8pPr>
+            <a:lvl9pPr marR="0" lvl="8" algn="l" rtl="0">
+              <a:lnSpc>
+                <a:spcPct val="100000"/>
+              </a:lnSpc>
+              <a:spcBef>
+                <a:spcPts val="0"/>
+              </a:spcBef>
+              <a:spcAft>
+                <a:spcPts val="0"/>
+              </a:spcAft>
+              <a:buClr>
+                <a:schemeClr val="dk1"/>
+              </a:buClr>
+              <a:buSzPts val="2800"/>
+              <a:buFont typeface="Arial"/>
+              <a:buNone/>
+              <a:defRPr sz="2800" b="0" i="0" u="none" strike="noStrike" cap="none">
+                <a:solidFill>
+                  <a:schemeClr val="dk1"/>
+                </a:solidFill>
+                <a:latin typeface="Ruda"/>
+                <a:ea typeface="Ruda"/>
+                <a:cs typeface="Ruda"/>
+                <a:sym typeface="Ruda"/>
+              </a:defRPr>
+            </a:lvl9pPr>
+          </a:lstStyle>
+          <a:p>
+            <a:r>
+              <a:rPr lang="pt-BR" sz="3600" dirty="0">
+                <a:latin typeface="Aharoni" panose="02010803020104030203" pitchFamily="2" charset="-79"/>
+                <a:cs typeface="Aharoni" panose="02010803020104030203" pitchFamily="2" charset="-79"/>
+              </a:rPr>
+              <a:t>Então vamos lá!</a:t>
+            </a:r>
+          </a:p>
+        </p:txBody>
+      </p:sp>
+      <p:sp>
+        <p:nvSpPr>
+          <p:cNvPr id="6" name="Oval 5">
+            <a:extLst>
+              <a:ext uri="{FF2B5EF4-FFF2-40B4-BE49-F238E27FC236}">
+                <a16:creationId xmlns:a16="http://schemas.microsoft.com/office/drawing/2014/main" id="{064825FB-9D1F-4606-A153-CB9334537E38}"/>
+              </a:ext>
+            </a:extLst>
+          </p:cNvPr>
           <p:cNvSpPr/>
           <p:nvPr/>
         </p:nvSpPr>
         <p:spPr>
           <a:xfrm>
-            <a:off x="2395200" y="1623376"/>
-            <a:ext cx="2176800" cy="2125200"/>
+            <a:off x="4950229" y="1172096"/>
+            <a:ext cx="2535381" cy="2344189"/>
           </a:xfrm>
           <a:prstGeom prst="ellipse">
             <a:avLst/>
           </a:prstGeom>
-          <a:gradFill>
-            <a:gsLst>
-              <a:gs pos="0">
-                <a:schemeClr val="accent3"/>
-              </a:gs>
-              <a:gs pos="100000">
-                <a:schemeClr val="accent4"/>
-              </a:gs>
-            </a:gsLst>
-            <a:lin ang="5400700" scaled="0"/>
-          </a:gradFill>
+          <a:solidFill>
+            <a:schemeClr val="accent3">
+              <a:lumMod val="20000"/>
+              <a:lumOff val="80000"/>
+            </a:schemeClr>
+          </a:solidFill>
           <a:ln>
             <a:noFill/>
           </a:ln>
         </p:spPr>
+        <p:style>
+          <a:lnRef idx="2">
+            <a:schemeClr val="accent1">
+              <a:shade val="50000"/>
+            </a:schemeClr>
+          </a:lnRef>
+          <a:fillRef idx="1">
+            <a:schemeClr val="accent1"/>
+          </a:fillRef>
+          <a:effectRef idx="0">
+            <a:schemeClr val="accent1"/>
+          </a:effectRef>
+          <a:fontRef idx="minor">
+            <a:schemeClr val="lt1"/>
+          </a:fontRef>
+        </p:style>
         <p:txBody>
-          <a:bodyPr spcFirstLastPara="1" wrap="square" lIns="91425" tIns="91425" rIns="91425" bIns="91425" anchor="ctr" anchorCtr="0">
-            <a:noAutofit/>
-          </a:bodyPr>
+          <a:bodyPr rtlCol="0" anchor="ctr"/>
           <a:lstStyle/>
           <a:p>
-            <a:pPr marL="0" lvl="0" indent="0" algn="l" rtl="0">
-              <a:spcBef>
-                <a:spcPts val="0"/>
-              </a:spcBef>
-              <a:spcAft>
-                <a:spcPts val="0"/>
-              </a:spcAft>
-              <a:buNone/>
-            </a:pPr>
-            <a:endParaRPr/>
+            <a:pPr algn="ctr"/>
+            <a:endParaRPr lang="pt-BR"/>
           </a:p>
         </p:txBody>
       </p:sp>
-      <p:sp>
-        <p:nvSpPr>
-          <p:cNvPr id="1382" name="Google Shape;1382;p58"/>
-          <p:cNvSpPr txBox="1">
-            <a:spLocks noGrp="1"/>
-          </p:cNvSpPr>
-          <p:nvPr>
-            <p:ph type="title"/>
-          </p:nvPr>
-        </p:nvSpPr>
-        <p:spPr>
-          <a:xfrm>
-            <a:off x="720000" y="540000"/>
-            <a:ext cx="7704000" cy="813900"/>
-          </a:xfrm>
-          <a:prstGeom prst="rect">
-            <a:avLst/>
-          </a:prstGeom>
-        </p:spPr>
-        <p:txBody>
-          <a:bodyPr spcFirstLastPara="1" wrap="square" lIns="91425" tIns="91425" rIns="91425" bIns="91425" anchor="t" anchorCtr="0">
-            <a:noAutofit/>
-          </a:bodyPr>
-          <a:lstStyle/>
-          <a:p>
-            <a:pPr marL="0" lvl="0" indent="0" algn="ctr" rtl="0">
-              <a:spcBef>
-                <a:spcPts val="0"/>
-              </a:spcBef>
-              <a:spcAft>
-                <a:spcPts val="0"/>
-              </a:spcAft>
-              <a:buNone/>
-            </a:pPr>
-            <a:r>
-              <a:rPr lang="pt-BR" dirty="0">
-                <a:latin typeface="Aharoni" panose="02010803020104030203" pitchFamily="2" charset="-79"/>
-                <a:cs typeface="Aharoni" panose="02010803020104030203" pitchFamily="2" charset="-79"/>
-              </a:rPr>
-              <a:t>NUVEM</a:t>
-            </a:r>
-            <a:endParaRPr dirty="0">
-              <a:latin typeface="Aharoni" panose="02010803020104030203" pitchFamily="2" charset="-79"/>
-              <a:cs typeface="Aharoni" panose="02010803020104030203" pitchFamily="2" charset="-79"/>
-            </a:endParaRPr>
-          </a:p>
-        </p:txBody>
-      </p:sp>
-      <p:sp>
-        <p:nvSpPr>
-          <p:cNvPr id="1383" name="Google Shape;1383;p58"/>
-          <p:cNvSpPr/>
-          <p:nvPr/>
-        </p:nvSpPr>
-        <p:spPr>
-          <a:xfrm>
-            <a:off x="5004262" y="1615229"/>
-            <a:ext cx="2244436" cy="2183444"/>
-          </a:xfrm>
-          <a:prstGeom prst="ellipse">
-            <a:avLst/>
-          </a:prstGeom>
-          <a:gradFill>
-            <a:gsLst>
-              <a:gs pos="0">
-                <a:schemeClr val="lt2"/>
-              </a:gs>
-              <a:gs pos="100000">
-                <a:schemeClr val="accent1"/>
-              </a:gs>
-            </a:gsLst>
-            <a:lin ang="13500032" scaled="0"/>
-          </a:gradFill>
-          <a:ln>
-            <a:noFill/>
-          </a:ln>
-        </p:spPr>
-        <p:txBody>
-          <a:bodyPr spcFirstLastPara="1" wrap="square" lIns="91425" tIns="91425" rIns="91425" bIns="91425" anchor="ctr" anchorCtr="0">
-            <a:noAutofit/>
-          </a:bodyPr>
-          <a:lstStyle/>
-          <a:p>
-            <a:pPr marL="0" lvl="0" indent="0" algn="l" rtl="0">
-              <a:spcBef>
-                <a:spcPts val="0"/>
-              </a:spcBef>
-              <a:spcAft>
-                <a:spcPts val="0"/>
-              </a:spcAft>
-              <a:buNone/>
-            </a:pPr>
-            <a:endParaRPr dirty="0"/>
-          </a:p>
-        </p:txBody>
-      </p:sp>
-      <p:grpSp>
-        <p:nvGrpSpPr>
-          <p:cNvPr id="1384" name="Google Shape;1384;p58"/>
-          <p:cNvGrpSpPr/>
-          <p:nvPr/>
-        </p:nvGrpSpPr>
-        <p:grpSpPr>
-          <a:xfrm>
-            <a:off x="8262849" y="3952812"/>
-            <a:ext cx="1105852" cy="705209"/>
-            <a:chOff x="8038125" y="4174075"/>
-            <a:chExt cx="673396" cy="429429"/>
-          </a:xfrm>
-        </p:grpSpPr>
-        <p:sp>
-          <p:nvSpPr>
-            <p:cNvPr id="1385" name="Google Shape;1385;p58"/>
-            <p:cNvSpPr/>
-            <p:nvPr/>
-          </p:nvSpPr>
-          <p:spPr>
-            <a:xfrm>
-              <a:off x="8038125" y="4174075"/>
-              <a:ext cx="63876" cy="63876"/>
-            </a:xfrm>
-            <a:custGeom>
-              <a:avLst/>
-              <a:gdLst/>
-              <a:ahLst/>
-              <a:cxnLst/>
-              <a:rect l="l" t="t" r="r" b="b"/>
-              <a:pathLst>
-                <a:path w="3859" h="3859" extrusionOk="0">
-                  <a:moveTo>
-                    <a:pt x="334" y="1"/>
-                  </a:moveTo>
-                  <a:lnTo>
-                    <a:pt x="1" y="334"/>
-                  </a:lnTo>
-                  <a:lnTo>
-                    <a:pt x="1596" y="1942"/>
-                  </a:lnTo>
-                  <a:lnTo>
-                    <a:pt x="1" y="3525"/>
-                  </a:lnTo>
-                  <a:lnTo>
-                    <a:pt x="334" y="3859"/>
-                  </a:lnTo>
-                  <a:lnTo>
-                    <a:pt x="1930" y="2251"/>
-                  </a:lnTo>
-                  <a:lnTo>
-                    <a:pt x="3537" y="3859"/>
-                  </a:lnTo>
-                  <a:lnTo>
-                    <a:pt x="3859" y="3525"/>
-                  </a:lnTo>
-                  <a:lnTo>
-                    <a:pt x="2251" y="1942"/>
-                  </a:lnTo>
-                  <a:lnTo>
-                    <a:pt x="3859" y="334"/>
-                  </a:lnTo>
-                  <a:lnTo>
-                    <a:pt x="3537" y="1"/>
-                  </a:lnTo>
-                  <a:lnTo>
-                    <a:pt x="1930" y="1608"/>
-                  </a:lnTo>
-                  <a:lnTo>
-                    <a:pt x="334" y="1"/>
-                  </a:lnTo>
-                  <a:close/>
-                </a:path>
-              </a:pathLst>
-            </a:custGeom>
-            <a:solidFill>
-              <a:schemeClr val="dk1"/>
-            </a:solidFill>
-            <a:ln>
-              <a:noFill/>
-            </a:ln>
-          </p:spPr>
-          <p:txBody>
-            <a:bodyPr spcFirstLastPara="1" wrap="square" lIns="91425" tIns="91425" rIns="91425" bIns="91425" anchor="ctr" anchorCtr="0">
-              <a:noAutofit/>
-            </a:bodyPr>
-            <a:lstStyle/>
-            <a:p>
-              <a:pPr marL="0" lvl="0" indent="0" algn="l" rtl="0">
-                <a:spcBef>
-                  <a:spcPts val="0"/>
-                </a:spcBef>
-                <a:spcAft>
-                  <a:spcPts val="0"/>
-                </a:spcAft>
-                <a:buNone/>
-              </a:pPr>
-              <a:endParaRPr/>
-            </a:p>
-          </p:txBody>
-        </p:sp>
-        <p:sp>
-          <p:nvSpPr>
-            <p:cNvPr id="1386" name="Google Shape;1386;p58"/>
-            <p:cNvSpPr/>
-            <p:nvPr/>
-          </p:nvSpPr>
-          <p:spPr>
-            <a:xfrm>
-              <a:off x="8160109" y="4174075"/>
-              <a:ext cx="63677" cy="63876"/>
-            </a:xfrm>
-            <a:custGeom>
-              <a:avLst/>
-              <a:gdLst/>
-              <a:ahLst/>
-              <a:cxnLst/>
-              <a:rect l="l" t="t" r="r" b="b"/>
-              <a:pathLst>
-                <a:path w="3847" h="3859" extrusionOk="0">
-                  <a:moveTo>
-                    <a:pt x="310" y="1"/>
-                  </a:moveTo>
-                  <a:lnTo>
-                    <a:pt x="1" y="334"/>
-                  </a:lnTo>
-                  <a:lnTo>
-                    <a:pt x="1596" y="1942"/>
-                  </a:lnTo>
-                  <a:lnTo>
-                    <a:pt x="1" y="3525"/>
-                  </a:lnTo>
-                  <a:lnTo>
-                    <a:pt x="310" y="3859"/>
-                  </a:lnTo>
-                  <a:lnTo>
-                    <a:pt x="1918" y="2251"/>
-                  </a:lnTo>
-                  <a:lnTo>
-                    <a:pt x="3525" y="3859"/>
-                  </a:lnTo>
-                  <a:lnTo>
-                    <a:pt x="3847" y="3525"/>
-                  </a:lnTo>
-                  <a:lnTo>
-                    <a:pt x="2251" y="1942"/>
-                  </a:lnTo>
-                  <a:lnTo>
-                    <a:pt x="3847" y="334"/>
-                  </a:lnTo>
-                  <a:lnTo>
-                    <a:pt x="3525" y="1"/>
-                  </a:lnTo>
-                  <a:lnTo>
-                    <a:pt x="1918" y="1608"/>
-                  </a:lnTo>
-                  <a:lnTo>
-                    <a:pt x="310" y="1"/>
-                  </a:lnTo>
-                  <a:close/>
-                </a:path>
-              </a:pathLst>
-            </a:custGeom>
-            <a:solidFill>
-              <a:schemeClr val="dk1"/>
-            </a:solidFill>
-            <a:ln>
-              <a:noFill/>
-            </a:ln>
-          </p:spPr>
-          <p:txBody>
-            <a:bodyPr spcFirstLastPara="1" wrap="square" lIns="91425" tIns="91425" rIns="91425" bIns="91425" anchor="ctr" anchorCtr="0">
-              <a:noAutofit/>
-            </a:bodyPr>
-            <a:lstStyle/>
-            <a:p>
-              <a:pPr marL="0" lvl="0" indent="0" algn="l" rtl="0">
-                <a:spcBef>
-                  <a:spcPts val="0"/>
-                </a:spcBef>
-                <a:spcAft>
-                  <a:spcPts val="0"/>
-                </a:spcAft>
-                <a:buNone/>
-              </a:pPr>
-              <a:endParaRPr/>
-            </a:p>
-          </p:txBody>
-        </p:sp>
-        <p:sp>
-          <p:nvSpPr>
-            <p:cNvPr id="1387" name="Google Shape;1387;p58"/>
-            <p:cNvSpPr/>
-            <p:nvPr/>
-          </p:nvSpPr>
-          <p:spPr>
-            <a:xfrm>
-              <a:off x="8281893" y="4174075"/>
-              <a:ext cx="64075" cy="63876"/>
-            </a:xfrm>
-            <a:custGeom>
-              <a:avLst/>
-              <a:gdLst/>
-              <a:ahLst/>
-              <a:cxnLst/>
-              <a:rect l="l" t="t" r="r" b="b"/>
-              <a:pathLst>
-                <a:path w="3871" h="3859" extrusionOk="0">
-                  <a:moveTo>
-                    <a:pt x="322" y="1"/>
-                  </a:moveTo>
-                  <a:lnTo>
-                    <a:pt x="1" y="334"/>
-                  </a:lnTo>
-                  <a:lnTo>
-                    <a:pt x="1608" y="1942"/>
-                  </a:lnTo>
-                  <a:lnTo>
-                    <a:pt x="1" y="3525"/>
-                  </a:lnTo>
-                  <a:lnTo>
-                    <a:pt x="322" y="3859"/>
-                  </a:lnTo>
-                  <a:lnTo>
-                    <a:pt x="1930" y="2251"/>
-                  </a:lnTo>
-                  <a:lnTo>
-                    <a:pt x="3525" y="3859"/>
-                  </a:lnTo>
-                  <a:lnTo>
-                    <a:pt x="3871" y="3525"/>
-                  </a:lnTo>
-                  <a:lnTo>
-                    <a:pt x="2263" y="1942"/>
-                  </a:lnTo>
-                  <a:lnTo>
-                    <a:pt x="3847" y="334"/>
-                  </a:lnTo>
-                  <a:lnTo>
-                    <a:pt x="3525" y="1"/>
-                  </a:lnTo>
-                  <a:lnTo>
-                    <a:pt x="1930" y="1608"/>
-                  </a:lnTo>
-                  <a:lnTo>
-                    <a:pt x="322" y="1"/>
-                  </a:lnTo>
-                  <a:close/>
-                </a:path>
-              </a:pathLst>
-            </a:custGeom>
-            <a:solidFill>
-              <a:schemeClr val="dk1"/>
-            </a:solidFill>
-            <a:ln>
-              <a:noFill/>
-            </a:ln>
-          </p:spPr>
-          <p:txBody>
-            <a:bodyPr spcFirstLastPara="1" wrap="square" lIns="91425" tIns="91425" rIns="91425" bIns="91425" anchor="ctr" anchorCtr="0">
-              <a:noAutofit/>
-            </a:bodyPr>
-            <a:lstStyle/>
-            <a:p>
-              <a:pPr marL="0" lvl="0" indent="0" algn="l" rtl="0">
-                <a:spcBef>
-                  <a:spcPts val="0"/>
-                </a:spcBef>
-                <a:spcAft>
-                  <a:spcPts val="0"/>
-                </a:spcAft>
-                <a:buNone/>
-              </a:pPr>
-              <a:endParaRPr/>
-            </a:p>
-          </p:txBody>
-        </p:sp>
-        <p:sp>
-          <p:nvSpPr>
-            <p:cNvPr id="1388" name="Google Shape;1388;p58"/>
-            <p:cNvSpPr/>
-            <p:nvPr/>
-          </p:nvSpPr>
-          <p:spPr>
-            <a:xfrm>
-              <a:off x="8403695" y="4174075"/>
-              <a:ext cx="63860" cy="63876"/>
-            </a:xfrm>
-            <a:custGeom>
-              <a:avLst/>
-              <a:gdLst/>
-              <a:ahLst/>
-              <a:cxnLst/>
-              <a:rect l="l" t="t" r="r" b="b"/>
-              <a:pathLst>
-                <a:path w="3858" h="3859" extrusionOk="0">
-                  <a:moveTo>
-                    <a:pt x="333" y="1"/>
-                  </a:moveTo>
-                  <a:lnTo>
-                    <a:pt x="0" y="334"/>
-                  </a:lnTo>
-                  <a:lnTo>
-                    <a:pt x="1607" y="1942"/>
-                  </a:lnTo>
-                  <a:lnTo>
-                    <a:pt x="0" y="3525"/>
-                  </a:lnTo>
-                  <a:lnTo>
-                    <a:pt x="333" y="3859"/>
-                  </a:lnTo>
-                  <a:lnTo>
-                    <a:pt x="1941" y="2251"/>
-                  </a:lnTo>
-                  <a:lnTo>
-                    <a:pt x="3536" y="3859"/>
-                  </a:lnTo>
-                  <a:lnTo>
-                    <a:pt x="3858" y="3525"/>
-                  </a:lnTo>
-                  <a:lnTo>
-                    <a:pt x="2262" y="1918"/>
-                  </a:lnTo>
-                  <a:lnTo>
-                    <a:pt x="3858" y="334"/>
-                  </a:lnTo>
-                  <a:lnTo>
-                    <a:pt x="3536" y="1"/>
-                  </a:lnTo>
-                  <a:lnTo>
-                    <a:pt x="1941" y="1608"/>
-                  </a:lnTo>
-                  <a:lnTo>
-                    <a:pt x="333" y="1"/>
-                  </a:lnTo>
-                  <a:close/>
-                </a:path>
-              </a:pathLst>
-            </a:custGeom>
-            <a:solidFill>
-              <a:schemeClr val="dk1"/>
-            </a:solidFill>
-            <a:ln>
-              <a:noFill/>
-            </a:ln>
-          </p:spPr>
-          <p:txBody>
-            <a:bodyPr spcFirstLastPara="1" wrap="square" lIns="91425" tIns="91425" rIns="91425" bIns="91425" anchor="ctr" anchorCtr="0">
-              <a:noAutofit/>
-            </a:bodyPr>
-            <a:lstStyle/>
-            <a:p>
-              <a:pPr marL="0" lvl="0" indent="0" algn="l" rtl="0">
-                <a:spcBef>
-                  <a:spcPts val="0"/>
-                </a:spcBef>
-                <a:spcAft>
-                  <a:spcPts val="0"/>
-                </a:spcAft>
-                <a:buNone/>
-              </a:pPr>
-              <a:endParaRPr/>
-            </a:p>
-          </p:txBody>
-        </p:sp>
-        <p:sp>
-          <p:nvSpPr>
-            <p:cNvPr id="1389" name="Google Shape;1389;p58"/>
-            <p:cNvSpPr/>
-            <p:nvPr/>
-          </p:nvSpPr>
-          <p:spPr>
-            <a:xfrm>
-              <a:off x="8525678" y="4174075"/>
-              <a:ext cx="63860" cy="63876"/>
-            </a:xfrm>
-            <a:custGeom>
-              <a:avLst/>
-              <a:gdLst/>
-              <a:ahLst/>
-              <a:cxnLst/>
-              <a:rect l="l" t="t" r="r" b="b"/>
-              <a:pathLst>
-                <a:path w="3858" h="3859" extrusionOk="0">
-                  <a:moveTo>
-                    <a:pt x="333" y="1"/>
-                  </a:moveTo>
-                  <a:lnTo>
-                    <a:pt x="0" y="334"/>
-                  </a:lnTo>
-                  <a:lnTo>
-                    <a:pt x="1607" y="1918"/>
-                  </a:lnTo>
-                  <a:lnTo>
-                    <a:pt x="0" y="3525"/>
-                  </a:lnTo>
-                  <a:lnTo>
-                    <a:pt x="333" y="3859"/>
-                  </a:lnTo>
-                  <a:lnTo>
-                    <a:pt x="1917" y="2251"/>
-                  </a:lnTo>
-                  <a:lnTo>
-                    <a:pt x="3524" y="3859"/>
-                  </a:lnTo>
-                  <a:lnTo>
-                    <a:pt x="3858" y="3525"/>
-                  </a:lnTo>
-                  <a:lnTo>
-                    <a:pt x="2262" y="1942"/>
-                  </a:lnTo>
-                  <a:lnTo>
-                    <a:pt x="3858" y="334"/>
-                  </a:lnTo>
-                  <a:lnTo>
-                    <a:pt x="3524" y="1"/>
-                  </a:lnTo>
-                  <a:lnTo>
-                    <a:pt x="1941" y="1596"/>
-                  </a:lnTo>
-                  <a:lnTo>
-                    <a:pt x="333" y="1"/>
-                  </a:lnTo>
-                  <a:close/>
-                </a:path>
-              </a:pathLst>
-            </a:custGeom>
-            <a:solidFill>
-              <a:schemeClr val="dk1"/>
-            </a:solidFill>
-            <a:ln>
-              <a:noFill/>
-            </a:ln>
-          </p:spPr>
-          <p:txBody>
-            <a:bodyPr spcFirstLastPara="1" wrap="square" lIns="91425" tIns="91425" rIns="91425" bIns="91425" anchor="ctr" anchorCtr="0">
-              <a:noAutofit/>
-            </a:bodyPr>
-            <a:lstStyle/>
-            <a:p>
-              <a:pPr marL="0" lvl="0" indent="0" algn="l" rtl="0">
-                <a:spcBef>
-                  <a:spcPts val="0"/>
-                </a:spcBef>
-                <a:spcAft>
-                  <a:spcPts val="0"/>
-                </a:spcAft>
-                <a:buNone/>
-              </a:pPr>
-              <a:endParaRPr/>
-            </a:p>
-          </p:txBody>
-        </p:sp>
-        <p:sp>
-          <p:nvSpPr>
-            <p:cNvPr id="1390" name="Google Shape;1390;p58"/>
-            <p:cNvSpPr/>
-            <p:nvPr/>
-          </p:nvSpPr>
-          <p:spPr>
-            <a:xfrm>
-              <a:off x="8647645" y="4174075"/>
-              <a:ext cx="63876" cy="63876"/>
-            </a:xfrm>
-            <a:custGeom>
-              <a:avLst/>
-              <a:gdLst/>
-              <a:ahLst/>
-              <a:cxnLst/>
-              <a:rect l="l" t="t" r="r" b="b"/>
-              <a:pathLst>
-                <a:path w="3859" h="3859" extrusionOk="0">
-                  <a:moveTo>
-                    <a:pt x="322" y="1"/>
-                  </a:moveTo>
-                  <a:lnTo>
-                    <a:pt x="1" y="334"/>
-                  </a:lnTo>
-                  <a:lnTo>
-                    <a:pt x="1596" y="1918"/>
-                  </a:lnTo>
-                  <a:lnTo>
-                    <a:pt x="1" y="3525"/>
-                  </a:lnTo>
-                  <a:lnTo>
-                    <a:pt x="322" y="3859"/>
-                  </a:lnTo>
-                  <a:lnTo>
-                    <a:pt x="1918" y="2251"/>
-                  </a:lnTo>
-                  <a:lnTo>
-                    <a:pt x="3525" y="3859"/>
-                  </a:lnTo>
-                  <a:lnTo>
-                    <a:pt x="3859" y="3525"/>
-                  </a:lnTo>
-                  <a:lnTo>
-                    <a:pt x="2251" y="1942"/>
-                  </a:lnTo>
-                  <a:lnTo>
-                    <a:pt x="3859" y="334"/>
-                  </a:lnTo>
-                  <a:lnTo>
-                    <a:pt x="3525" y="1"/>
-                  </a:lnTo>
-                  <a:lnTo>
-                    <a:pt x="1918" y="1596"/>
-                  </a:lnTo>
-                  <a:lnTo>
-                    <a:pt x="322" y="1"/>
-                  </a:lnTo>
-                  <a:close/>
-                </a:path>
-              </a:pathLst>
-            </a:custGeom>
-            <a:solidFill>
-              <a:schemeClr val="dk1"/>
-            </a:solidFill>
-            <a:ln>
-              <a:noFill/>
-            </a:ln>
-          </p:spPr>
-          <p:txBody>
-            <a:bodyPr spcFirstLastPara="1" wrap="square" lIns="91425" tIns="91425" rIns="91425" bIns="91425" anchor="ctr" anchorCtr="0">
-              <a:noAutofit/>
-            </a:bodyPr>
-            <a:lstStyle/>
-            <a:p>
-              <a:pPr marL="0" lvl="0" indent="0" algn="l" rtl="0">
-                <a:spcBef>
-                  <a:spcPts val="0"/>
-                </a:spcBef>
-                <a:spcAft>
-                  <a:spcPts val="0"/>
-                </a:spcAft>
-                <a:buNone/>
-              </a:pPr>
-              <a:endParaRPr/>
-            </a:p>
-          </p:txBody>
-        </p:sp>
-        <p:sp>
-          <p:nvSpPr>
-            <p:cNvPr id="1391" name="Google Shape;1391;p58"/>
-            <p:cNvSpPr/>
-            <p:nvPr/>
-          </p:nvSpPr>
-          <p:spPr>
-            <a:xfrm>
-              <a:off x="8038125" y="4296059"/>
-              <a:ext cx="63876" cy="63876"/>
-            </a:xfrm>
-            <a:custGeom>
-              <a:avLst/>
-              <a:gdLst/>
-              <a:ahLst/>
-              <a:cxnLst/>
-              <a:rect l="l" t="t" r="r" b="b"/>
-              <a:pathLst>
-                <a:path w="3859" h="3859" extrusionOk="0">
-                  <a:moveTo>
-                    <a:pt x="334" y="1"/>
-                  </a:moveTo>
-                  <a:lnTo>
-                    <a:pt x="1" y="322"/>
-                  </a:lnTo>
-                  <a:lnTo>
-                    <a:pt x="1596" y="1918"/>
-                  </a:lnTo>
-                  <a:lnTo>
-                    <a:pt x="1" y="3525"/>
-                  </a:lnTo>
-                  <a:lnTo>
-                    <a:pt x="334" y="3859"/>
-                  </a:lnTo>
-                  <a:lnTo>
-                    <a:pt x="1930" y="2251"/>
-                  </a:lnTo>
-                  <a:lnTo>
-                    <a:pt x="3537" y="3859"/>
-                  </a:lnTo>
-                  <a:lnTo>
-                    <a:pt x="3859" y="3525"/>
-                  </a:lnTo>
-                  <a:lnTo>
-                    <a:pt x="2251" y="1918"/>
-                  </a:lnTo>
-                  <a:lnTo>
-                    <a:pt x="3859" y="322"/>
-                  </a:lnTo>
-                  <a:lnTo>
-                    <a:pt x="3537" y="1"/>
-                  </a:lnTo>
-                  <a:lnTo>
-                    <a:pt x="1930" y="1596"/>
-                  </a:lnTo>
-                  <a:lnTo>
-                    <a:pt x="334" y="1"/>
-                  </a:lnTo>
-                  <a:close/>
-                </a:path>
-              </a:pathLst>
-            </a:custGeom>
-            <a:solidFill>
-              <a:schemeClr val="dk1"/>
-            </a:solidFill>
-            <a:ln>
-              <a:noFill/>
-            </a:ln>
-          </p:spPr>
-          <p:txBody>
-            <a:bodyPr spcFirstLastPara="1" wrap="square" lIns="91425" tIns="91425" rIns="91425" bIns="91425" anchor="ctr" anchorCtr="0">
-              <a:noAutofit/>
-            </a:bodyPr>
-            <a:lstStyle/>
-            <a:p>
-              <a:pPr marL="0" lvl="0" indent="0" algn="l" rtl="0">
-                <a:spcBef>
-                  <a:spcPts val="0"/>
-                </a:spcBef>
-                <a:spcAft>
-                  <a:spcPts val="0"/>
-                </a:spcAft>
-                <a:buNone/>
-              </a:pPr>
-              <a:endParaRPr/>
-            </a:p>
-          </p:txBody>
-        </p:sp>
-        <p:sp>
-          <p:nvSpPr>
-            <p:cNvPr id="1392" name="Google Shape;1392;p58"/>
-            <p:cNvSpPr/>
-            <p:nvPr/>
-          </p:nvSpPr>
-          <p:spPr>
-            <a:xfrm>
-              <a:off x="8160109" y="4296059"/>
-              <a:ext cx="63876" cy="63876"/>
-            </a:xfrm>
-            <a:custGeom>
-              <a:avLst/>
-              <a:gdLst/>
-              <a:ahLst/>
-              <a:cxnLst/>
-              <a:rect l="l" t="t" r="r" b="b"/>
-              <a:pathLst>
-                <a:path w="3859" h="3859" extrusionOk="0">
-                  <a:moveTo>
-                    <a:pt x="310" y="1"/>
-                  </a:moveTo>
-                  <a:lnTo>
-                    <a:pt x="1" y="322"/>
-                  </a:lnTo>
-                  <a:lnTo>
-                    <a:pt x="1596" y="1918"/>
-                  </a:lnTo>
-                  <a:lnTo>
-                    <a:pt x="1" y="3525"/>
-                  </a:lnTo>
-                  <a:lnTo>
-                    <a:pt x="310" y="3859"/>
-                  </a:lnTo>
-                  <a:lnTo>
-                    <a:pt x="1918" y="2251"/>
-                  </a:lnTo>
-                  <a:lnTo>
-                    <a:pt x="3525" y="3859"/>
-                  </a:lnTo>
-                  <a:lnTo>
-                    <a:pt x="3847" y="3525"/>
-                  </a:lnTo>
-                  <a:lnTo>
-                    <a:pt x="2251" y="1918"/>
-                  </a:lnTo>
-                  <a:lnTo>
-                    <a:pt x="3859" y="322"/>
-                  </a:lnTo>
-                  <a:lnTo>
-                    <a:pt x="3525" y="1"/>
-                  </a:lnTo>
-                  <a:lnTo>
-                    <a:pt x="1918" y="1596"/>
-                  </a:lnTo>
-                  <a:lnTo>
-                    <a:pt x="310" y="1"/>
-                  </a:lnTo>
-                  <a:close/>
-                </a:path>
-              </a:pathLst>
-            </a:custGeom>
-            <a:solidFill>
-              <a:schemeClr val="dk1"/>
-            </a:solidFill>
-            <a:ln>
-              <a:noFill/>
-            </a:ln>
-          </p:spPr>
-          <p:txBody>
-            <a:bodyPr spcFirstLastPara="1" wrap="square" lIns="91425" tIns="91425" rIns="91425" bIns="91425" anchor="ctr" anchorCtr="0">
-              <a:noAutofit/>
-            </a:bodyPr>
-            <a:lstStyle/>
-            <a:p>
-              <a:pPr marL="0" lvl="0" indent="0" algn="l" rtl="0">
-                <a:spcBef>
-                  <a:spcPts val="0"/>
-                </a:spcBef>
-                <a:spcAft>
-                  <a:spcPts val="0"/>
-                </a:spcAft>
-                <a:buNone/>
-              </a:pPr>
-              <a:endParaRPr/>
-            </a:p>
-          </p:txBody>
-        </p:sp>
-        <p:sp>
-          <p:nvSpPr>
-            <p:cNvPr id="1393" name="Google Shape;1393;p58"/>
-            <p:cNvSpPr/>
-            <p:nvPr/>
-          </p:nvSpPr>
-          <p:spPr>
-            <a:xfrm>
-              <a:off x="8281893" y="4296059"/>
-              <a:ext cx="63677" cy="63876"/>
-            </a:xfrm>
-            <a:custGeom>
-              <a:avLst/>
-              <a:gdLst/>
-              <a:ahLst/>
-              <a:cxnLst/>
-              <a:rect l="l" t="t" r="r" b="b"/>
-              <a:pathLst>
-                <a:path w="3847" h="3859" extrusionOk="0">
-                  <a:moveTo>
-                    <a:pt x="322" y="1"/>
-                  </a:moveTo>
-                  <a:lnTo>
-                    <a:pt x="13" y="322"/>
-                  </a:lnTo>
-                  <a:lnTo>
-                    <a:pt x="1608" y="1918"/>
-                  </a:lnTo>
-                  <a:lnTo>
-                    <a:pt x="1" y="3525"/>
-                  </a:lnTo>
-                  <a:lnTo>
-                    <a:pt x="322" y="3859"/>
-                  </a:lnTo>
-                  <a:lnTo>
-                    <a:pt x="1930" y="2251"/>
-                  </a:lnTo>
-                  <a:lnTo>
-                    <a:pt x="3537" y="3859"/>
-                  </a:lnTo>
-                  <a:lnTo>
-                    <a:pt x="3847" y="3525"/>
-                  </a:lnTo>
-                  <a:lnTo>
-                    <a:pt x="2263" y="1918"/>
-                  </a:lnTo>
-                  <a:lnTo>
-                    <a:pt x="3847" y="322"/>
-                  </a:lnTo>
-                  <a:lnTo>
-                    <a:pt x="3525" y="1"/>
-                  </a:lnTo>
-                  <a:lnTo>
-                    <a:pt x="1930" y="1596"/>
-                  </a:lnTo>
-                  <a:lnTo>
-                    <a:pt x="322" y="1"/>
-                  </a:lnTo>
-                  <a:close/>
-                </a:path>
-              </a:pathLst>
-            </a:custGeom>
-            <a:solidFill>
-              <a:schemeClr val="dk1"/>
-            </a:solidFill>
-            <a:ln>
-              <a:noFill/>
-            </a:ln>
-          </p:spPr>
-          <p:txBody>
-            <a:bodyPr spcFirstLastPara="1" wrap="square" lIns="91425" tIns="91425" rIns="91425" bIns="91425" anchor="ctr" anchorCtr="0">
-              <a:noAutofit/>
-            </a:bodyPr>
-            <a:lstStyle/>
-            <a:p>
-              <a:pPr marL="0" lvl="0" indent="0" algn="l" rtl="0">
-                <a:spcBef>
-                  <a:spcPts val="0"/>
-                </a:spcBef>
-                <a:spcAft>
-                  <a:spcPts val="0"/>
-                </a:spcAft>
-                <a:buNone/>
-              </a:pPr>
-              <a:endParaRPr/>
-            </a:p>
-          </p:txBody>
-        </p:sp>
-        <p:sp>
-          <p:nvSpPr>
-            <p:cNvPr id="1394" name="Google Shape;1394;p58"/>
-            <p:cNvSpPr/>
-            <p:nvPr/>
-          </p:nvSpPr>
-          <p:spPr>
-            <a:xfrm>
-              <a:off x="8403695" y="4296059"/>
-              <a:ext cx="63860" cy="63876"/>
-            </a:xfrm>
-            <a:custGeom>
-              <a:avLst/>
-              <a:gdLst/>
-              <a:ahLst/>
-              <a:cxnLst/>
-              <a:rect l="l" t="t" r="r" b="b"/>
-              <a:pathLst>
-                <a:path w="3858" h="3859" extrusionOk="0">
-                  <a:moveTo>
-                    <a:pt x="333" y="1"/>
-                  </a:moveTo>
-                  <a:lnTo>
-                    <a:pt x="0" y="322"/>
-                  </a:lnTo>
-                  <a:lnTo>
-                    <a:pt x="1607" y="1918"/>
-                  </a:lnTo>
-                  <a:lnTo>
-                    <a:pt x="0" y="3525"/>
-                  </a:lnTo>
-                  <a:lnTo>
-                    <a:pt x="333" y="3859"/>
-                  </a:lnTo>
-                  <a:lnTo>
-                    <a:pt x="1941" y="2251"/>
-                  </a:lnTo>
-                  <a:lnTo>
-                    <a:pt x="3536" y="3859"/>
-                  </a:lnTo>
-                  <a:lnTo>
-                    <a:pt x="3858" y="3525"/>
-                  </a:lnTo>
-                  <a:lnTo>
-                    <a:pt x="2262" y="1918"/>
-                  </a:lnTo>
-                  <a:lnTo>
-                    <a:pt x="3858" y="322"/>
-                  </a:lnTo>
-                  <a:lnTo>
-                    <a:pt x="3536" y="1"/>
-                  </a:lnTo>
-                  <a:lnTo>
-                    <a:pt x="1941" y="1596"/>
-                  </a:lnTo>
-                  <a:lnTo>
-                    <a:pt x="333" y="1"/>
-                  </a:lnTo>
-                  <a:close/>
-                </a:path>
-              </a:pathLst>
-            </a:custGeom>
-            <a:solidFill>
-              <a:schemeClr val="dk1"/>
-            </a:solidFill>
-            <a:ln>
-              <a:noFill/>
-            </a:ln>
-          </p:spPr>
-          <p:txBody>
-            <a:bodyPr spcFirstLastPara="1" wrap="square" lIns="91425" tIns="91425" rIns="91425" bIns="91425" anchor="ctr" anchorCtr="0">
-              <a:noAutofit/>
-            </a:bodyPr>
-            <a:lstStyle/>
-            <a:p>
-              <a:pPr marL="0" lvl="0" indent="0" algn="l" rtl="0">
-                <a:spcBef>
-                  <a:spcPts val="0"/>
-                </a:spcBef>
-                <a:spcAft>
-                  <a:spcPts val="0"/>
-                </a:spcAft>
-                <a:buNone/>
-              </a:pPr>
-              <a:endParaRPr/>
-            </a:p>
-          </p:txBody>
-        </p:sp>
-        <p:sp>
-          <p:nvSpPr>
-            <p:cNvPr id="1395" name="Google Shape;1395;p58"/>
-            <p:cNvSpPr/>
-            <p:nvPr/>
-          </p:nvSpPr>
-          <p:spPr>
-            <a:xfrm>
-              <a:off x="8525678" y="4296059"/>
-              <a:ext cx="63860" cy="63876"/>
-            </a:xfrm>
-            <a:custGeom>
-              <a:avLst/>
-              <a:gdLst/>
-              <a:ahLst/>
-              <a:cxnLst/>
-              <a:rect l="l" t="t" r="r" b="b"/>
-              <a:pathLst>
-                <a:path w="3858" h="3859" extrusionOk="0">
-                  <a:moveTo>
-                    <a:pt x="333" y="1"/>
-                  </a:moveTo>
-                  <a:lnTo>
-                    <a:pt x="0" y="322"/>
-                  </a:lnTo>
-                  <a:lnTo>
-                    <a:pt x="1595" y="1918"/>
-                  </a:lnTo>
-                  <a:lnTo>
-                    <a:pt x="0" y="3525"/>
-                  </a:lnTo>
-                  <a:lnTo>
-                    <a:pt x="333" y="3859"/>
-                  </a:lnTo>
-                  <a:lnTo>
-                    <a:pt x="1941" y="2251"/>
-                  </a:lnTo>
-                  <a:lnTo>
-                    <a:pt x="3524" y="3859"/>
-                  </a:lnTo>
-                  <a:lnTo>
-                    <a:pt x="3858" y="3525"/>
-                  </a:lnTo>
-                  <a:lnTo>
-                    <a:pt x="2262" y="1918"/>
-                  </a:lnTo>
-                  <a:lnTo>
-                    <a:pt x="3858" y="322"/>
-                  </a:lnTo>
-                  <a:lnTo>
-                    <a:pt x="3524" y="1"/>
-                  </a:lnTo>
-                  <a:lnTo>
-                    <a:pt x="1941" y="1596"/>
-                  </a:lnTo>
-                  <a:lnTo>
-                    <a:pt x="333" y="1"/>
-                  </a:lnTo>
-                  <a:close/>
-                </a:path>
-              </a:pathLst>
-            </a:custGeom>
-            <a:solidFill>
-              <a:schemeClr val="dk1"/>
-            </a:solidFill>
-            <a:ln>
-              <a:noFill/>
-            </a:ln>
-          </p:spPr>
-          <p:txBody>
-            <a:bodyPr spcFirstLastPara="1" wrap="square" lIns="91425" tIns="91425" rIns="91425" bIns="91425" anchor="ctr" anchorCtr="0">
-              <a:noAutofit/>
-            </a:bodyPr>
-            <a:lstStyle/>
-            <a:p>
-              <a:pPr marL="0" lvl="0" indent="0" algn="l" rtl="0">
-                <a:spcBef>
-                  <a:spcPts val="0"/>
-                </a:spcBef>
-                <a:spcAft>
-                  <a:spcPts val="0"/>
-                </a:spcAft>
-                <a:buNone/>
-              </a:pPr>
-              <a:endParaRPr/>
-            </a:p>
-          </p:txBody>
-        </p:sp>
-        <p:sp>
-          <p:nvSpPr>
-            <p:cNvPr id="1396" name="Google Shape;1396;p58"/>
-            <p:cNvSpPr/>
-            <p:nvPr/>
-          </p:nvSpPr>
-          <p:spPr>
-            <a:xfrm>
-              <a:off x="8647645" y="4296059"/>
-              <a:ext cx="63876" cy="63876"/>
-            </a:xfrm>
-            <a:custGeom>
-              <a:avLst/>
-              <a:gdLst/>
-              <a:ahLst/>
-              <a:cxnLst/>
-              <a:rect l="l" t="t" r="r" b="b"/>
-              <a:pathLst>
-                <a:path w="3859" h="3859" extrusionOk="0">
-                  <a:moveTo>
-                    <a:pt x="322" y="1"/>
-                  </a:moveTo>
-                  <a:lnTo>
-                    <a:pt x="1" y="322"/>
-                  </a:lnTo>
-                  <a:lnTo>
-                    <a:pt x="1596" y="1918"/>
-                  </a:lnTo>
-                  <a:lnTo>
-                    <a:pt x="1" y="3525"/>
-                  </a:lnTo>
-                  <a:lnTo>
-                    <a:pt x="322" y="3859"/>
-                  </a:lnTo>
-                  <a:lnTo>
-                    <a:pt x="1918" y="2251"/>
-                  </a:lnTo>
-                  <a:lnTo>
-                    <a:pt x="3525" y="3859"/>
-                  </a:lnTo>
-                  <a:lnTo>
-                    <a:pt x="3859" y="3525"/>
-                  </a:lnTo>
-                  <a:lnTo>
-                    <a:pt x="2251" y="1918"/>
-                  </a:lnTo>
-                  <a:lnTo>
-                    <a:pt x="3859" y="322"/>
-                  </a:lnTo>
-                  <a:lnTo>
-                    <a:pt x="3525" y="1"/>
-                  </a:lnTo>
-                  <a:lnTo>
-                    <a:pt x="1918" y="1596"/>
-                  </a:lnTo>
-                  <a:lnTo>
-                    <a:pt x="322" y="1"/>
-                  </a:lnTo>
-                  <a:close/>
-                </a:path>
-              </a:pathLst>
-            </a:custGeom>
-            <a:solidFill>
-              <a:schemeClr val="dk1"/>
-            </a:solidFill>
-            <a:ln>
-              <a:noFill/>
-            </a:ln>
-          </p:spPr>
-          <p:txBody>
-            <a:bodyPr spcFirstLastPara="1" wrap="square" lIns="91425" tIns="91425" rIns="91425" bIns="91425" anchor="ctr" anchorCtr="0">
-              <a:noAutofit/>
-            </a:bodyPr>
-            <a:lstStyle/>
-            <a:p>
-              <a:pPr marL="0" lvl="0" indent="0" algn="l" rtl="0">
-                <a:spcBef>
-                  <a:spcPts val="0"/>
-                </a:spcBef>
-                <a:spcAft>
-                  <a:spcPts val="0"/>
-                </a:spcAft>
-                <a:buNone/>
-              </a:pPr>
-              <a:endParaRPr/>
-            </a:p>
-          </p:txBody>
-        </p:sp>
-        <p:sp>
-          <p:nvSpPr>
-            <p:cNvPr id="1397" name="Google Shape;1397;p58"/>
-            <p:cNvSpPr/>
-            <p:nvPr/>
-          </p:nvSpPr>
-          <p:spPr>
-            <a:xfrm>
-              <a:off x="8038125" y="4418042"/>
-              <a:ext cx="63876" cy="63677"/>
-            </a:xfrm>
-            <a:custGeom>
-              <a:avLst/>
-              <a:gdLst/>
-              <a:ahLst/>
-              <a:cxnLst/>
-              <a:rect l="l" t="t" r="r" b="b"/>
-              <a:pathLst>
-                <a:path w="3859" h="3847" extrusionOk="0">
-                  <a:moveTo>
-                    <a:pt x="334" y="1"/>
-                  </a:moveTo>
-                  <a:lnTo>
-                    <a:pt x="1" y="310"/>
-                  </a:lnTo>
-                  <a:lnTo>
-                    <a:pt x="1596" y="1918"/>
-                  </a:lnTo>
-                  <a:lnTo>
-                    <a:pt x="1" y="3525"/>
-                  </a:lnTo>
-                  <a:lnTo>
-                    <a:pt x="334" y="3847"/>
-                  </a:lnTo>
-                  <a:lnTo>
-                    <a:pt x="1930" y="2239"/>
-                  </a:lnTo>
-                  <a:lnTo>
-                    <a:pt x="3537" y="3847"/>
-                  </a:lnTo>
-                  <a:lnTo>
-                    <a:pt x="3859" y="3525"/>
-                  </a:lnTo>
-                  <a:lnTo>
-                    <a:pt x="2251" y="1918"/>
-                  </a:lnTo>
-                  <a:lnTo>
-                    <a:pt x="3859" y="322"/>
-                  </a:lnTo>
-                  <a:lnTo>
-                    <a:pt x="3537" y="1"/>
-                  </a:lnTo>
-                  <a:lnTo>
-                    <a:pt x="1930" y="1584"/>
-                  </a:lnTo>
-                  <a:lnTo>
-                    <a:pt x="334" y="1"/>
-                  </a:lnTo>
-                  <a:close/>
-                </a:path>
-              </a:pathLst>
-            </a:custGeom>
-            <a:solidFill>
-              <a:schemeClr val="dk1"/>
-            </a:solidFill>
-            <a:ln>
-              <a:noFill/>
-            </a:ln>
-          </p:spPr>
-          <p:txBody>
-            <a:bodyPr spcFirstLastPara="1" wrap="square" lIns="91425" tIns="91425" rIns="91425" bIns="91425" anchor="ctr" anchorCtr="0">
-              <a:noAutofit/>
-            </a:bodyPr>
-            <a:lstStyle/>
-            <a:p>
-              <a:pPr marL="0" lvl="0" indent="0" algn="l" rtl="0">
-                <a:spcBef>
-                  <a:spcPts val="0"/>
-                </a:spcBef>
-                <a:spcAft>
-                  <a:spcPts val="0"/>
-                </a:spcAft>
-                <a:buNone/>
-              </a:pPr>
-              <a:endParaRPr/>
-            </a:p>
-          </p:txBody>
-        </p:sp>
-        <p:sp>
-          <p:nvSpPr>
-            <p:cNvPr id="1398" name="Google Shape;1398;p58"/>
-            <p:cNvSpPr/>
-            <p:nvPr/>
-          </p:nvSpPr>
-          <p:spPr>
-            <a:xfrm>
-              <a:off x="8160109" y="4418042"/>
-              <a:ext cx="63876" cy="63677"/>
-            </a:xfrm>
-            <a:custGeom>
-              <a:avLst/>
-              <a:gdLst/>
-              <a:ahLst/>
-              <a:cxnLst/>
-              <a:rect l="l" t="t" r="r" b="b"/>
-              <a:pathLst>
-                <a:path w="3859" h="3847" extrusionOk="0">
-                  <a:moveTo>
-                    <a:pt x="310" y="1"/>
-                  </a:moveTo>
-                  <a:lnTo>
-                    <a:pt x="1" y="322"/>
-                  </a:lnTo>
-                  <a:lnTo>
-                    <a:pt x="1596" y="1918"/>
-                  </a:lnTo>
-                  <a:lnTo>
-                    <a:pt x="1" y="3525"/>
-                  </a:lnTo>
-                  <a:lnTo>
-                    <a:pt x="310" y="3847"/>
-                  </a:lnTo>
-                  <a:lnTo>
-                    <a:pt x="1918" y="2239"/>
-                  </a:lnTo>
-                  <a:lnTo>
-                    <a:pt x="3525" y="3847"/>
-                  </a:lnTo>
-                  <a:lnTo>
-                    <a:pt x="3859" y="3525"/>
-                  </a:lnTo>
-                  <a:lnTo>
-                    <a:pt x="2251" y="1918"/>
-                  </a:lnTo>
-                  <a:lnTo>
-                    <a:pt x="3847" y="322"/>
-                  </a:lnTo>
-                  <a:lnTo>
-                    <a:pt x="3525" y="1"/>
-                  </a:lnTo>
-                  <a:lnTo>
-                    <a:pt x="1918" y="1584"/>
-                  </a:lnTo>
-                  <a:lnTo>
-                    <a:pt x="310" y="1"/>
-                  </a:lnTo>
-                  <a:close/>
-                </a:path>
-              </a:pathLst>
-            </a:custGeom>
-            <a:solidFill>
-              <a:schemeClr val="dk1"/>
-            </a:solidFill>
-            <a:ln>
-              <a:noFill/>
-            </a:ln>
-          </p:spPr>
-          <p:txBody>
-            <a:bodyPr spcFirstLastPara="1" wrap="square" lIns="91425" tIns="91425" rIns="91425" bIns="91425" anchor="ctr" anchorCtr="0">
-              <a:noAutofit/>
-            </a:bodyPr>
-            <a:lstStyle/>
-            <a:p>
-              <a:pPr marL="0" lvl="0" indent="0" algn="l" rtl="0">
-                <a:spcBef>
-                  <a:spcPts val="0"/>
-                </a:spcBef>
-                <a:spcAft>
-                  <a:spcPts val="0"/>
-                </a:spcAft>
-                <a:buNone/>
-              </a:pPr>
-              <a:endParaRPr/>
-            </a:p>
-          </p:txBody>
-        </p:sp>
-        <p:sp>
-          <p:nvSpPr>
-            <p:cNvPr id="1399" name="Google Shape;1399;p58"/>
-            <p:cNvSpPr/>
-            <p:nvPr/>
-          </p:nvSpPr>
-          <p:spPr>
-            <a:xfrm>
-              <a:off x="8281893" y="4417661"/>
-              <a:ext cx="63677" cy="64058"/>
-            </a:xfrm>
-            <a:custGeom>
-              <a:avLst/>
-              <a:gdLst/>
-              <a:ahLst/>
-              <a:cxnLst/>
-              <a:rect l="l" t="t" r="r" b="b"/>
-              <a:pathLst>
-                <a:path w="3847" h="3870" extrusionOk="0">
-                  <a:moveTo>
-                    <a:pt x="322" y="0"/>
-                  </a:moveTo>
-                  <a:lnTo>
-                    <a:pt x="13" y="345"/>
-                  </a:lnTo>
-                  <a:lnTo>
-                    <a:pt x="1608" y="1941"/>
-                  </a:lnTo>
-                  <a:lnTo>
-                    <a:pt x="1" y="3548"/>
-                  </a:lnTo>
-                  <a:lnTo>
-                    <a:pt x="322" y="3870"/>
-                  </a:lnTo>
-                  <a:lnTo>
-                    <a:pt x="1930" y="2262"/>
-                  </a:lnTo>
-                  <a:lnTo>
-                    <a:pt x="3525" y="3870"/>
-                  </a:lnTo>
-                  <a:lnTo>
-                    <a:pt x="3847" y="3548"/>
-                  </a:lnTo>
-                  <a:lnTo>
-                    <a:pt x="2263" y="1941"/>
-                  </a:lnTo>
-                  <a:lnTo>
-                    <a:pt x="3847" y="333"/>
-                  </a:lnTo>
-                  <a:lnTo>
-                    <a:pt x="3525" y="24"/>
-                  </a:lnTo>
-                  <a:lnTo>
-                    <a:pt x="1930" y="1607"/>
-                  </a:lnTo>
-                  <a:lnTo>
-                    <a:pt x="322" y="0"/>
-                  </a:lnTo>
-                  <a:close/>
-                </a:path>
-              </a:pathLst>
-            </a:custGeom>
-            <a:solidFill>
-              <a:schemeClr val="dk1"/>
-            </a:solidFill>
-            <a:ln>
-              <a:noFill/>
-            </a:ln>
-          </p:spPr>
-          <p:txBody>
-            <a:bodyPr spcFirstLastPara="1" wrap="square" lIns="91425" tIns="91425" rIns="91425" bIns="91425" anchor="ctr" anchorCtr="0">
-              <a:noAutofit/>
-            </a:bodyPr>
-            <a:lstStyle/>
-            <a:p>
-              <a:pPr marL="0" lvl="0" indent="0" algn="l" rtl="0">
-                <a:spcBef>
-                  <a:spcPts val="0"/>
-                </a:spcBef>
-                <a:spcAft>
-                  <a:spcPts val="0"/>
-                </a:spcAft>
-                <a:buNone/>
-              </a:pPr>
-              <a:endParaRPr/>
-            </a:p>
-          </p:txBody>
-        </p:sp>
-        <p:sp>
-          <p:nvSpPr>
-            <p:cNvPr id="1400" name="Google Shape;1400;p58"/>
-            <p:cNvSpPr/>
-            <p:nvPr/>
-          </p:nvSpPr>
-          <p:spPr>
-            <a:xfrm>
-              <a:off x="8403695" y="4418042"/>
-              <a:ext cx="63860" cy="63677"/>
-            </a:xfrm>
-            <a:custGeom>
-              <a:avLst/>
-              <a:gdLst/>
-              <a:ahLst/>
-              <a:cxnLst/>
-              <a:rect l="l" t="t" r="r" b="b"/>
-              <a:pathLst>
-                <a:path w="3858" h="3847" extrusionOk="0">
-                  <a:moveTo>
-                    <a:pt x="333" y="1"/>
-                  </a:moveTo>
-                  <a:lnTo>
-                    <a:pt x="0" y="322"/>
-                  </a:lnTo>
-                  <a:lnTo>
-                    <a:pt x="1607" y="1918"/>
-                  </a:lnTo>
-                  <a:lnTo>
-                    <a:pt x="0" y="3525"/>
-                  </a:lnTo>
-                  <a:lnTo>
-                    <a:pt x="333" y="3847"/>
-                  </a:lnTo>
-                  <a:lnTo>
-                    <a:pt x="1941" y="2239"/>
-                  </a:lnTo>
-                  <a:lnTo>
-                    <a:pt x="3536" y="3847"/>
-                  </a:lnTo>
-                  <a:lnTo>
-                    <a:pt x="3858" y="3525"/>
-                  </a:lnTo>
-                  <a:lnTo>
-                    <a:pt x="2262" y="1918"/>
-                  </a:lnTo>
-                  <a:lnTo>
-                    <a:pt x="3858" y="322"/>
-                  </a:lnTo>
-                  <a:lnTo>
-                    <a:pt x="3536" y="1"/>
-                  </a:lnTo>
-                  <a:lnTo>
-                    <a:pt x="1941" y="1584"/>
-                  </a:lnTo>
-                  <a:lnTo>
-                    <a:pt x="333" y="1"/>
-                  </a:lnTo>
-                  <a:close/>
-                </a:path>
-              </a:pathLst>
-            </a:custGeom>
-            <a:solidFill>
-              <a:schemeClr val="dk1"/>
-            </a:solidFill>
-            <a:ln>
-              <a:noFill/>
-            </a:ln>
-          </p:spPr>
-          <p:txBody>
-            <a:bodyPr spcFirstLastPara="1" wrap="square" lIns="91425" tIns="91425" rIns="91425" bIns="91425" anchor="ctr" anchorCtr="0">
-              <a:noAutofit/>
-            </a:bodyPr>
-            <a:lstStyle/>
-            <a:p>
-              <a:pPr marL="0" lvl="0" indent="0" algn="l" rtl="0">
-                <a:spcBef>
-                  <a:spcPts val="0"/>
-                </a:spcBef>
-                <a:spcAft>
-                  <a:spcPts val="0"/>
-                </a:spcAft>
-                <a:buNone/>
-              </a:pPr>
-              <a:endParaRPr/>
-            </a:p>
-          </p:txBody>
-        </p:sp>
-        <p:sp>
-          <p:nvSpPr>
-            <p:cNvPr id="1401" name="Google Shape;1401;p58"/>
-            <p:cNvSpPr/>
-            <p:nvPr/>
-          </p:nvSpPr>
-          <p:spPr>
-            <a:xfrm>
-              <a:off x="8525678" y="4418042"/>
-              <a:ext cx="63860" cy="63677"/>
-            </a:xfrm>
-            <a:custGeom>
-              <a:avLst/>
-              <a:gdLst/>
-              <a:ahLst/>
-              <a:cxnLst/>
-              <a:rect l="l" t="t" r="r" b="b"/>
-              <a:pathLst>
-                <a:path w="3858" h="3847" extrusionOk="0">
-                  <a:moveTo>
-                    <a:pt x="333" y="1"/>
-                  </a:moveTo>
-                  <a:lnTo>
-                    <a:pt x="0" y="322"/>
-                  </a:lnTo>
-                  <a:lnTo>
-                    <a:pt x="1595" y="1918"/>
-                  </a:lnTo>
-                  <a:lnTo>
-                    <a:pt x="0" y="3525"/>
-                  </a:lnTo>
-                  <a:lnTo>
-                    <a:pt x="333" y="3847"/>
-                  </a:lnTo>
-                  <a:lnTo>
-                    <a:pt x="1941" y="2239"/>
-                  </a:lnTo>
-                  <a:lnTo>
-                    <a:pt x="3524" y="3847"/>
-                  </a:lnTo>
-                  <a:lnTo>
-                    <a:pt x="3858" y="3525"/>
-                  </a:lnTo>
-                  <a:lnTo>
-                    <a:pt x="2262" y="1918"/>
-                  </a:lnTo>
-                  <a:lnTo>
-                    <a:pt x="3858" y="322"/>
-                  </a:lnTo>
-                  <a:lnTo>
-                    <a:pt x="3524" y="1"/>
-                  </a:lnTo>
-                  <a:lnTo>
-                    <a:pt x="1941" y="1584"/>
-                  </a:lnTo>
-                  <a:lnTo>
-                    <a:pt x="333" y="1"/>
-                  </a:lnTo>
-                  <a:close/>
-                </a:path>
-              </a:pathLst>
-            </a:custGeom>
-            <a:solidFill>
-              <a:schemeClr val="dk1"/>
-            </a:solidFill>
-            <a:ln>
-              <a:noFill/>
-            </a:ln>
-          </p:spPr>
-          <p:txBody>
-            <a:bodyPr spcFirstLastPara="1" wrap="square" lIns="91425" tIns="91425" rIns="91425" bIns="91425" anchor="ctr" anchorCtr="0">
-              <a:noAutofit/>
-            </a:bodyPr>
-            <a:lstStyle/>
-            <a:p>
-              <a:pPr marL="0" lvl="0" indent="0" algn="l" rtl="0">
-                <a:spcBef>
-                  <a:spcPts val="0"/>
-                </a:spcBef>
-                <a:spcAft>
-                  <a:spcPts val="0"/>
-                </a:spcAft>
-                <a:buNone/>
-              </a:pPr>
-              <a:endParaRPr/>
-            </a:p>
-          </p:txBody>
-        </p:sp>
-        <p:sp>
-          <p:nvSpPr>
-            <p:cNvPr id="1402" name="Google Shape;1402;p58"/>
-            <p:cNvSpPr/>
-            <p:nvPr/>
-          </p:nvSpPr>
-          <p:spPr>
-            <a:xfrm>
-              <a:off x="8647645" y="4418042"/>
-              <a:ext cx="63876" cy="63677"/>
-            </a:xfrm>
-            <a:custGeom>
-              <a:avLst/>
-              <a:gdLst/>
-              <a:ahLst/>
-              <a:cxnLst/>
-              <a:rect l="l" t="t" r="r" b="b"/>
-              <a:pathLst>
-                <a:path w="3859" h="3847" extrusionOk="0">
-                  <a:moveTo>
-                    <a:pt x="322" y="1"/>
-                  </a:moveTo>
-                  <a:lnTo>
-                    <a:pt x="1" y="322"/>
-                  </a:lnTo>
-                  <a:lnTo>
-                    <a:pt x="1596" y="1918"/>
-                  </a:lnTo>
-                  <a:lnTo>
-                    <a:pt x="1" y="3525"/>
-                  </a:lnTo>
-                  <a:lnTo>
-                    <a:pt x="322" y="3847"/>
-                  </a:lnTo>
-                  <a:lnTo>
-                    <a:pt x="1918" y="2239"/>
-                  </a:lnTo>
-                  <a:lnTo>
-                    <a:pt x="3525" y="3847"/>
-                  </a:lnTo>
-                  <a:lnTo>
-                    <a:pt x="3859" y="3525"/>
-                  </a:lnTo>
-                  <a:lnTo>
-                    <a:pt x="2251" y="1918"/>
-                  </a:lnTo>
-                  <a:lnTo>
-                    <a:pt x="3859" y="322"/>
-                  </a:lnTo>
-                  <a:lnTo>
-                    <a:pt x="3525" y="1"/>
-                  </a:lnTo>
-                  <a:lnTo>
-                    <a:pt x="1918" y="1584"/>
-                  </a:lnTo>
-                  <a:lnTo>
-                    <a:pt x="322" y="1"/>
-                  </a:lnTo>
-                  <a:close/>
-                </a:path>
-              </a:pathLst>
-            </a:custGeom>
-            <a:solidFill>
-              <a:schemeClr val="dk1"/>
-            </a:solidFill>
-            <a:ln>
-              <a:noFill/>
-            </a:ln>
-          </p:spPr>
-          <p:txBody>
-            <a:bodyPr spcFirstLastPara="1" wrap="square" lIns="91425" tIns="91425" rIns="91425" bIns="91425" anchor="ctr" anchorCtr="0">
-              <a:noAutofit/>
-            </a:bodyPr>
-            <a:lstStyle/>
-            <a:p>
-              <a:pPr marL="0" lvl="0" indent="0" algn="l" rtl="0">
-                <a:spcBef>
-                  <a:spcPts val="0"/>
-                </a:spcBef>
-                <a:spcAft>
-                  <a:spcPts val="0"/>
-                </a:spcAft>
-                <a:buNone/>
-              </a:pPr>
-              <a:endParaRPr/>
-            </a:p>
-          </p:txBody>
-        </p:sp>
-        <p:sp>
-          <p:nvSpPr>
-            <p:cNvPr id="1403" name="Google Shape;1403;p58"/>
-            <p:cNvSpPr/>
-            <p:nvPr/>
-          </p:nvSpPr>
-          <p:spPr>
-            <a:xfrm>
-              <a:off x="8038125" y="4539645"/>
-              <a:ext cx="63876" cy="63860"/>
-            </a:xfrm>
-            <a:custGeom>
-              <a:avLst/>
-              <a:gdLst/>
-              <a:ahLst/>
-              <a:cxnLst/>
-              <a:rect l="l" t="t" r="r" b="b"/>
-              <a:pathLst>
-                <a:path w="3859" h="3858" extrusionOk="0">
-                  <a:moveTo>
-                    <a:pt x="334" y="0"/>
-                  </a:moveTo>
-                  <a:lnTo>
-                    <a:pt x="1" y="333"/>
-                  </a:lnTo>
-                  <a:lnTo>
-                    <a:pt x="1596" y="1941"/>
-                  </a:lnTo>
-                  <a:lnTo>
-                    <a:pt x="1" y="3524"/>
-                  </a:lnTo>
-                  <a:lnTo>
-                    <a:pt x="334" y="3858"/>
-                  </a:lnTo>
-                  <a:lnTo>
-                    <a:pt x="1930" y="2262"/>
-                  </a:lnTo>
-                  <a:lnTo>
-                    <a:pt x="3537" y="3858"/>
-                  </a:lnTo>
-                  <a:lnTo>
-                    <a:pt x="3859" y="3536"/>
-                  </a:lnTo>
-                  <a:lnTo>
-                    <a:pt x="2251" y="1941"/>
-                  </a:lnTo>
-                  <a:lnTo>
-                    <a:pt x="3859" y="333"/>
-                  </a:lnTo>
-                  <a:lnTo>
-                    <a:pt x="3537" y="0"/>
-                  </a:lnTo>
-                  <a:lnTo>
-                    <a:pt x="1930" y="1607"/>
-                  </a:lnTo>
-                  <a:lnTo>
-                    <a:pt x="334" y="0"/>
-                  </a:lnTo>
-                  <a:close/>
-                </a:path>
-              </a:pathLst>
-            </a:custGeom>
-            <a:solidFill>
-              <a:schemeClr val="dk1"/>
-            </a:solidFill>
-            <a:ln>
-              <a:noFill/>
-            </a:ln>
-          </p:spPr>
-          <p:txBody>
-            <a:bodyPr spcFirstLastPara="1" wrap="square" lIns="91425" tIns="91425" rIns="91425" bIns="91425" anchor="ctr" anchorCtr="0">
-              <a:noAutofit/>
-            </a:bodyPr>
-            <a:lstStyle/>
-            <a:p>
-              <a:pPr marL="0" lvl="0" indent="0" algn="l" rtl="0">
-                <a:spcBef>
-                  <a:spcPts val="0"/>
-                </a:spcBef>
-                <a:spcAft>
-                  <a:spcPts val="0"/>
-                </a:spcAft>
-                <a:buNone/>
-              </a:pPr>
-              <a:endParaRPr/>
-            </a:p>
-          </p:txBody>
-        </p:sp>
-        <p:sp>
-          <p:nvSpPr>
-            <p:cNvPr id="1404" name="Google Shape;1404;p58"/>
-            <p:cNvSpPr/>
-            <p:nvPr/>
-          </p:nvSpPr>
-          <p:spPr>
-            <a:xfrm>
-              <a:off x="8160109" y="4539645"/>
-              <a:ext cx="63677" cy="63860"/>
-            </a:xfrm>
-            <a:custGeom>
-              <a:avLst/>
-              <a:gdLst/>
-              <a:ahLst/>
-              <a:cxnLst/>
-              <a:rect l="l" t="t" r="r" b="b"/>
-              <a:pathLst>
-                <a:path w="3847" h="3858" extrusionOk="0">
-                  <a:moveTo>
-                    <a:pt x="310" y="0"/>
-                  </a:moveTo>
-                  <a:lnTo>
-                    <a:pt x="1" y="333"/>
-                  </a:lnTo>
-                  <a:lnTo>
-                    <a:pt x="1596" y="1941"/>
-                  </a:lnTo>
-                  <a:lnTo>
-                    <a:pt x="1" y="3524"/>
-                  </a:lnTo>
-                  <a:lnTo>
-                    <a:pt x="310" y="3858"/>
-                  </a:lnTo>
-                  <a:lnTo>
-                    <a:pt x="1918" y="2262"/>
-                  </a:lnTo>
-                  <a:lnTo>
-                    <a:pt x="3525" y="3858"/>
-                  </a:lnTo>
-                  <a:lnTo>
-                    <a:pt x="3847" y="3536"/>
-                  </a:lnTo>
-                  <a:lnTo>
-                    <a:pt x="2251" y="1941"/>
-                  </a:lnTo>
-                  <a:lnTo>
-                    <a:pt x="3847" y="333"/>
-                  </a:lnTo>
-                  <a:lnTo>
-                    <a:pt x="3525" y="0"/>
-                  </a:lnTo>
-                  <a:lnTo>
-                    <a:pt x="1918" y="1607"/>
-                  </a:lnTo>
-                  <a:lnTo>
-                    <a:pt x="310" y="0"/>
-                  </a:lnTo>
-                  <a:close/>
-                </a:path>
-              </a:pathLst>
-            </a:custGeom>
-            <a:solidFill>
-              <a:schemeClr val="dk1"/>
-            </a:solidFill>
-            <a:ln>
-              <a:noFill/>
-            </a:ln>
-          </p:spPr>
-          <p:txBody>
-            <a:bodyPr spcFirstLastPara="1" wrap="square" lIns="91425" tIns="91425" rIns="91425" bIns="91425" anchor="ctr" anchorCtr="0">
-              <a:noAutofit/>
-            </a:bodyPr>
-            <a:lstStyle/>
-            <a:p>
-              <a:pPr marL="0" lvl="0" indent="0" algn="l" rtl="0">
-                <a:spcBef>
-                  <a:spcPts val="0"/>
-                </a:spcBef>
-                <a:spcAft>
-                  <a:spcPts val="0"/>
-                </a:spcAft>
-                <a:buNone/>
-              </a:pPr>
-              <a:endParaRPr/>
-            </a:p>
-          </p:txBody>
-        </p:sp>
-        <p:sp>
-          <p:nvSpPr>
-            <p:cNvPr id="1405" name="Google Shape;1405;p58"/>
-            <p:cNvSpPr/>
-            <p:nvPr/>
-          </p:nvSpPr>
-          <p:spPr>
-            <a:xfrm>
-              <a:off x="8282092" y="4539645"/>
-              <a:ext cx="63876" cy="63860"/>
-            </a:xfrm>
-            <a:custGeom>
-              <a:avLst/>
-              <a:gdLst/>
-              <a:ahLst/>
-              <a:cxnLst/>
-              <a:rect l="l" t="t" r="r" b="b"/>
-              <a:pathLst>
-                <a:path w="3859" h="3858" extrusionOk="0">
-                  <a:moveTo>
-                    <a:pt x="3513" y="0"/>
-                  </a:moveTo>
-                  <a:lnTo>
-                    <a:pt x="1918" y="1607"/>
-                  </a:lnTo>
-                  <a:lnTo>
-                    <a:pt x="310" y="12"/>
-                  </a:lnTo>
-                  <a:lnTo>
-                    <a:pt x="1" y="333"/>
-                  </a:lnTo>
-                  <a:lnTo>
-                    <a:pt x="1596" y="1941"/>
-                  </a:lnTo>
-                  <a:lnTo>
-                    <a:pt x="1" y="3536"/>
-                  </a:lnTo>
-                  <a:lnTo>
-                    <a:pt x="310" y="3858"/>
-                  </a:lnTo>
-                  <a:lnTo>
-                    <a:pt x="1918" y="2262"/>
-                  </a:lnTo>
-                  <a:lnTo>
-                    <a:pt x="3513" y="3858"/>
-                  </a:lnTo>
-                  <a:lnTo>
-                    <a:pt x="3835" y="3524"/>
-                  </a:lnTo>
-                  <a:lnTo>
-                    <a:pt x="2251" y="1941"/>
-                  </a:lnTo>
-                  <a:lnTo>
-                    <a:pt x="3859" y="333"/>
-                  </a:lnTo>
-                  <a:lnTo>
-                    <a:pt x="3513" y="0"/>
-                  </a:lnTo>
-                  <a:close/>
-                </a:path>
-              </a:pathLst>
-            </a:custGeom>
-            <a:solidFill>
-              <a:schemeClr val="dk1"/>
-            </a:solidFill>
-            <a:ln>
-              <a:noFill/>
-            </a:ln>
-          </p:spPr>
-          <p:txBody>
-            <a:bodyPr spcFirstLastPara="1" wrap="square" lIns="91425" tIns="91425" rIns="91425" bIns="91425" anchor="ctr" anchorCtr="0">
-              <a:noAutofit/>
-            </a:bodyPr>
-            <a:lstStyle/>
-            <a:p>
-              <a:pPr marL="0" lvl="0" indent="0" algn="l" rtl="0">
-                <a:spcBef>
-                  <a:spcPts val="0"/>
-                </a:spcBef>
-                <a:spcAft>
-                  <a:spcPts val="0"/>
-                </a:spcAft>
-                <a:buNone/>
-              </a:pPr>
-              <a:endParaRPr/>
-            </a:p>
-          </p:txBody>
-        </p:sp>
-        <p:sp>
-          <p:nvSpPr>
-            <p:cNvPr id="1406" name="Google Shape;1406;p58"/>
-            <p:cNvSpPr/>
-            <p:nvPr/>
-          </p:nvSpPr>
-          <p:spPr>
-            <a:xfrm>
-              <a:off x="8403695" y="4539645"/>
-              <a:ext cx="63860" cy="63860"/>
-            </a:xfrm>
-            <a:custGeom>
-              <a:avLst/>
-              <a:gdLst/>
-              <a:ahLst/>
-              <a:cxnLst/>
-              <a:rect l="l" t="t" r="r" b="b"/>
-              <a:pathLst>
-                <a:path w="3858" h="3858" extrusionOk="0">
-                  <a:moveTo>
-                    <a:pt x="3536" y="0"/>
-                  </a:moveTo>
-                  <a:lnTo>
-                    <a:pt x="1941" y="1607"/>
-                  </a:lnTo>
-                  <a:lnTo>
-                    <a:pt x="333" y="12"/>
-                  </a:lnTo>
-                  <a:lnTo>
-                    <a:pt x="0" y="333"/>
-                  </a:lnTo>
-                  <a:lnTo>
-                    <a:pt x="1607" y="1941"/>
-                  </a:lnTo>
-                  <a:lnTo>
-                    <a:pt x="0" y="3524"/>
-                  </a:lnTo>
-                  <a:lnTo>
-                    <a:pt x="333" y="3858"/>
-                  </a:lnTo>
-                  <a:lnTo>
-                    <a:pt x="1941" y="2262"/>
-                  </a:lnTo>
-                  <a:lnTo>
-                    <a:pt x="3536" y="3858"/>
-                  </a:lnTo>
-                  <a:lnTo>
-                    <a:pt x="3858" y="3524"/>
-                  </a:lnTo>
-                  <a:lnTo>
-                    <a:pt x="2262" y="1941"/>
-                  </a:lnTo>
-                  <a:lnTo>
-                    <a:pt x="3858" y="333"/>
-                  </a:lnTo>
-                  <a:lnTo>
-                    <a:pt x="3536" y="0"/>
-                  </a:lnTo>
-                  <a:close/>
-                </a:path>
-              </a:pathLst>
-            </a:custGeom>
-            <a:solidFill>
-              <a:schemeClr val="dk1"/>
-            </a:solidFill>
-            <a:ln>
-              <a:noFill/>
-            </a:ln>
-          </p:spPr>
-          <p:txBody>
-            <a:bodyPr spcFirstLastPara="1" wrap="square" lIns="91425" tIns="91425" rIns="91425" bIns="91425" anchor="ctr" anchorCtr="0">
-              <a:noAutofit/>
-            </a:bodyPr>
-            <a:lstStyle/>
-            <a:p>
-              <a:pPr marL="0" lvl="0" indent="0" algn="l" rtl="0">
-                <a:spcBef>
-                  <a:spcPts val="0"/>
-                </a:spcBef>
-                <a:spcAft>
-                  <a:spcPts val="0"/>
-                </a:spcAft>
-                <a:buNone/>
-              </a:pPr>
-              <a:endParaRPr/>
-            </a:p>
-          </p:txBody>
-        </p:sp>
-        <p:sp>
-          <p:nvSpPr>
-            <p:cNvPr id="1407" name="Google Shape;1407;p58"/>
-            <p:cNvSpPr/>
-            <p:nvPr/>
-          </p:nvSpPr>
-          <p:spPr>
-            <a:xfrm>
-              <a:off x="8525678" y="4539645"/>
-              <a:ext cx="63860" cy="63860"/>
-            </a:xfrm>
-            <a:custGeom>
-              <a:avLst/>
-              <a:gdLst/>
-              <a:ahLst/>
-              <a:cxnLst/>
-              <a:rect l="l" t="t" r="r" b="b"/>
-              <a:pathLst>
-                <a:path w="3858" h="3858" extrusionOk="0">
-                  <a:moveTo>
-                    <a:pt x="333" y="0"/>
-                  </a:moveTo>
-                  <a:lnTo>
-                    <a:pt x="0" y="333"/>
-                  </a:lnTo>
-                  <a:lnTo>
-                    <a:pt x="1595" y="1941"/>
-                  </a:lnTo>
-                  <a:lnTo>
-                    <a:pt x="0" y="3536"/>
-                  </a:lnTo>
-                  <a:lnTo>
-                    <a:pt x="333" y="3858"/>
-                  </a:lnTo>
-                  <a:lnTo>
-                    <a:pt x="1941" y="2262"/>
-                  </a:lnTo>
-                  <a:lnTo>
-                    <a:pt x="3524" y="3858"/>
-                  </a:lnTo>
-                  <a:lnTo>
-                    <a:pt x="3858" y="3536"/>
-                  </a:lnTo>
-                  <a:lnTo>
-                    <a:pt x="2250" y="1941"/>
-                  </a:lnTo>
-                  <a:lnTo>
-                    <a:pt x="3858" y="333"/>
-                  </a:lnTo>
-                  <a:lnTo>
-                    <a:pt x="3524" y="12"/>
-                  </a:lnTo>
-                  <a:lnTo>
-                    <a:pt x="1941" y="1607"/>
-                  </a:lnTo>
-                  <a:lnTo>
-                    <a:pt x="333" y="0"/>
-                  </a:lnTo>
-                  <a:close/>
-                </a:path>
-              </a:pathLst>
-            </a:custGeom>
-            <a:solidFill>
-              <a:schemeClr val="dk1"/>
-            </a:solidFill>
-            <a:ln>
-              <a:noFill/>
-            </a:ln>
-          </p:spPr>
-          <p:txBody>
-            <a:bodyPr spcFirstLastPara="1" wrap="square" lIns="91425" tIns="91425" rIns="91425" bIns="91425" anchor="ctr" anchorCtr="0">
-              <a:noAutofit/>
-            </a:bodyPr>
-            <a:lstStyle/>
-            <a:p>
-              <a:pPr marL="0" lvl="0" indent="0" algn="l" rtl="0">
-                <a:spcBef>
-                  <a:spcPts val="0"/>
-                </a:spcBef>
-                <a:spcAft>
-                  <a:spcPts val="0"/>
-                </a:spcAft>
-                <a:buNone/>
-              </a:pPr>
-              <a:endParaRPr/>
-            </a:p>
-          </p:txBody>
-        </p:sp>
-        <p:sp>
-          <p:nvSpPr>
-            <p:cNvPr id="1408" name="Google Shape;1408;p58"/>
-            <p:cNvSpPr/>
-            <p:nvPr/>
-          </p:nvSpPr>
-          <p:spPr>
-            <a:xfrm>
-              <a:off x="8647645" y="4539645"/>
-              <a:ext cx="63876" cy="63860"/>
-            </a:xfrm>
-            <a:custGeom>
-              <a:avLst/>
-              <a:gdLst/>
-              <a:ahLst/>
-              <a:cxnLst/>
-              <a:rect l="l" t="t" r="r" b="b"/>
-              <a:pathLst>
-                <a:path w="3859" h="3858" extrusionOk="0">
-                  <a:moveTo>
-                    <a:pt x="322" y="0"/>
-                  </a:moveTo>
-                  <a:lnTo>
-                    <a:pt x="1" y="333"/>
-                  </a:lnTo>
-                  <a:lnTo>
-                    <a:pt x="1608" y="1941"/>
-                  </a:lnTo>
-                  <a:lnTo>
-                    <a:pt x="1" y="3536"/>
-                  </a:lnTo>
-                  <a:lnTo>
-                    <a:pt x="322" y="3858"/>
-                  </a:lnTo>
-                  <a:lnTo>
-                    <a:pt x="1918" y="2262"/>
-                  </a:lnTo>
-                  <a:lnTo>
-                    <a:pt x="3525" y="3858"/>
-                  </a:lnTo>
-                  <a:lnTo>
-                    <a:pt x="3859" y="3524"/>
-                  </a:lnTo>
-                  <a:lnTo>
-                    <a:pt x="2251" y="1941"/>
-                  </a:lnTo>
-                  <a:lnTo>
-                    <a:pt x="3859" y="333"/>
-                  </a:lnTo>
-                  <a:lnTo>
-                    <a:pt x="3525" y="12"/>
-                  </a:lnTo>
-                  <a:lnTo>
-                    <a:pt x="1918" y="1607"/>
-                  </a:lnTo>
-                  <a:lnTo>
-                    <a:pt x="322" y="0"/>
-                  </a:lnTo>
-                  <a:close/>
-                </a:path>
-              </a:pathLst>
-            </a:custGeom>
-            <a:solidFill>
-              <a:schemeClr val="dk1"/>
-            </a:solidFill>
-            <a:ln>
-              <a:noFill/>
-            </a:ln>
-          </p:spPr>
-          <p:txBody>
-            <a:bodyPr spcFirstLastPara="1" wrap="square" lIns="91425" tIns="91425" rIns="91425" bIns="91425" anchor="ctr" anchorCtr="0">
-              <a:noAutofit/>
-            </a:bodyPr>
-            <a:lstStyle/>
-            <a:p>
-              <a:pPr marL="0" lvl="0" indent="0" algn="l" rtl="0">
-                <a:spcBef>
-                  <a:spcPts val="0"/>
-                </a:spcBef>
-                <a:spcAft>
-                  <a:spcPts val="0"/>
-                </a:spcAft>
-                <a:buNone/>
-              </a:pPr>
-              <a:endParaRPr/>
-            </a:p>
-          </p:txBody>
-        </p:sp>
-      </p:grpSp>
       <p:pic>
         <p:nvPicPr>
-          <p:cNvPr id="42" name="Picture 4" descr="AWS Educate para Organizações de desenvolvimento econômico">
+          <p:cNvPr id="1026" name="Picture 2" descr="Vencedores - ícones de pessoas grátis">
             <a:extLst>
               <a:ext uri="{FF2B5EF4-FFF2-40B4-BE49-F238E27FC236}">
-                <a16:creationId xmlns:a16="http://schemas.microsoft.com/office/drawing/2014/main" id="{F2C9736B-5F2F-4C7F-B4BA-65E0131A125F}"/>
+                <a16:creationId xmlns:a16="http://schemas.microsoft.com/office/drawing/2014/main" id="{DFD4A960-7C11-421D-A61F-3C5733DB9D4A}"/>
               </a:ext>
             </a:extLst>
           </p:cNvPr>
@@ -45355,55 +39853,8 @@
         </p:blipFill>
         <p:spPr bwMode="auto">
           <a:xfrm>
-            <a:off x="2513373" y="2385752"/>
-            <a:ext cx="1927197" cy="642399"/>
-          </a:xfrm>
-          <a:prstGeom prst="rect">
-            <a:avLst/>
-          </a:prstGeom>
-          <a:noFill/>
-          <a:extLst>
-            <a:ext uri="{909E8E84-426E-40DD-AFC4-6F175D3DCCD1}">
-              <a14:hiddenFill xmlns:a14="http://schemas.microsoft.com/office/drawing/2010/main">
-                <a:solidFill>
-                  <a:srgbClr val="FFFFFF"/>
-                </a:solidFill>
-              </a14:hiddenFill>
-            </a:ext>
-          </a:extLst>
-        </p:spPr>
-      </p:pic>
-      <p:pic>
-        <p:nvPicPr>
-          <p:cNvPr id="43" name="Picture 10" descr="Docker como fazer backup dos containers e restaurar a partir de um arquivo  de backup – Blog do Daru">
-            <a:extLst>
-              <a:ext uri="{FF2B5EF4-FFF2-40B4-BE49-F238E27FC236}">
-                <a16:creationId xmlns:a16="http://schemas.microsoft.com/office/drawing/2014/main" id="{BAECCF8A-4B32-4760-8A0B-69FBC074BB39}"/>
-              </a:ext>
-            </a:extLst>
-          </p:cNvPr>
-          <p:cNvPicPr>
-            <a:picLocks noChangeAspect="1" noChangeArrowheads="1"/>
-          </p:cNvPicPr>
-          <p:nvPr/>
-        </p:nvPicPr>
-        <p:blipFill>
-          <a:blip r:embed="rId4">
-            <a:extLst>
-              <a:ext uri="{28A0092B-C50C-407E-A947-70E740481C1C}">
-                <a14:useLocalDpi xmlns:a14="http://schemas.microsoft.com/office/drawing/2010/main" val="0"/>
-              </a:ext>
-            </a:extLst>
-          </a:blip>
-          <a:srcRect/>
-          <a:stretch>
-            <a:fillRect/>
-          </a:stretch>
-        </p:blipFill>
-        <p:spPr bwMode="auto">
-          <a:xfrm>
-            <a:off x="5403273" y="2080643"/>
-            <a:ext cx="1445219" cy="1234459"/>
+            <a:off x="5384537" y="1503156"/>
+            <a:ext cx="1622429" cy="1622429"/>
           </a:xfrm>
           <a:prstGeom prst="rect">
             <a:avLst/>
@@ -45422,10 +39873,92 @@
       </p:pic>
       <p:sp>
         <p:nvSpPr>
-          <p:cNvPr id="44" name="TextBox 43">
+          <p:cNvPr id="8" name="Rectangle 7">
             <a:extLst>
               <a:ext uri="{FF2B5EF4-FFF2-40B4-BE49-F238E27FC236}">
-                <a16:creationId xmlns:a16="http://schemas.microsoft.com/office/drawing/2014/main" id="{DC3C8A43-38C3-48D8-AAB2-BB8EE345D553}"/>
+                <a16:creationId xmlns:a16="http://schemas.microsoft.com/office/drawing/2014/main" id="{6FBFEA63-EB71-452F-9E36-E8B1BB721BEE}"/>
+              </a:ext>
+            </a:extLst>
+          </p:cNvPr>
+          <p:cNvSpPr/>
+          <p:nvPr/>
+        </p:nvSpPr>
+        <p:spPr>
+          <a:xfrm>
+            <a:off x="201176" y="210839"/>
+            <a:ext cx="804664" cy="703561"/>
+          </a:xfrm>
+          <a:prstGeom prst="rect">
+            <a:avLst/>
+          </a:prstGeom>
+          <a:solidFill>
+            <a:schemeClr val="bg1"/>
+          </a:solidFill>
+          <a:ln>
+            <a:noFill/>
+          </a:ln>
+        </p:spPr>
+        <p:style>
+          <a:lnRef idx="2">
+            <a:schemeClr val="accent1">
+              <a:shade val="50000"/>
+            </a:schemeClr>
+          </a:lnRef>
+          <a:fillRef idx="1">
+            <a:schemeClr val="accent1"/>
+          </a:fillRef>
+          <a:effectRef idx="0">
+            <a:schemeClr val="accent1"/>
+          </a:effectRef>
+          <a:fontRef idx="minor">
+            <a:schemeClr val="lt1"/>
+          </a:fontRef>
+        </p:style>
+        <p:txBody>
+          <a:bodyPr rtlCol="0" anchor="ctr"/>
+          <a:lstStyle/>
+          <a:p>
+            <a:pPr algn="ctr"/>
+            <a:endParaRPr lang="pt-BR"/>
+          </a:p>
+        </p:txBody>
+      </p:sp>
+      <p:pic>
+        <p:nvPicPr>
+          <p:cNvPr id="9" name="Picture 8" descr="Icon&#10;&#10;Description automatically generated">
+            <a:extLst>
+              <a:ext uri="{FF2B5EF4-FFF2-40B4-BE49-F238E27FC236}">
+                <a16:creationId xmlns:a16="http://schemas.microsoft.com/office/drawing/2014/main" id="{7ACF0A19-BDDF-4CF5-B1CF-98A4A89586D7}"/>
+              </a:ext>
+            </a:extLst>
+          </p:cNvPr>
+          <p:cNvPicPr>
+            <a:picLocks noChangeAspect="1"/>
+          </p:cNvPicPr>
+          <p:nvPr/>
+        </p:nvPicPr>
+        <p:blipFill>
+          <a:blip r:embed="rId4"/>
+          <a:stretch>
+            <a:fillRect/>
+          </a:stretch>
+        </p:blipFill>
+        <p:spPr>
+          <a:xfrm>
+            <a:off x="201176" y="210839"/>
+            <a:ext cx="388195" cy="386277"/>
+          </a:xfrm>
+          <a:prstGeom prst="rect">
+            <a:avLst/>
+          </a:prstGeom>
+        </p:spPr>
+      </p:pic>
+      <p:sp>
+        <p:nvSpPr>
+          <p:cNvPr id="10" name="TextBox 9">
+            <a:extLst>
+              <a:ext uri="{FF2B5EF4-FFF2-40B4-BE49-F238E27FC236}">
+                <a16:creationId xmlns:a16="http://schemas.microsoft.com/office/drawing/2014/main" id="{1A0CADA7-18BF-4E16-BF49-B015E2B72671}"/>
               </a:ext>
             </a:extLst>
           </p:cNvPr>
@@ -45434,8 +39967,8 @@
         </p:nvSpPr>
         <p:spPr>
           <a:xfrm>
-            <a:off x="543509" y="4671203"/>
-            <a:ext cx="1493003" cy="307777"/>
+            <a:off x="517184" y="251322"/>
+            <a:ext cx="1617074" cy="369332"/>
           </a:xfrm>
           <a:prstGeom prst="rect">
             <a:avLst/>
@@ -45449,74 +39982,35 @@
           <a:lstStyle/>
           <a:p>
             <a:r>
-              <a:rPr lang="pt-BR" dirty="0">
+              <a:rPr lang="pt-BR" sz="1800" dirty="0">
                 <a:solidFill>
-                  <a:schemeClr val="bg2"/>
+                  <a:srgbClr val="5879FA"/>
                 </a:solidFill>
                 <a:latin typeface="Aharoni" panose="02010803020104030203" pitchFamily="2" charset="-79"/>
                 <a:cs typeface="Aharoni" panose="02010803020104030203" pitchFamily="2" charset="-79"/>
               </a:rPr>
               <a:t>FastTech</a:t>
             </a:r>
-            <a:endParaRPr lang="pt-BR" sz="1200" dirty="0">
-              <a:solidFill>
-                <a:schemeClr val="bg2"/>
-              </a:solidFill>
+            <a:endParaRPr lang="pt-BR" sz="1800" dirty="0">
               <a:latin typeface="Aharoni" panose="02010803020104030203" pitchFamily="2" charset="-79"/>
               <a:cs typeface="Aharoni" panose="02010803020104030203" pitchFamily="2" charset="-79"/>
             </a:endParaRPr>
           </a:p>
         </p:txBody>
       </p:sp>
-      <p:pic>
-        <p:nvPicPr>
-          <p:cNvPr id="45" name="Picture 44" descr="Icon&#10;&#10;Description automatically generated">
-            <a:extLst>
-              <a:ext uri="{FF2B5EF4-FFF2-40B4-BE49-F238E27FC236}">
-                <a16:creationId xmlns:a16="http://schemas.microsoft.com/office/drawing/2014/main" id="{FBECC3DB-3D62-46E7-8B14-9392DB2B733D}"/>
-              </a:ext>
-            </a:extLst>
-          </p:cNvPr>
-          <p:cNvPicPr>
-            <a:picLocks noChangeAspect="1"/>
-          </p:cNvPicPr>
-          <p:nvPr/>
-        </p:nvPicPr>
-        <p:blipFill>
-          <a:blip r:embed="rId5">
-            <a:biLevel thresh="25000"/>
-          </a:blip>
-          <a:stretch>
-            <a:fillRect/>
-          </a:stretch>
-        </p:blipFill>
-        <p:spPr>
-          <a:xfrm>
-            <a:off x="207712" y="4658023"/>
-            <a:ext cx="335797" cy="334138"/>
-          </a:xfrm>
-          <a:prstGeom prst="rect">
-            <a:avLst/>
-          </a:prstGeom>
-        </p:spPr>
-      </p:pic>
     </p:spTree>
+    <p:extLst>
+      <p:ext uri="{BB962C8B-B14F-4D97-AF65-F5344CB8AC3E}">
+        <p14:creationId xmlns:p14="http://schemas.microsoft.com/office/powerpoint/2010/main" val="2959042167"/>
+      </p:ext>
+    </p:extLst>
   </p:cSld>
   <p:clrMapOvr>
     <a:masterClrMapping/>
   </p:clrMapOvr>
-  <mc:AlternateContent xmlns:mc="http://schemas.openxmlformats.org/markup-compatibility/2006" xmlns:p14="http://schemas.microsoft.com/office/powerpoint/2010/main">
-    <mc:Choice Requires="p14">
-      <p:transition spd="slow" p14:dur="1500">
-        <p:split orient="vert"/>
-      </p:transition>
-    </mc:Choice>
-    <mc:Fallback xmlns="">
-      <p:transition spd="slow">
-        <p:split orient="vert"/>
-      </p:transition>
-    </mc:Fallback>
-  </mc:AlternateContent>
+  <p:transition spd="med">
+    <p:pull/>
+  </p:transition>
 </p:sld>
 </file>
 
@@ -45549,8 +40043,8 @@
         </p:nvSpPr>
         <p:spPr>
           <a:xfrm>
-            <a:off x="1429950" y="1990350"/>
-            <a:ext cx="6284100" cy="1315200"/>
+            <a:off x="1718012" y="1880282"/>
+            <a:ext cx="3061260" cy="1315200"/>
           </a:xfrm>
           <a:prstGeom prst="rect">
             <a:avLst/>
@@ -45562,118 +40056,120 @@
           </a:bodyPr>
           <a:lstStyle/>
           <a:p>
-            <a:pPr marL="457200" lvl="0" indent="-330200" algn="l" rtl="0">
-              <a:lnSpc>
-                <a:spcPct val="100000"/>
-              </a:lnSpc>
-              <a:spcBef>
-                <a:spcPts val="0"/>
-              </a:spcBef>
-              <a:spcAft>
-                <a:spcPts val="0"/>
-              </a:spcAft>
+            <a:pPr marL="457200" lvl="0" indent="-330200">
+              <a:buClr>
+                <a:srgbClr val="000000"/>
+              </a:buClr>
               <a:buSzPts val="1600"/>
+              <a:buFont typeface="Arial"/>
               <a:buChar char="●"/>
             </a:pPr>
             <a:r>
-              <a:rPr lang="pt-BR" sz="1800" b="0" i="0" u="none" strike="noStrike" dirty="0">
+              <a:rPr lang="pt-BR" sz="2000" b="1" dirty="0">
                 <a:solidFill>
-                  <a:srgbClr val="243762"/>
+                  <a:srgbClr val="000000"/>
                 </a:solidFill>
-                <a:effectLst/>
+                <a:latin typeface="Abadi Extra Light" panose="020B0204020104020204" pitchFamily="34" charset="0"/>
+                <a:cs typeface="Aharoni" panose="02010803020104030203" pitchFamily="2" charset="-79"/>
+                <a:sym typeface="Arial"/>
               </a:rPr>
               <a:t>Aprendizado; </a:t>
             </a:r>
-            <a:endParaRPr lang="en" sz="1800" b="0" i="0" u="none" strike="noStrike" dirty="0">
+            <a:endParaRPr lang="en" sz="2000" b="1" dirty="0">
               <a:solidFill>
-                <a:srgbClr val="243762"/>
+                <a:srgbClr val="000000"/>
               </a:solidFill>
-              <a:effectLst/>
+              <a:latin typeface="Abadi Extra Light" panose="020B0204020104020204" pitchFamily="34" charset="0"/>
+              <a:cs typeface="Aharoni" panose="02010803020104030203" pitchFamily="2" charset="-79"/>
+              <a:sym typeface="Arial"/>
             </a:endParaRPr>
           </a:p>
           <a:p>
-            <a:pPr marL="457200" lvl="0" indent="-330200" algn="l" rtl="0">
-              <a:lnSpc>
-                <a:spcPct val="100000"/>
-              </a:lnSpc>
-              <a:spcBef>
-                <a:spcPts val="0"/>
-              </a:spcBef>
-              <a:spcAft>
-                <a:spcPts val="0"/>
-              </a:spcAft>
+            <a:pPr marL="457200" lvl="0" indent="-330200">
+              <a:buClr>
+                <a:srgbClr val="000000"/>
+              </a:buClr>
               <a:buSzPts val="1600"/>
+              <a:buFont typeface="Arial"/>
               <a:buChar char="●"/>
             </a:pPr>
             <a:r>
-              <a:rPr lang="pt-BR" sz="1800" b="0" i="0" u="none" strike="noStrike" dirty="0">
+              <a:rPr lang="pt-BR" sz="2000" b="1" dirty="0">
                 <a:solidFill>
-                  <a:srgbClr val="243762"/>
+                  <a:srgbClr val="000000"/>
                 </a:solidFill>
-                <a:effectLst/>
+                <a:latin typeface="Abadi Extra Light" panose="020B0204020104020204" pitchFamily="34" charset="0"/>
+                <a:cs typeface="Aharoni" panose="02010803020104030203" pitchFamily="2" charset="-79"/>
+                <a:sym typeface="Arial"/>
               </a:rPr>
               <a:t>Discussões; </a:t>
             </a:r>
-            <a:endParaRPr lang="en" sz="1800" dirty="0">
+            <a:endParaRPr lang="en" sz="2000" b="1" dirty="0">
               <a:solidFill>
-                <a:srgbClr val="243762"/>
+                <a:srgbClr val="000000"/>
               </a:solidFill>
+              <a:latin typeface="Abadi Extra Light" panose="020B0204020104020204" pitchFamily="34" charset="0"/>
+              <a:cs typeface="Aharoni" panose="02010803020104030203" pitchFamily="2" charset="-79"/>
+              <a:sym typeface="Arial"/>
             </a:endParaRPr>
           </a:p>
           <a:p>
-            <a:pPr marL="457200" lvl="0" indent="-330200" algn="l" rtl="0">
-              <a:lnSpc>
-                <a:spcPct val="100000"/>
-              </a:lnSpc>
-              <a:spcBef>
-                <a:spcPts val="0"/>
-              </a:spcBef>
-              <a:spcAft>
-                <a:spcPts val="0"/>
-              </a:spcAft>
+            <a:pPr marL="457200" lvl="0" indent="-330200">
+              <a:buClr>
+                <a:srgbClr val="000000"/>
+              </a:buClr>
               <a:buSzPts val="1600"/>
+              <a:buFont typeface="Arial"/>
               <a:buChar char="●"/>
             </a:pPr>
             <a:r>
-              <a:rPr lang="pt-BR" sz="1800" b="0" i="0" u="none" strike="noStrike" dirty="0">
+              <a:rPr lang="pt-BR" sz="2000" b="1" dirty="0">
                 <a:solidFill>
-                  <a:srgbClr val="243762"/>
+                  <a:srgbClr val="000000"/>
                 </a:solidFill>
-                <a:effectLst/>
+                <a:latin typeface="Abadi Extra Light" panose="020B0204020104020204" pitchFamily="34" charset="0"/>
+                <a:cs typeface="Aharoni" panose="02010803020104030203" pitchFamily="2" charset="-79"/>
+                <a:sym typeface="Arial"/>
               </a:rPr>
               <a:t>Ideias e Inovação;</a:t>
             </a:r>
-            <a:endParaRPr lang="en" sz="1800" b="0" i="0" u="none" strike="noStrike" dirty="0">
+            <a:endParaRPr lang="en" sz="2000" b="1" dirty="0">
               <a:solidFill>
-                <a:srgbClr val="243762"/>
+                <a:srgbClr val="000000"/>
               </a:solidFill>
-              <a:effectLst/>
+              <a:latin typeface="Abadi Extra Light" panose="020B0204020104020204" pitchFamily="34" charset="0"/>
+              <a:cs typeface="Aharoni" panose="02010803020104030203" pitchFamily="2" charset="-79"/>
+              <a:sym typeface="Arial"/>
             </a:endParaRPr>
           </a:p>
           <a:p>
-            <a:pPr marL="457200" lvl="0" indent="-330200" algn="l" rtl="0">
-              <a:lnSpc>
-                <a:spcPct val="100000"/>
-              </a:lnSpc>
-              <a:spcBef>
-                <a:spcPts val="0"/>
-              </a:spcBef>
-              <a:spcAft>
-                <a:spcPts val="0"/>
-              </a:spcAft>
+            <a:pPr marL="457200" lvl="0" indent="-330200">
+              <a:buClr>
+                <a:srgbClr val="000000"/>
+              </a:buClr>
               <a:buSzPts val="1600"/>
+              <a:buFont typeface="Arial"/>
               <a:buChar char="●"/>
             </a:pPr>
             <a:r>
-              <a:rPr lang="pt-BR" sz="1800" b="0" i="0" u="none" strike="noStrike" dirty="0">
+              <a:rPr lang="pt-BR" sz="2000" b="1" dirty="0">
                 <a:solidFill>
-                  <a:srgbClr val="243762"/>
+                  <a:srgbClr val="000000"/>
                 </a:solidFill>
-                <a:effectLst/>
+                <a:latin typeface="Abadi Extra Light" panose="020B0204020104020204" pitchFamily="34" charset="0"/>
+                <a:cs typeface="Aharoni" panose="02010803020104030203" pitchFamily="2" charset="-79"/>
+                <a:sym typeface="Arial"/>
               </a:rPr>
               <a:t>Conhecimento;</a:t>
             </a:r>
-            <a:endParaRPr sz="1800" dirty="0"/>
+            <a:endParaRPr sz="2000" b="1" dirty="0">
+              <a:solidFill>
+                <a:srgbClr val="000000"/>
+              </a:solidFill>
+              <a:latin typeface="Abadi Extra Light" panose="020B0204020104020204" pitchFamily="34" charset="0"/>
+              <a:cs typeface="Aharoni" panose="02010803020104030203" pitchFamily="2" charset="-79"/>
+              <a:sym typeface="Arial"/>
+            </a:endParaRPr>
           </a:p>
           <a:p>
             <a:pPr marL="0" lvl="0" indent="0" algn="l" rtl="0">
@@ -45685,7 +40181,7 @@
               </a:spcAft>
               <a:buNone/>
             </a:pPr>
-            <a:endParaRPr dirty="0"/>
+            <a:endParaRPr sz="1800" dirty="0"/>
           </a:p>
         </p:txBody>
       </p:sp>
@@ -46486,81 +40982,6 @@
           </a:p>
         </p:txBody>
       </p:sp>
-      <p:sp>
-        <p:nvSpPr>
-          <p:cNvPr id="20" name="TextBox 19">
-            <a:extLst>
-              <a:ext uri="{FF2B5EF4-FFF2-40B4-BE49-F238E27FC236}">
-                <a16:creationId xmlns:a16="http://schemas.microsoft.com/office/drawing/2014/main" id="{846D2512-E3FA-4E2D-B259-427DCBD9404F}"/>
-              </a:ext>
-            </a:extLst>
-          </p:cNvPr>
-          <p:cNvSpPr txBox="1"/>
-          <p:nvPr/>
-        </p:nvSpPr>
-        <p:spPr>
-          <a:xfrm>
-            <a:off x="8222904" y="4681698"/>
-            <a:ext cx="1493003" cy="307777"/>
-          </a:xfrm>
-          <a:prstGeom prst="rect">
-            <a:avLst/>
-          </a:prstGeom>
-          <a:noFill/>
-        </p:spPr>
-        <p:txBody>
-          <a:bodyPr wrap="square">
-            <a:spAutoFit/>
-          </a:bodyPr>
-          <a:lstStyle/>
-          <a:p>
-            <a:r>
-              <a:rPr lang="pt-BR" dirty="0">
-                <a:solidFill>
-                  <a:srgbClr val="5879FA"/>
-                </a:solidFill>
-                <a:latin typeface="Aharoni" panose="02010803020104030203" pitchFamily="2" charset="-79"/>
-                <a:cs typeface="Aharoni" panose="02010803020104030203" pitchFamily="2" charset="-79"/>
-              </a:rPr>
-              <a:t>FastTech</a:t>
-            </a:r>
-            <a:endParaRPr lang="pt-BR" dirty="0">
-              <a:latin typeface="Aharoni" panose="02010803020104030203" pitchFamily="2" charset="-79"/>
-              <a:cs typeface="Aharoni" panose="02010803020104030203" pitchFamily="2" charset="-79"/>
-            </a:endParaRPr>
-          </a:p>
-        </p:txBody>
-      </p:sp>
-      <p:pic>
-        <p:nvPicPr>
-          <p:cNvPr id="21" name="Picture 20" descr="Icon&#10;&#10;Description automatically generated">
-            <a:extLst>
-              <a:ext uri="{FF2B5EF4-FFF2-40B4-BE49-F238E27FC236}">
-                <a16:creationId xmlns:a16="http://schemas.microsoft.com/office/drawing/2014/main" id="{BABC281A-1C32-413F-B968-80943685C9EC}"/>
-              </a:ext>
-            </a:extLst>
-          </p:cNvPr>
-          <p:cNvPicPr>
-            <a:picLocks noChangeAspect="1"/>
-          </p:cNvPicPr>
-          <p:nvPr/>
-        </p:nvPicPr>
-        <p:blipFill>
-          <a:blip r:embed="rId3"/>
-          <a:stretch>
-            <a:fillRect/>
-          </a:stretch>
-        </p:blipFill>
-        <p:spPr>
-          <a:xfrm>
-            <a:off x="7887107" y="4655757"/>
-            <a:ext cx="335797" cy="334138"/>
-          </a:xfrm>
-          <a:prstGeom prst="rect">
-            <a:avLst/>
-          </a:prstGeom>
-        </p:spPr>
-      </p:pic>
       <p:pic>
         <p:nvPicPr>
           <p:cNvPr id="19" name="Picture 18" descr="Pessoas fazendo uma ilustração de lista de tarefas | Vetor Grátis">
@@ -46576,7 +40997,7 @@
           <p:nvPr/>
         </p:nvPicPr>
         <p:blipFill>
-          <a:blip r:embed="rId4">
+          <a:blip r:embed="rId3">
             <a:clrChange>
               <a:clrFrom>
                 <a:srgbClr val="F6D6D7"/>
@@ -46618,23 +41039,130 @@
           </a:extLst>
         </p:spPr>
       </p:pic>
+      <p:pic>
+        <p:nvPicPr>
+          <p:cNvPr id="6" name="Imagem 5">
+            <a:extLst>
+              <a:ext uri="{FF2B5EF4-FFF2-40B4-BE49-F238E27FC236}">
+                <a16:creationId xmlns:a16="http://schemas.microsoft.com/office/drawing/2014/main" id="{A948ABEF-63B2-4890-AD6B-24BCA6497A04}"/>
+              </a:ext>
+            </a:extLst>
+          </p:cNvPr>
+          <p:cNvPicPr>
+            <a:picLocks noChangeAspect="1"/>
+          </p:cNvPicPr>
+          <p:nvPr/>
+        </p:nvPicPr>
+        <p:blipFill>
+          <a:blip r:embed="rId4">
+            <a:clrChange>
+              <a:clrFrom>
+                <a:srgbClr val="FFFFFF"/>
+              </a:clrFrom>
+              <a:clrTo>
+                <a:srgbClr val="FFFFFF">
+                  <a:alpha val="0"/>
+                </a:srgbClr>
+              </a:clrTo>
+            </a:clrChange>
+          </a:blip>
+          <a:stretch>
+            <a:fillRect/>
+          </a:stretch>
+        </p:blipFill>
+        <p:spPr>
+          <a:xfrm rot="21070106">
+            <a:off x="6770936" y="1550621"/>
+            <a:ext cx="381400" cy="312333"/>
+          </a:xfrm>
+          <a:prstGeom prst="rect">
+            <a:avLst/>
+          </a:prstGeom>
+        </p:spPr>
+      </p:pic>
+      <p:pic>
+        <p:nvPicPr>
+          <p:cNvPr id="24" name="Picture 8" descr="Icon&#10;&#10;Description automatically generated">
+            <a:extLst>
+              <a:ext uri="{FF2B5EF4-FFF2-40B4-BE49-F238E27FC236}">
+                <a16:creationId xmlns:a16="http://schemas.microsoft.com/office/drawing/2014/main" id="{D5363BBD-A15E-47A4-BB38-51487CB9807A}"/>
+              </a:ext>
+            </a:extLst>
+          </p:cNvPr>
+          <p:cNvPicPr>
+            <a:picLocks noChangeAspect="1"/>
+          </p:cNvPicPr>
+          <p:nvPr/>
+        </p:nvPicPr>
+        <p:blipFill>
+          <a:blip r:embed="rId5"/>
+          <a:stretch>
+            <a:fillRect/>
+          </a:stretch>
+        </p:blipFill>
+        <p:spPr>
+          <a:xfrm>
+            <a:off x="201176" y="210839"/>
+            <a:ext cx="388195" cy="386277"/>
+          </a:xfrm>
+          <a:prstGeom prst="rect">
+            <a:avLst/>
+          </a:prstGeom>
+        </p:spPr>
+      </p:pic>
+      <p:sp>
+        <p:nvSpPr>
+          <p:cNvPr id="25" name="TextBox 9">
+            <a:extLst>
+              <a:ext uri="{FF2B5EF4-FFF2-40B4-BE49-F238E27FC236}">
+                <a16:creationId xmlns:a16="http://schemas.microsoft.com/office/drawing/2014/main" id="{9A231365-226D-40B7-B76F-DAC38AF08FC8}"/>
+              </a:ext>
+            </a:extLst>
+          </p:cNvPr>
+          <p:cNvSpPr txBox="1"/>
+          <p:nvPr/>
+        </p:nvSpPr>
+        <p:spPr>
+          <a:xfrm>
+            <a:off x="517184" y="251322"/>
+            <a:ext cx="1617074" cy="369332"/>
+          </a:xfrm>
+          <a:prstGeom prst="rect">
+            <a:avLst/>
+          </a:prstGeom>
+          <a:noFill/>
+        </p:spPr>
+        <p:txBody>
+          <a:bodyPr wrap="square">
+            <a:spAutoFit/>
+          </a:bodyPr>
+          <a:lstStyle/>
+          <a:p>
+            <a:r>
+              <a:rPr lang="pt-BR" sz="1800" dirty="0">
+                <a:solidFill>
+                  <a:srgbClr val="5879FA"/>
+                </a:solidFill>
+                <a:latin typeface="Aharoni" panose="02010803020104030203" pitchFamily="2" charset="-79"/>
+                <a:cs typeface="Aharoni" panose="02010803020104030203" pitchFamily="2" charset="-79"/>
+              </a:rPr>
+              <a:t>FastTech</a:t>
+            </a:r>
+            <a:endParaRPr lang="pt-BR" sz="1800" dirty="0">
+              <a:latin typeface="Aharoni" panose="02010803020104030203" pitchFamily="2" charset="-79"/>
+              <a:cs typeface="Aharoni" panose="02010803020104030203" pitchFamily="2" charset="-79"/>
+            </a:endParaRPr>
+          </a:p>
+        </p:txBody>
+      </p:sp>
     </p:spTree>
   </p:cSld>
   <p:clrMapOvr>
     <a:masterClrMapping/>
   </p:clrMapOvr>
-  <mc:AlternateContent xmlns:mc="http://schemas.openxmlformats.org/markup-compatibility/2006" xmlns:p14="http://schemas.microsoft.com/office/powerpoint/2010/main">
-    <mc:Choice Requires="p14">
-      <p:transition spd="slow" p14:dur="3400">
-        <p14:reveal/>
-      </p:transition>
-    </mc:Choice>
-    <mc:Fallback xmlns="">
-      <p:transition spd="slow">
-        <p:fade/>
-      </p:transition>
-    </mc:Fallback>
-  </mc:AlternateContent>
+  <p:transition spd="med">
+    <p:pull/>
+  </p:transition>
 </p:sld>
 </file>
 
@@ -46655,6 +41183,58 @@
           <a:chExt cx="0" cy="0"/>
         </a:xfrm>
       </p:grpSpPr>
+      <p:sp>
+        <p:nvSpPr>
+          <p:cNvPr id="2" name="Retângulo 1">
+            <a:extLst>
+              <a:ext uri="{FF2B5EF4-FFF2-40B4-BE49-F238E27FC236}">
+                <a16:creationId xmlns:a16="http://schemas.microsoft.com/office/drawing/2014/main" id="{3CBA2686-67F7-4D24-9433-688BEE52A7E0}"/>
+              </a:ext>
+            </a:extLst>
+          </p:cNvPr>
+          <p:cNvSpPr/>
+          <p:nvPr/>
+        </p:nvSpPr>
+        <p:spPr>
+          <a:xfrm>
+            <a:off x="77118" y="121186"/>
+            <a:ext cx="1322024" cy="1163033"/>
+          </a:xfrm>
+          <a:prstGeom prst="rect">
+            <a:avLst/>
+          </a:prstGeom>
+          <a:solidFill>
+            <a:schemeClr val="bg1"/>
+          </a:solidFill>
+          <a:ln>
+            <a:noFill/>
+          </a:ln>
+        </p:spPr>
+        <p:style>
+          <a:lnRef idx="2">
+            <a:schemeClr val="accent1">
+              <a:shade val="50000"/>
+            </a:schemeClr>
+          </a:lnRef>
+          <a:fillRef idx="1">
+            <a:schemeClr val="accent1"/>
+          </a:fillRef>
+          <a:effectRef idx="0">
+            <a:schemeClr val="accent1"/>
+          </a:effectRef>
+          <a:fontRef idx="minor">
+            <a:schemeClr val="lt1"/>
+          </a:fontRef>
+        </p:style>
+        <p:txBody>
+          <a:bodyPr rtlCol="0" anchor="ctr"/>
+          <a:lstStyle/>
+          <a:p>
+            <a:pPr algn="ctr"/>
+            <a:endParaRPr lang="pt-BR"/>
+          </a:p>
+        </p:txBody>
+      </p:sp>
       <p:sp>
         <p:nvSpPr>
           <p:cNvPr id="1445" name="Google Shape;1445;p61"/>
@@ -46763,64 +41343,6 @@
               <a:buNone/>
             </a:pPr>
             <a:endParaRPr dirty="0"/>
-          </a:p>
-        </p:txBody>
-      </p:sp>
-      <p:sp>
-        <p:nvSpPr>
-          <p:cNvPr id="1456" name="Google Shape;1456;p61"/>
-          <p:cNvSpPr txBox="1"/>
-          <p:nvPr/>
-        </p:nvSpPr>
-        <p:spPr>
-          <a:xfrm>
-            <a:off x="720000" y="4276725"/>
-            <a:ext cx="3118500" cy="457200"/>
-          </a:xfrm>
-          <a:prstGeom prst="rect">
-            <a:avLst/>
-          </a:prstGeom>
-          <a:noFill/>
-          <a:ln>
-            <a:noFill/>
-          </a:ln>
-        </p:spPr>
-        <p:txBody>
-          <a:bodyPr spcFirstLastPara="1" wrap="square" lIns="91425" tIns="91425" rIns="91425" bIns="91425" anchor="t" anchorCtr="0">
-            <a:noAutofit/>
-          </a:bodyPr>
-          <a:lstStyle/>
-          <a:p>
-            <a:pPr marL="0" lvl="0" indent="0" algn="l" rtl="0">
-              <a:spcBef>
-                <a:spcPts val="0"/>
-              </a:spcBef>
-              <a:spcAft>
-                <a:spcPts val="0"/>
-              </a:spcAft>
-              <a:buNone/>
-            </a:pPr>
-            <a:r>
-              <a:rPr lang="en" sz="1100" b="1">
-                <a:solidFill>
-                  <a:srgbClr val="FFFFFF"/>
-                </a:solidFill>
-                <a:latin typeface="Open Sans"/>
-                <a:ea typeface="Open Sans"/>
-                <a:cs typeface="Open Sans"/>
-                <a:sym typeface="Open Sans"/>
-              </a:rPr>
-              <a:t>Please keep this slide for attribution</a:t>
-            </a:r>
-            <a:endParaRPr sz="1100" b="1">
-              <a:solidFill>
-                <a:srgbClr val="FFFFFF"/>
-              </a:solidFill>
-              <a:latin typeface="Open Sans"/>
-              <a:ea typeface="Open Sans"/>
-              <a:cs typeface="Open Sans"/>
-              <a:sym typeface="Open Sans"/>
-            </a:endParaRPr>
           </a:p>
         </p:txBody>
       </p:sp>
@@ -46913,7 +41435,7 @@
         </p:blipFill>
         <p:spPr bwMode="auto">
           <a:xfrm>
-            <a:off x="1597698" y="3208623"/>
+            <a:off x="2052509" y="3189713"/>
             <a:ext cx="1782618" cy="1296702"/>
           </a:xfrm>
           <a:prstGeom prst="rect">
@@ -46929,86 +41451,6 @@
               </a14:hiddenFill>
             </a:ext>
           </a:extLst>
-        </p:spPr>
-      </p:pic>
-      <p:sp>
-        <p:nvSpPr>
-          <p:cNvPr id="8" name="TextBox 7">
-            <a:extLst>
-              <a:ext uri="{FF2B5EF4-FFF2-40B4-BE49-F238E27FC236}">
-                <a16:creationId xmlns:a16="http://schemas.microsoft.com/office/drawing/2014/main" id="{26BEA6E8-84E3-4306-AD63-191D8F6617F7}"/>
-              </a:ext>
-            </a:extLst>
-          </p:cNvPr>
-          <p:cNvSpPr txBox="1"/>
-          <p:nvPr/>
-        </p:nvSpPr>
-        <p:spPr>
-          <a:xfrm>
-            <a:off x="8068191" y="4787847"/>
-            <a:ext cx="1493003" cy="307777"/>
-          </a:xfrm>
-          <a:prstGeom prst="rect">
-            <a:avLst/>
-          </a:prstGeom>
-          <a:noFill/>
-        </p:spPr>
-        <p:txBody>
-          <a:bodyPr wrap="square">
-            <a:spAutoFit/>
-          </a:bodyPr>
-          <a:lstStyle/>
-          <a:p>
-            <a:r>
-              <a:rPr lang="pt-BR" dirty="0">
-                <a:solidFill>
-                  <a:schemeClr val="bg2"/>
-                </a:solidFill>
-                <a:latin typeface="Aharoni" panose="02010803020104030203" pitchFamily="2" charset="-79"/>
-                <a:cs typeface="Aharoni" panose="02010803020104030203" pitchFamily="2" charset="-79"/>
-              </a:rPr>
-              <a:t>FastTech</a:t>
-            </a:r>
-            <a:endParaRPr lang="pt-BR" sz="1200" dirty="0">
-              <a:solidFill>
-                <a:schemeClr val="bg2"/>
-              </a:solidFill>
-              <a:latin typeface="Aharoni" panose="02010803020104030203" pitchFamily="2" charset="-79"/>
-              <a:cs typeface="Aharoni" panose="02010803020104030203" pitchFamily="2" charset="-79"/>
-            </a:endParaRPr>
-          </a:p>
-        </p:txBody>
-      </p:sp>
-      <p:pic>
-        <p:nvPicPr>
-          <p:cNvPr id="9" name="Picture 8" descr="Icon&#10;&#10;Description automatically generated">
-            <a:extLst>
-              <a:ext uri="{FF2B5EF4-FFF2-40B4-BE49-F238E27FC236}">
-                <a16:creationId xmlns:a16="http://schemas.microsoft.com/office/drawing/2014/main" id="{F410BEA5-8870-4AD8-97E6-AFEB4588EF52}"/>
-              </a:ext>
-            </a:extLst>
-          </p:cNvPr>
-          <p:cNvPicPr>
-            <a:picLocks noChangeAspect="1"/>
-          </p:cNvPicPr>
-          <p:nvPr/>
-        </p:nvPicPr>
-        <p:blipFill>
-          <a:blip r:embed="rId6">
-            <a:biLevel thresh="25000"/>
-          </a:blip>
-          <a:stretch>
-            <a:fillRect/>
-          </a:stretch>
-        </p:blipFill>
-        <p:spPr>
-          <a:xfrm>
-            <a:off x="7732394" y="4761486"/>
-            <a:ext cx="335797" cy="334138"/>
-          </a:xfrm>
-          <a:prstGeom prst="rect">
-            <a:avLst/>
-          </a:prstGeom>
         </p:spPr>
       </p:pic>
       <p:sp>
@@ -47050,6 +41492,81 @@
           </a:p>
         </p:txBody>
       </p:sp>
+      <p:pic>
+        <p:nvPicPr>
+          <p:cNvPr id="10" name="Picture 16" descr="Icon&#10;&#10;Description automatically generated">
+            <a:extLst>
+              <a:ext uri="{FF2B5EF4-FFF2-40B4-BE49-F238E27FC236}">
+                <a16:creationId xmlns:a16="http://schemas.microsoft.com/office/drawing/2014/main" id="{29FA9CFA-4712-4C3E-9F7F-B14C509CFC6C}"/>
+              </a:ext>
+            </a:extLst>
+          </p:cNvPr>
+          <p:cNvPicPr>
+            <a:picLocks noChangeAspect="1"/>
+          </p:cNvPicPr>
+          <p:nvPr/>
+        </p:nvPicPr>
+        <p:blipFill>
+          <a:blip r:embed="rId6"/>
+          <a:stretch>
+            <a:fillRect/>
+          </a:stretch>
+        </p:blipFill>
+        <p:spPr>
+          <a:xfrm>
+            <a:off x="201176" y="210839"/>
+            <a:ext cx="388195" cy="386277"/>
+          </a:xfrm>
+          <a:prstGeom prst="rect">
+            <a:avLst/>
+          </a:prstGeom>
+        </p:spPr>
+      </p:pic>
+      <p:sp>
+        <p:nvSpPr>
+          <p:cNvPr id="12" name="TextBox 17">
+            <a:extLst>
+              <a:ext uri="{FF2B5EF4-FFF2-40B4-BE49-F238E27FC236}">
+                <a16:creationId xmlns:a16="http://schemas.microsoft.com/office/drawing/2014/main" id="{08A459D7-CC00-45D4-933A-ECFC43EF04EF}"/>
+              </a:ext>
+            </a:extLst>
+          </p:cNvPr>
+          <p:cNvSpPr txBox="1"/>
+          <p:nvPr/>
+        </p:nvSpPr>
+        <p:spPr>
+          <a:xfrm>
+            <a:off x="517184" y="251322"/>
+            <a:ext cx="1617074" cy="369332"/>
+          </a:xfrm>
+          <a:prstGeom prst="rect">
+            <a:avLst/>
+          </a:prstGeom>
+          <a:noFill/>
+        </p:spPr>
+        <p:txBody>
+          <a:bodyPr wrap="square">
+            <a:spAutoFit/>
+          </a:bodyPr>
+          <a:lstStyle/>
+          <a:p>
+            <a:r>
+              <a:rPr lang="pt-BR" sz="1800" dirty="0">
+                <a:solidFill>
+                  <a:srgbClr val="5879FA"/>
+                </a:solidFill>
+                <a:latin typeface="Aharoni" panose="02010803020104030203" pitchFamily="2" charset="-79"/>
+                <a:cs typeface="Aharoni" panose="02010803020104030203" pitchFamily="2" charset="-79"/>
+              </a:rPr>
+              <a:t>FastTech</a:t>
+            </a:r>
+            <a:endParaRPr lang="pt-BR" sz="1800" dirty="0">
+              <a:latin typeface="Aharoni" panose="02010803020104030203" pitchFamily="2" charset="-79"/>
+              <a:cs typeface="Aharoni" panose="02010803020104030203" pitchFamily="2" charset="-79"/>
+            </a:endParaRPr>
+          </a:p>
+        </p:txBody>
+      </p:sp>
     </p:spTree>
   </p:cSld>
   <p:clrMapOvr>
@@ -47080,6 +41597,58 @@
       </p:grpSpPr>
       <p:sp>
         <p:nvSpPr>
+          <p:cNvPr id="2" name="Retângulo 1">
+            <a:extLst>
+              <a:ext uri="{FF2B5EF4-FFF2-40B4-BE49-F238E27FC236}">
+                <a16:creationId xmlns:a16="http://schemas.microsoft.com/office/drawing/2014/main" id="{FAEC1406-A4FA-4778-BFAF-1FE23E2449F8}"/>
+              </a:ext>
+            </a:extLst>
+          </p:cNvPr>
+          <p:cNvSpPr/>
+          <p:nvPr/>
+        </p:nvSpPr>
+        <p:spPr>
+          <a:xfrm>
+            <a:off x="201176" y="77118"/>
+            <a:ext cx="779325" cy="749920"/>
+          </a:xfrm>
+          <a:prstGeom prst="rect">
+            <a:avLst/>
+          </a:prstGeom>
+          <a:solidFill>
+            <a:schemeClr val="bg1"/>
+          </a:solidFill>
+          <a:ln>
+            <a:noFill/>
+          </a:ln>
+        </p:spPr>
+        <p:style>
+          <a:lnRef idx="2">
+            <a:schemeClr val="accent1">
+              <a:shade val="50000"/>
+            </a:schemeClr>
+          </a:lnRef>
+          <a:fillRef idx="1">
+            <a:schemeClr val="accent1"/>
+          </a:fillRef>
+          <a:effectRef idx="0">
+            <a:schemeClr val="accent1"/>
+          </a:effectRef>
+          <a:fontRef idx="minor">
+            <a:schemeClr val="lt1"/>
+          </a:fontRef>
+        </p:style>
+        <p:txBody>
+          <a:bodyPr rtlCol="0" anchor="ctr"/>
+          <a:lstStyle/>
+          <a:p>
+            <a:pPr algn="ctr"/>
+            <a:endParaRPr lang="pt-BR"/>
+          </a:p>
+        </p:txBody>
+      </p:sp>
+      <p:sp>
+        <p:nvSpPr>
           <p:cNvPr id="792" name="Google Shape;792;p36"/>
           <p:cNvSpPr txBox="1">
             <a:spLocks noGrp="1"/>
@@ -47126,58 +41695,12 @@
           </a:p>
         </p:txBody>
       </p:sp>
-      <p:sp>
-        <p:nvSpPr>
-          <p:cNvPr id="793" name="Google Shape;793;p36"/>
-          <p:cNvSpPr txBox="1">
-            <a:spLocks noGrp="1"/>
-          </p:cNvSpPr>
-          <p:nvPr>
-            <p:ph type="body" idx="1"/>
-          </p:nvPr>
-        </p:nvSpPr>
-        <p:spPr>
-          <a:xfrm>
-            <a:off x="720000" y="1069475"/>
-            <a:ext cx="7704000" cy="3534300"/>
-          </a:xfrm>
-          <a:prstGeom prst="rect">
-            <a:avLst/>
-          </a:prstGeom>
-        </p:spPr>
-        <p:txBody>
-          <a:bodyPr spcFirstLastPara="1" wrap="square" lIns="91425" tIns="91425" rIns="91425" bIns="91425" anchor="t" anchorCtr="0">
-            <a:noAutofit/>
-          </a:bodyPr>
-          <a:lstStyle/>
-          <a:p>
-            <a:pPr marL="0" lvl="0" indent="0" algn="l" rtl="0">
-              <a:spcBef>
-                <a:spcPts val="0"/>
-              </a:spcBef>
-              <a:spcAft>
-                <a:spcPts val="0"/>
-              </a:spcAft>
-              <a:buNone/>
-            </a:pPr>
-            <a:r>
-              <a:rPr lang="pt-BR" dirty="0"/>
-              <a:t>{"A?":"B","a":5,"d":"B","h":"www.canva.com","c":"DAEoxh-r-no","i":"ud7kbha_w7o9UopPnT5pBQ","b":1637791911699,"A":[{"A?":"I","A":260.0355116461657,"B":315.8014079778461,"D":301.5665601193166,"C":306.09005852110636,"a":{"B":{"A":{"A":"MAEo3GUGR48","B":1},"B":{"D":301.5665601193166,"C":3</a:t>
-            </a:r>
-            <a:r>
-              <a:rPr lang="en" dirty="0"/>
-              <a:t>the presentation.</a:t>
-            </a:r>
-            <a:endParaRPr dirty="0"/>
-          </a:p>
-        </p:txBody>
-      </p:sp>
       <p:pic>
         <p:nvPicPr>
-          <p:cNvPr id="4" name="Picture 3" descr="Icon&#10;&#10;Description automatically generated">
+          <p:cNvPr id="5" name="Picture 4" descr="A person with a beard and glasses&#10;&#10;Description automatically generated with low confidence">
             <a:extLst>
               <a:ext uri="{FF2B5EF4-FFF2-40B4-BE49-F238E27FC236}">
-                <a16:creationId xmlns:a16="http://schemas.microsoft.com/office/drawing/2014/main" id="{9F05FBA9-0211-4CF8-BCFF-D39DFF6A30A0}"/>
+                <a16:creationId xmlns:a16="http://schemas.microsoft.com/office/drawing/2014/main" id="{46E3A6F0-4748-456F-96E4-B87B19EFCB1B}"/>
               </a:ext>
             </a:extLst>
           </p:cNvPr>
@@ -47194,83 +41717,8 @@
         </p:blipFill>
         <p:spPr>
           <a:xfrm>
-            <a:off x="130629" y="4693621"/>
-            <a:ext cx="335797" cy="334138"/>
-          </a:xfrm>
-          <a:prstGeom prst="rect">
-            <a:avLst/>
-          </a:prstGeom>
-        </p:spPr>
-      </p:pic>
-      <p:sp>
-        <p:nvSpPr>
-          <p:cNvPr id="6" name="TextBox 5">
-            <a:extLst>
-              <a:ext uri="{FF2B5EF4-FFF2-40B4-BE49-F238E27FC236}">
-                <a16:creationId xmlns:a16="http://schemas.microsoft.com/office/drawing/2014/main" id="{DE31E261-64A8-47FF-994B-FF6BDF6944F5}"/>
-              </a:ext>
-            </a:extLst>
-          </p:cNvPr>
-          <p:cNvSpPr txBox="1"/>
-          <p:nvPr/>
-        </p:nvSpPr>
-        <p:spPr>
-          <a:xfrm>
-            <a:off x="466426" y="4722190"/>
-            <a:ext cx="1493003" cy="276999"/>
-          </a:xfrm>
-          <a:prstGeom prst="rect">
-            <a:avLst/>
-          </a:prstGeom>
-          <a:noFill/>
-        </p:spPr>
-        <p:txBody>
-          <a:bodyPr wrap="square">
-            <a:spAutoFit/>
-          </a:bodyPr>
-          <a:lstStyle/>
-          <a:p>
-            <a:r>
-              <a:rPr lang="pt-BR" sz="1200" dirty="0">
-                <a:solidFill>
-                  <a:srgbClr val="5879FA"/>
-                </a:solidFill>
-                <a:latin typeface="Aharoni" panose="02010803020104030203" pitchFamily="2" charset="-79"/>
-                <a:cs typeface="Aharoni" panose="02010803020104030203" pitchFamily="2" charset="-79"/>
-              </a:rPr>
-              <a:t>FastTech</a:t>
-            </a:r>
-            <a:endParaRPr lang="pt-BR" sz="1200" dirty="0">
-              <a:latin typeface="Aharoni" panose="02010803020104030203" pitchFamily="2" charset="-79"/>
-              <a:cs typeface="Aharoni" panose="02010803020104030203" pitchFamily="2" charset="-79"/>
-            </a:endParaRPr>
-          </a:p>
-        </p:txBody>
-      </p:sp>
-      <p:pic>
-        <p:nvPicPr>
-          <p:cNvPr id="5" name="Picture 4" descr="A person with a beard and glasses&#10;&#10;Description automatically generated with low confidence">
-            <a:extLst>
-              <a:ext uri="{FF2B5EF4-FFF2-40B4-BE49-F238E27FC236}">
-                <a16:creationId xmlns:a16="http://schemas.microsoft.com/office/drawing/2014/main" id="{46E3A6F0-4748-456F-96E4-B87B19EFCB1B}"/>
-              </a:ext>
-            </a:extLst>
-          </p:cNvPr>
-          <p:cNvPicPr>
-            <a:picLocks noChangeAspect="1"/>
-          </p:cNvPicPr>
-          <p:nvPr/>
-        </p:nvPicPr>
-        <p:blipFill>
-          <a:blip r:embed="rId4"/>
-          <a:stretch>
-            <a:fillRect/>
-          </a:stretch>
-        </p:blipFill>
-        <p:spPr>
-          <a:xfrm>
-            <a:off x="771126" y="1224532"/>
-            <a:ext cx="1320780" cy="1295466"/>
+            <a:off x="1248061" y="1013848"/>
+            <a:ext cx="1606905" cy="1576107"/>
           </a:xfrm>
           <a:prstGeom prst="rect">
             <a:avLst/>
@@ -47292,15 +41740,15 @@
           <p:nvPr/>
         </p:nvPicPr>
         <p:blipFill>
-          <a:blip r:embed="rId5"/>
+          <a:blip r:embed="rId4"/>
           <a:stretch>
             <a:fillRect/>
           </a:stretch>
         </p:blipFill>
         <p:spPr>
           <a:xfrm>
-            <a:off x="3493435" y="1224532"/>
-            <a:ext cx="1561036" cy="1442657"/>
+            <a:off x="3537501" y="943340"/>
+            <a:ext cx="1899209" cy="1755185"/>
           </a:xfrm>
           <a:prstGeom prst="rect">
             <a:avLst/>
@@ -47322,15 +41770,15 @@
           <p:nvPr/>
         </p:nvPicPr>
         <p:blipFill>
-          <a:blip r:embed="rId6"/>
+          <a:blip r:embed="rId5"/>
           <a:stretch>
             <a:fillRect/>
           </a:stretch>
         </p:blipFill>
         <p:spPr>
           <a:xfrm>
-            <a:off x="6263038" y="1169126"/>
-            <a:ext cx="1371906" cy="1417637"/>
+            <a:off x="6026432" y="925657"/>
+            <a:ext cx="1669107" cy="1724745"/>
           </a:xfrm>
           <a:prstGeom prst="rect">
             <a:avLst/>
@@ -47352,15 +41800,15 @@
           <p:nvPr/>
         </p:nvPicPr>
         <p:blipFill>
-          <a:blip r:embed="rId7"/>
+          <a:blip r:embed="rId6"/>
           <a:stretch>
             <a:fillRect/>
           </a:stretch>
         </p:blipFill>
         <p:spPr>
           <a:xfrm>
-            <a:off x="720000" y="3067070"/>
-            <a:ext cx="1318539" cy="1295465"/>
+            <a:off x="1196936" y="2856387"/>
+            <a:ext cx="1604179" cy="1576106"/>
           </a:xfrm>
           <a:prstGeom prst="rect">
             <a:avLst/>
@@ -47382,15 +41830,15 @@
           <p:nvPr/>
         </p:nvPicPr>
         <p:blipFill>
-          <a:blip r:embed="rId8"/>
+          <a:blip r:embed="rId7"/>
           <a:stretch>
             <a:fillRect/>
           </a:stretch>
         </p:blipFill>
         <p:spPr>
           <a:xfrm>
-            <a:off x="3601138" y="3110083"/>
-            <a:ext cx="1276320" cy="1295465"/>
+            <a:off x="3645205" y="2860779"/>
+            <a:ext cx="1552814" cy="1576106"/>
           </a:xfrm>
           <a:prstGeom prst="rect">
             <a:avLst/>
@@ -47412,15 +41860,15 @@
           <p:nvPr/>
         </p:nvPicPr>
         <p:blipFill>
-          <a:blip r:embed="rId9"/>
+          <a:blip r:embed="rId8"/>
           <a:stretch>
             <a:fillRect/>
           </a:stretch>
         </p:blipFill>
         <p:spPr>
           <a:xfrm>
-            <a:off x="6440057" y="3110084"/>
-            <a:ext cx="1237705" cy="1295465"/>
+            <a:off x="6203452" y="2893081"/>
+            <a:ext cx="1505834" cy="1576107"/>
           </a:xfrm>
           <a:prstGeom prst="rect">
             <a:avLst/>
@@ -47441,8 +41889,8 @@
         </p:nvSpPr>
         <p:spPr>
           <a:xfrm>
-            <a:off x="771126" y="2505137"/>
-            <a:ext cx="1978654" cy="276999"/>
+            <a:off x="1248061" y="2566222"/>
+            <a:ext cx="2407297" cy="285871"/>
           </a:xfrm>
           <a:prstGeom prst="rect">
             <a:avLst/>
@@ -47479,8 +41927,8 @@
         </p:nvSpPr>
         <p:spPr>
           <a:xfrm>
-            <a:off x="720000" y="4294163"/>
-            <a:ext cx="1978654" cy="276999"/>
+            <a:off x="1196935" y="4355248"/>
+            <a:ext cx="2407297" cy="285871"/>
           </a:xfrm>
           <a:prstGeom prst="rect">
             <a:avLst/>
@@ -47517,8 +41965,8 @@
         </p:nvSpPr>
         <p:spPr>
           <a:xfrm>
-            <a:off x="3660853" y="2528689"/>
-            <a:ext cx="1561035" cy="276999"/>
+            <a:off x="3894345" y="2542461"/>
+            <a:ext cx="1899208" cy="285871"/>
           </a:xfrm>
           <a:prstGeom prst="rect">
             <a:avLst/>
@@ -47555,8 +42003,8 @@
         </p:nvSpPr>
         <p:spPr>
           <a:xfrm>
-            <a:off x="3320451" y="4347832"/>
-            <a:ext cx="1907004" cy="276999"/>
+            <a:off x="3537501" y="4370296"/>
+            <a:ext cx="2320125" cy="285871"/>
           </a:xfrm>
           <a:prstGeom prst="rect">
             <a:avLst/>
@@ -47593,8 +42041,8 @@
         </p:nvSpPr>
         <p:spPr>
           <a:xfrm>
-            <a:off x="6482874" y="4312128"/>
-            <a:ext cx="1152070" cy="276999"/>
+            <a:off x="6323535" y="4355248"/>
+            <a:ext cx="1401647" cy="285871"/>
           </a:xfrm>
           <a:prstGeom prst="rect">
             <a:avLst/>
@@ -47631,8 +42079,8 @@
         </p:nvSpPr>
         <p:spPr>
           <a:xfrm>
-            <a:off x="6430455" y="2519998"/>
-            <a:ext cx="1237705" cy="276999"/>
+            <a:off x="6271442" y="2574764"/>
+            <a:ext cx="1505834" cy="285871"/>
           </a:xfrm>
           <a:prstGeom prst="rect">
             <a:avLst/>
@@ -47655,14 +42103,98 @@
           </a:p>
         </p:txBody>
       </p:sp>
+      <p:pic>
+        <p:nvPicPr>
+          <p:cNvPr id="19" name="Picture 20" descr="Icon&#10;&#10;Description automatically generated">
+            <a:extLst>
+              <a:ext uri="{FF2B5EF4-FFF2-40B4-BE49-F238E27FC236}">
+                <a16:creationId xmlns:a16="http://schemas.microsoft.com/office/drawing/2014/main" id="{FE153E50-056F-4351-B614-2999B4606B4C}"/>
+              </a:ext>
+            </a:extLst>
+          </p:cNvPr>
+          <p:cNvPicPr>
+            <a:picLocks noChangeAspect="1"/>
+          </p:cNvPicPr>
+          <p:nvPr/>
+        </p:nvPicPr>
+        <p:blipFill>
+          <a:blip r:embed="rId9"/>
+          <a:stretch>
+            <a:fillRect/>
+          </a:stretch>
+        </p:blipFill>
+        <p:spPr>
+          <a:xfrm>
+            <a:off x="201176" y="210839"/>
+            <a:ext cx="388195" cy="386277"/>
+          </a:xfrm>
+          <a:prstGeom prst="rect">
+            <a:avLst/>
+          </a:prstGeom>
+        </p:spPr>
+      </p:pic>
+      <p:sp>
+        <p:nvSpPr>
+          <p:cNvPr id="20" name="TextBox 21">
+            <a:extLst>
+              <a:ext uri="{FF2B5EF4-FFF2-40B4-BE49-F238E27FC236}">
+                <a16:creationId xmlns:a16="http://schemas.microsoft.com/office/drawing/2014/main" id="{F84889A5-99B6-45D9-8924-C404934D56B2}"/>
+              </a:ext>
+            </a:extLst>
+          </p:cNvPr>
+          <p:cNvSpPr txBox="1"/>
+          <p:nvPr/>
+        </p:nvSpPr>
+        <p:spPr>
+          <a:xfrm>
+            <a:off x="517184" y="251322"/>
+            <a:ext cx="1617074" cy="369332"/>
+          </a:xfrm>
+          <a:prstGeom prst="rect">
+            <a:avLst/>
+          </a:prstGeom>
+          <a:noFill/>
+        </p:spPr>
+        <p:txBody>
+          <a:bodyPr wrap="square">
+            <a:spAutoFit/>
+          </a:bodyPr>
+          <a:lstStyle/>
+          <a:p>
+            <a:r>
+              <a:rPr lang="pt-BR" sz="1800" dirty="0">
+                <a:solidFill>
+                  <a:srgbClr val="5879FA"/>
+                </a:solidFill>
+                <a:latin typeface="Aharoni" panose="02010803020104030203" pitchFamily="2" charset="-79"/>
+                <a:cs typeface="Aharoni" panose="02010803020104030203" pitchFamily="2" charset="-79"/>
+              </a:rPr>
+              <a:t>FastTech</a:t>
+            </a:r>
+            <a:endParaRPr lang="pt-BR" sz="1800" dirty="0">
+              <a:latin typeface="Aharoni" panose="02010803020104030203" pitchFamily="2" charset="-79"/>
+              <a:cs typeface="Aharoni" panose="02010803020104030203" pitchFamily="2" charset="-79"/>
+            </a:endParaRPr>
+          </a:p>
+        </p:txBody>
+      </p:sp>
     </p:spTree>
   </p:cSld>
   <p:clrMapOvr>
     <a:masterClrMapping/>
   </p:clrMapOvr>
-  <p:transition spd="slow">
-    <p:randomBar dir="vert"/>
-  </p:transition>
+  <mc:AlternateContent xmlns:mc="http://schemas.openxmlformats.org/markup-compatibility/2006" xmlns:p159="http://schemas.microsoft.com/office/powerpoint/2015/09/main">
+    <mc:Choice Requires="p159">
+      <p:transition xmlns:p14="http://schemas.microsoft.com/office/powerpoint/2010/main" spd="slow" p14:dur="2000">
+        <p159:morph option="byObject"/>
+      </p:transition>
+    </mc:Choice>
+    <mc:Fallback xmlns="">
+      <p:transition spd="slow">
+        <p:fade/>
+      </p:transition>
+    </mc:Fallback>
+  </mc:AlternateContent>
 </p:sld>
 </file>
 
@@ -47683,6 +42215,51 @@
           <a:chExt cx="0" cy="0"/>
         </a:xfrm>
       </p:grpSpPr>
+      <p:pic>
+        <p:nvPicPr>
+          <p:cNvPr id="9" name="Picture 2" descr="Veja Logo - PNG e Vetor - Download de Logo">
+            <a:extLst>
+              <a:ext uri="{FF2B5EF4-FFF2-40B4-BE49-F238E27FC236}">
+                <a16:creationId xmlns:a16="http://schemas.microsoft.com/office/drawing/2014/main" id="{DA86A8FB-DB65-4D12-9276-9F3753EA45EC}"/>
+              </a:ext>
+            </a:extLst>
+          </p:cNvPr>
+          <p:cNvPicPr>
+            <a:picLocks noChangeAspect="1" noChangeArrowheads="1"/>
+          </p:cNvPicPr>
+          <p:nvPr/>
+        </p:nvPicPr>
+        <p:blipFill rotWithShape="1">
+          <a:blip r:embed="rId3">
+            <a:extLst>
+              <a:ext uri="{28A0092B-C50C-407E-A947-70E740481C1C}">
+                <a14:useLocalDpi xmlns:a14="http://schemas.microsoft.com/office/drawing/2010/main" val="0"/>
+              </a:ext>
+            </a:extLst>
+          </a:blip>
+          <a:srcRect t="21851" b="21851"/>
+          <a:stretch/>
+        </p:blipFill>
+        <p:spPr bwMode="auto">
+          <a:xfrm>
+            <a:off x="5737801" y="3918014"/>
+            <a:ext cx="710700" cy="400110"/>
+          </a:xfrm>
+          <a:prstGeom prst="rect">
+            <a:avLst/>
+          </a:prstGeom>
+          <a:noFill/>
+          <a:extLst>
+            <a:ext uri="{909E8E84-426E-40DD-AFC4-6F175D3DCCD1}">
+              <a14:hiddenFill xmlns:a14="http://schemas.microsoft.com/office/drawing/2010/main">
+                <a:solidFill>
+                  <a:srgbClr val="FFFFFF"/>
+                </a:solidFill>
+              </a14:hiddenFill>
+            </a:ext>
+          </a:extLst>
+        </p:spPr>
+      </p:pic>
       <p:sp>
         <p:nvSpPr>
           <p:cNvPr id="1220" name="Google Shape;1220;p53"/>
@@ -47695,7 +42272,7 @@
         </p:nvSpPr>
         <p:spPr>
           <a:xfrm>
-            <a:off x="573416" y="613496"/>
+            <a:off x="720000" y="597116"/>
             <a:ext cx="7704000" cy="509400"/>
           </a:xfrm>
           <a:prstGeom prst="rect">
@@ -47743,8 +42320,8 @@
         </p:nvSpPr>
         <p:spPr>
           <a:xfrm>
-            <a:off x="4156507" y="1665482"/>
-            <a:ext cx="3511390" cy="2292564"/>
+            <a:off x="3476837" y="1798159"/>
+            <a:ext cx="5232628" cy="1703805"/>
           </a:xfrm>
           <a:prstGeom prst="rect">
             <a:avLst/>
@@ -47756,134 +42333,113 @@
           </a:bodyPr>
           <a:lstStyle/>
           <a:p>
-            <a:pPr marL="0" lvl="0" indent="0" algn="just" rtl="0">
-              <a:spcBef>
-                <a:spcPts val="0"/>
-              </a:spcBef>
-              <a:spcAft>
-                <a:spcPts val="1600"/>
-              </a:spcAft>
-              <a:buNone/>
+            <a:pPr marL="285750" lvl="0" indent="-285750">
+              <a:buClr>
+                <a:srgbClr val="000000"/>
+              </a:buClr>
+              <a:buFont typeface="Arial"/>
+              <a:buChar char="•"/>
             </a:pPr>
             <a:r>
-              <a:rPr lang="pt-BR" sz="1200" dirty="0">
-                <a:latin typeface="Open Sans" panose="020B0606030504020204" pitchFamily="34" charset="0"/>
-                <a:ea typeface="Open Sans" panose="020B0606030504020204" pitchFamily="34" charset="0"/>
-                <a:cs typeface="Open Sans" panose="020B0606030504020204" pitchFamily="34" charset="0"/>
+              <a:rPr lang="pt-BR" sz="1800" b="1" dirty="0">
+                <a:solidFill>
+                  <a:srgbClr val="000000"/>
+                </a:solidFill>
+                <a:latin typeface="Abadi Extra Light" panose="020B0204020104020204" pitchFamily="34" charset="0"/>
+                <a:cs typeface="Aharoni" panose="02010803020104030203" pitchFamily="2" charset="-79"/>
+                <a:sym typeface="Arial"/>
               </a:rPr>
-              <a:t>Segundo a Associação Brasileira de Telesserviços, o setor de call center cresceu aceleradamente durante a pandemia e deve ter faturado mais de 13,5 bilhões de reais em 2021.</a:t>
+              <a:t>Segundo a Associação Brasileira de </a:t>
+            </a:r>
+            <a:r>
+              <a:rPr lang="pt-BR" sz="1800" b="1" dirty="0" err="1">
+                <a:solidFill>
+                  <a:srgbClr val="000000"/>
+                </a:solidFill>
+                <a:latin typeface="Abadi Extra Light" panose="020B0204020104020204" pitchFamily="34" charset="0"/>
+                <a:cs typeface="Aharoni" panose="02010803020104030203" pitchFamily="2" charset="-79"/>
+                <a:sym typeface="Arial"/>
+              </a:rPr>
+              <a:t>Telesserviços</a:t>
+            </a:r>
+            <a:r>
+              <a:rPr lang="pt-BR" sz="1800" b="1" dirty="0">
+                <a:solidFill>
+                  <a:srgbClr val="000000"/>
+                </a:solidFill>
+                <a:latin typeface="Abadi Extra Light" panose="020B0204020104020204" pitchFamily="34" charset="0"/>
+                <a:cs typeface="Aharoni" panose="02010803020104030203" pitchFamily="2" charset="-79"/>
+                <a:sym typeface="Arial"/>
+              </a:rPr>
+              <a:t>, o setor de </a:t>
+            </a:r>
+            <a:r>
+              <a:rPr lang="pt-BR" sz="1800" b="1" dirty="0" err="1">
+                <a:solidFill>
+                  <a:srgbClr val="000000"/>
+                </a:solidFill>
+                <a:latin typeface="Abadi Extra Light" panose="020B0204020104020204" pitchFamily="34" charset="0"/>
+                <a:cs typeface="Aharoni" panose="02010803020104030203" pitchFamily="2" charset="-79"/>
+                <a:sym typeface="Arial"/>
+              </a:rPr>
+              <a:t>call</a:t>
+            </a:r>
+            <a:r>
+              <a:rPr lang="pt-BR" sz="1800" b="1" dirty="0">
+                <a:solidFill>
+                  <a:srgbClr val="000000"/>
+                </a:solidFill>
+                <a:latin typeface="Abadi Extra Light" panose="020B0204020104020204" pitchFamily="34" charset="0"/>
+                <a:cs typeface="Aharoni" panose="02010803020104030203" pitchFamily="2" charset="-79"/>
+                <a:sym typeface="Arial"/>
+              </a:rPr>
+              <a:t> center cresceu aceleradamente durante a pandemia e deve ter faturado mais de 13,5 bilhões de reais em 2021.</a:t>
             </a:r>
           </a:p>
           <a:p>
-            <a:pPr marL="0" lvl="0" indent="0" algn="just" rtl="0">
-              <a:spcBef>
-                <a:spcPts val="0"/>
-              </a:spcBef>
-              <a:spcAft>
-                <a:spcPts val="1600"/>
-              </a:spcAft>
-              <a:buNone/>
+            <a:pPr marL="285750" lvl="0" indent="-285750">
+              <a:buClr>
+                <a:srgbClr val="000000"/>
+              </a:buClr>
+              <a:buFont typeface="Arial"/>
+              <a:buChar char="•"/>
             </a:pPr>
             <a:r>
-              <a:rPr lang="pt-BR" sz="1200" b="0" i="0" dirty="0">
+              <a:rPr lang="pt-BR" sz="1800" b="1" dirty="0">
                 <a:solidFill>
-                  <a:srgbClr val="2F2F2F"/>
+                  <a:srgbClr val="000000"/>
                 </a:solidFill>
-                <a:effectLst/>
-                <a:latin typeface="Open Sans" panose="020B0606030504020204" pitchFamily="34" charset="0"/>
-                <a:ea typeface="Open Sans" panose="020B0606030504020204" pitchFamily="34" charset="0"/>
-                <a:cs typeface="Open Sans" panose="020B0606030504020204" pitchFamily="34" charset="0"/>
+                <a:latin typeface="Abadi Extra Light" panose="020B0204020104020204" pitchFamily="34" charset="0"/>
+                <a:cs typeface="Aharoni" panose="02010803020104030203" pitchFamily="2" charset="-79"/>
+                <a:sym typeface="Arial"/>
               </a:rPr>
-              <a:t>Um exemplo desse crescimento é a AeC, uma das três maiores empresas do ramo no país. A operação, que fechou 2020 com 13.288 novas contratações, um crescimento de 47%.</a:t>
+              <a:t>Um exemplo desse crescimento é a </a:t>
             </a:r>
-            <a:endParaRPr sz="1200" dirty="0">
-              <a:latin typeface="Open Sans" panose="020B0606030504020204" pitchFamily="34" charset="0"/>
-              <a:ea typeface="Open Sans" panose="020B0606030504020204" pitchFamily="34" charset="0"/>
-              <a:cs typeface="Open Sans" panose="020B0606030504020204" pitchFamily="34" charset="0"/>
-            </a:endParaRPr>
+            <a:r>
+              <a:rPr lang="pt-BR" sz="1800" b="1" dirty="0" err="1">
+                <a:solidFill>
+                  <a:srgbClr val="000000"/>
+                </a:solidFill>
+                <a:latin typeface="Abadi Extra Light" panose="020B0204020104020204" pitchFamily="34" charset="0"/>
+                <a:cs typeface="Aharoni" panose="02010803020104030203" pitchFamily="2" charset="-79"/>
+                <a:sym typeface="Arial"/>
+              </a:rPr>
+              <a:t>AeC</a:t>
+            </a:r>
+            <a:r>
+              <a:rPr lang="pt-BR" sz="1800" b="1" dirty="0">
+                <a:solidFill>
+                  <a:srgbClr val="000000"/>
+                </a:solidFill>
+                <a:latin typeface="Abadi Extra Light" panose="020B0204020104020204" pitchFamily="34" charset="0"/>
+                <a:cs typeface="Aharoni" panose="02010803020104030203" pitchFamily="2" charset="-79"/>
+                <a:sym typeface="Arial"/>
+              </a:rPr>
+              <a:t>, uma das três maiores empresas do ramo no país. A operação, que fechou 2020 com 13.288 novas contratações.</a:t>
+            </a:r>
           </a:p>
         </p:txBody>
       </p:sp>
-      <p:sp>
-        <p:nvSpPr>
-          <p:cNvPr id="11" name="TextBox 10">
-            <a:extLst>
-              <a:ext uri="{FF2B5EF4-FFF2-40B4-BE49-F238E27FC236}">
-                <a16:creationId xmlns:a16="http://schemas.microsoft.com/office/drawing/2014/main" id="{93848B2C-E978-487D-8A66-87CFE2115AA2}"/>
-              </a:ext>
-            </a:extLst>
-          </p:cNvPr>
-          <p:cNvSpPr txBox="1"/>
-          <p:nvPr/>
-        </p:nvSpPr>
-        <p:spPr>
-          <a:xfrm>
-            <a:off x="7905600" y="4775858"/>
-            <a:ext cx="1493003" cy="307777"/>
-          </a:xfrm>
-          <a:prstGeom prst="rect">
-            <a:avLst/>
-          </a:prstGeom>
-          <a:noFill/>
-        </p:spPr>
-        <p:txBody>
-          <a:bodyPr wrap="square">
-            <a:spAutoFit/>
-          </a:bodyPr>
-          <a:lstStyle/>
-          <a:p>
-            <a:r>
-              <a:rPr lang="pt-BR" dirty="0">
-                <a:solidFill>
-                  <a:schemeClr val="bg2"/>
-                </a:solidFill>
-                <a:latin typeface="Aharoni" panose="02010803020104030203" pitchFamily="2" charset="-79"/>
-                <a:cs typeface="Aharoni" panose="02010803020104030203" pitchFamily="2" charset="-79"/>
-              </a:rPr>
-              <a:t>FastTech</a:t>
-            </a:r>
-            <a:endParaRPr lang="pt-BR" sz="1200" dirty="0">
-              <a:solidFill>
-                <a:schemeClr val="bg2"/>
-              </a:solidFill>
-              <a:latin typeface="Aharoni" panose="02010803020104030203" pitchFamily="2" charset="-79"/>
-              <a:cs typeface="Aharoni" panose="02010803020104030203" pitchFamily="2" charset="-79"/>
-            </a:endParaRPr>
-          </a:p>
-        </p:txBody>
-      </p:sp>
-      <p:pic>
-        <p:nvPicPr>
-          <p:cNvPr id="12" name="Picture 11" descr="Icon&#10;&#10;Description automatically generated">
-            <a:extLst>
-              <a:ext uri="{FF2B5EF4-FFF2-40B4-BE49-F238E27FC236}">
-                <a16:creationId xmlns:a16="http://schemas.microsoft.com/office/drawing/2014/main" id="{12B33DFB-8194-4A97-A800-2BCD1A9B85C8}"/>
-              </a:ext>
-            </a:extLst>
-          </p:cNvPr>
-          <p:cNvPicPr>
-            <a:picLocks noChangeAspect="1"/>
-          </p:cNvPicPr>
-          <p:nvPr/>
-        </p:nvPicPr>
-        <p:blipFill>
-          <a:blip r:embed="rId3">
-            <a:biLevel thresh="25000"/>
-          </a:blip>
-          <a:stretch>
-            <a:fillRect/>
-          </a:stretch>
-        </p:blipFill>
-        <p:spPr>
-          <a:xfrm>
-            <a:off x="7569803" y="4749497"/>
-            <a:ext cx="335797" cy="334138"/>
-          </a:xfrm>
-          <a:prstGeom prst="rect">
-            <a:avLst/>
-          </a:prstGeom>
-        </p:spPr>
-      </p:pic>
       <p:pic>
         <p:nvPicPr>
           <p:cNvPr id="1028" name="Picture 4" descr="gráfico de barras grátis ícone">
@@ -47933,58 +42489,129 @@
       </p:pic>
       <p:pic>
         <p:nvPicPr>
-          <p:cNvPr id="1026" name="Picture 2" descr="Veja Logo - PNG e Vetor - Download de Logo">
+          <p:cNvPr id="7" name="Picture 20" descr="Icon&#10;&#10;Description automatically generated">
             <a:extLst>
               <a:ext uri="{FF2B5EF4-FFF2-40B4-BE49-F238E27FC236}">
-                <a16:creationId xmlns:a16="http://schemas.microsoft.com/office/drawing/2014/main" id="{33D1168D-F5F5-4748-A4E4-6086B2E6587E}"/>
+                <a16:creationId xmlns:a16="http://schemas.microsoft.com/office/drawing/2014/main" id="{56CEA6C4-F608-41E3-98E7-72C9A2189857}"/>
               </a:ext>
             </a:extLst>
           </p:cNvPr>
           <p:cNvPicPr>
-            <a:picLocks noChangeAspect="1" noChangeArrowheads="1"/>
+            <a:picLocks noChangeAspect="1"/>
           </p:cNvPicPr>
           <p:nvPr/>
         </p:nvPicPr>
         <p:blipFill>
-          <a:blip r:embed="rId5">
-            <a:extLst>
-              <a:ext uri="{28A0092B-C50C-407E-A947-70E740481C1C}">
-                <a14:useLocalDpi xmlns:a14="http://schemas.microsoft.com/office/drawing/2010/main" val="0"/>
-              </a:ext>
-            </a:extLst>
-          </a:blip>
-          <a:srcRect/>
+          <a:blip r:embed="rId5"/>
           <a:stretch>
             <a:fillRect/>
           </a:stretch>
         </p:blipFill>
-        <p:spPr bwMode="auto">
+        <p:spPr>
           <a:xfrm>
-            <a:off x="5427210" y="3614488"/>
-            <a:ext cx="1161370" cy="1161370"/>
+            <a:off x="201176" y="210839"/>
+            <a:ext cx="388195" cy="386277"/>
+          </a:xfrm>
+          <a:prstGeom prst="rect">
+            <a:avLst/>
+          </a:prstGeom>
+        </p:spPr>
+      </p:pic>
+      <p:sp>
+        <p:nvSpPr>
+          <p:cNvPr id="8" name="TextBox 21">
+            <a:extLst>
+              <a:ext uri="{FF2B5EF4-FFF2-40B4-BE49-F238E27FC236}">
+                <a16:creationId xmlns:a16="http://schemas.microsoft.com/office/drawing/2014/main" id="{5291F05F-212C-42D4-A6B0-A63F3F5849A9}"/>
+              </a:ext>
+            </a:extLst>
+          </p:cNvPr>
+          <p:cNvSpPr txBox="1"/>
+          <p:nvPr/>
+        </p:nvSpPr>
+        <p:spPr>
+          <a:xfrm>
+            <a:off x="517184" y="251322"/>
+            <a:ext cx="1617074" cy="369332"/>
           </a:xfrm>
           <a:prstGeom prst="rect">
             <a:avLst/>
           </a:prstGeom>
           <a:noFill/>
-          <a:extLst>
-            <a:ext uri="{909E8E84-426E-40DD-AFC4-6F175D3DCCD1}">
-              <a14:hiddenFill xmlns:a14="http://schemas.microsoft.com/office/drawing/2010/main">
+        </p:spPr>
+        <p:txBody>
+          <a:bodyPr wrap="square">
+            <a:spAutoFit/>
+          </a:bodyPr>
+          <a:lstStyle/>
+          <a:p>
+            <a:r>
+              <a:rPr lang="pt-BR" sz="1800" dirty="0">
                 <a:solidFill>
-                  <a:srgbClr val="FFFFFF"/>
+                  <a:srgbClr val="5879FA"/>
                 </a:solidFill>
-              </a14:hiddenFill>
-            </a:ext>
-          </a:extLst>
+                <a:latin typeface="Aharoni" panose="02010803020104030203" pitchFamily="2" charset="-79"/>
+                <a:cs typeface="Aharoni" panose="02010803020104030203" pitchFamily="2" charset="-79"/>
+              </a:rPr>
+              <a:t>FastTech</a:t>
+            </a:r>
+            <a:endParaRPr lang="pt-BR" sz="1800" dirty="0">
+              <a:latin typeface="Aharoni" panose="02010803020104030203" pitchFamily="2" charset="-79"/>
+              <a:cs typeface="Aharoni" panose="02010803020104030203" pitchFamily="2" charset="-79"/>
+            </a:endParaRPr>
+          </a:p>
+        </p:txBody>
+      </p:sp>
+      <p:sp>
+        <p:nvSpPr>
+          <p:cNvPr id="10" name="CaixaDeTexto 9">
+            <a:extLst>
+              <a:ext uri="{FF2B5EF4-FFF2-40B4-BE49-F238E27FC236}">
+                <a16:creationId xmlns:a16="http://schemas.microsoft.com/office/drawing/2014/main" id="{C849528F-F607-4B4F-9B92-202569126C52}"/>
+              </a:ext>
+            </a:extLst>
+          </p:cNvPr>
+          <p:cNvSpPr txBox="1"/>
+          <p:nvPr/>
+        </p:nvSpPr>
+        <p:spPr>
+          <a:xfrm>
+            <a:off x="5055819" y="3918014"/>
+            <a:ext cx="853491" cy="400110"/>
+          </a:xfrm>
+          <a:prstGeom prst="rect">
+            <a:avLst/>
+          </a:prstGeom>
+          <a:noFill/>
         </p:spPr>
-      </p:pic>
+        <p:txBody>
+          <a:bodyPr wrap="square">
+            <a:spAutoFit/>
+          </a:bodyPr>
+          <a:lstStyle/>
+          <a:p>
+            <a:r>
+              <a:rPr lang="pt-BR" sz="2000" b="1" dirty="0">
+                <a:solidFill>
+                  <a:srgbClr val="000000"/>
+                </a:solidFill>
+                <a:latin typeface="Abadi Extra Light" panose="020B0204020104020204" pitchFamily="34" charset="0"/>
+                <a:cs typeface="Aharoni" panose="02010803020104030203" pitchFamily="2" charset="-79"/>
+                <a:sym typeface="Arial"/>
+              </a:rPr>
+              <a:t>Fonte:</a:t>
+            </a:r>
+            <a:endParaRPr lang="pt-BR" sz="2000" dirty="0"/>
+          </a:p>
+        </p:txBody>
+      </p:sp>
     </p:spTree>
   </p:cSld>
   <p:clrMapOvr>
     <a:masterClrMapping/>
   </p:clrMapOvr>
-  <p:transition spd="slow">
-    <p:wipe/>
+  <p:transition spd="med">
+    <p:pull/>
   </p:transition>
 </p:sld>
 </file>
@@ -48256,8 +42883,8 @@
         </p:nvSpPr>
         <p:spPr>
           <a:xfrm>
-            <a:off x="1205542" y="1478566"/>
-            <a:ext cx="3337676" cy="1703805"/>
+            <a:off x="1415495" y="1719847"/>
+            <a:ext cx="3823659" cy="1703805"/>
           </a:xfrm>
           <a:prstGeom prst="rect">
             <a:avLst/>
@@ -48498,68 +43125,52 @@
           </a:lstStyle>
           <a:p>
             <a:pPr marL="285750" indent="-285750">
-              <a:spcAft>
-                <a:spcPts val="1600"/>
-              </a:spcAft>
-              <a:buFont typeface="Arial" panose="020B0604020202020204" pitchFamily="34" charset="0"/>
+              <a:buFont typeface="Arial"/>
               <a:buChar char="•"/>
             </a:pPr>
             <a:r>
-              <a:rPr lang="pt-BR" dirty="0">
-                <a:latin typeface="Open Sans" panose="020B0606030504020204" pitchFamily="34" charset="0"/>
-                <a:ea typeface="Open Sans" panose="020B0606030504020204" pitchFamily="34" charset="0"/>
-                <a:cs typeface="Open Sans" panose="020B0606030504020204" pitchFamily="34" charset="0"/>
+              <a:rPr lang="pt-BR" sz="2000" b="1" dirty="0">
+                <a:latin typeface="Abadi Extra Light" panose="020B0204020104020204" pitchFamily="34" charset="0"/>
+                <a:cs typeface="Aharoni" panose="02010803020104030203" pitchFamily="2" charset="-79"/>
               </a:rPr>
               <a:t>Marcus Vinicius Garcia Lovato</a:t>
             </a:r>
           </a:p>
           <a:p>
             <a:pPr marL="285750" indent="-285750">
-              <a:spcAft>
-                <a:spcPts val="1600"/>
-              </a:spcAft>
-              <a:buFont typeface="Arial" panose="020B0604020202020204" pitchFamily="34" charset="0"/>
+              <a:buFont typeface="Arial"/>
               <a:buChar char="•"/>
             </a:pPr>
             <a:r>
-              <a:rPr lang="pt-BR" dirty="0">
-                <a:latin typeface="Open Sans" panose="020B0606030504020204" pitchFamily="34" charset="0"/>
-                <a:ea typeface="Open Sans" panose="020B0606030504020204" pitchFamily="34" charset="0"/>
-                <a:cs typeface="Open Sans" panose="020B0606030504020204" pitchFamily="34" charset="0"/>
+              <a:rPr lang="pt-BR" sz="2000" b="1" dirty="0">
+                <a:latin typeface="Abadi Extra Light" panose="020B0204020104020204" pitchFamily="34" charset="0"/>
+                <a:cs typeface="Aharoni" panose="02010803020104030203" pitchFamily="2" charset="-79"/>
               </a:rPr>
               <a:t>Coordenador de Qualidade Júnior</a:t>
             </a:r>
           </a:p>
           <a:p>
             <a:pPr marL="285750" indent="-285750">
-              <a:spcAft>
-                <a:spcPts val="1600"/>
-              </a:spcAft>
-              <a:buFont typeface="Arial" panose="020B0604020202020204" pitchFamily="34" charset="0"/>
+              <a:buFont typeface="Arial"/>
               <a:buChar char="•"/>
             </a:pPr>
             <a:r>
-              <a:rPr lang="pt-BR" dirty="0">
-                <a:latin typeface="Open Sans" panose="020B0606030504020204" pitchFamily="34" charset="0"/>
-                <a:ea typeface="Open Sans" panose="020B0606030504020204" pitchFamily="34" charset="0"/>
-                <a:cs typeface="Open Sans" panose="020B0606030504020204" pitchFamily="34" charset="0"/>
+              <a:rPr lang="pt-BR" sz="2000" b="1" dirty="0">
+                <a:latin typeface="Abadi Extra Light" panose="020B0204020104020204" pitchFamily="34" charset="0"/>
+                <a:cs typeface="Aharoni" panose="02010803020104030203" pitchFamily="2" charset="-79"/>
               </a:rPr>
               <a:t>Operação UOL</a:t>
             </a:r>
           </a:p>
           <a:p>
             <a:pPr marL="285750" indent="-285750">
-              <a:spcAft>
-                <a:spcPts val="1600"/>
-              </a:spcAft>
-              <a:buFont typeface="Arial" panose="020B0604020202020204" pitchFamily="34" charset="0"/>
+              <a:buFont typeface="Arial"/>
               <a:buChar char="•"/>
             </a:pPr>
             <a:r>
-              <a:rPr lang="pt-BR" dirty="0">
-                <a:latin typeface="Open Sans" panose="020B0606030504020204" pitchFamily="34" charset="0"/>
-                <a:ea typeface="Open Sans" panose="020B0606030504020204" pitchFamily="34" charset="0"/>
-                <a:cs typeface="Open Sans" panose="020B0606030504020204" pitchFamily="34" charset="0"/>
+              <a:rPr lang="pt-BR" sz="2000" b="1" dirty="0">
+                <a:latin typeface="Abadi Extra Light" panose="020B0204020104020204" pitchFamily="34" charset="0"/>
+                <a:cs typeface="Aharoni" panose="02010803020104030203" pitchFamily="2" charset="-79"/>
               </a:rPr>
               <a:t>Teleperformance CRM</a:t>
             </a:r>
@@ -48660,14 +43271,150 @@
           </a:extLst>
         </p:spPr>
       </p:pic>
+      <p:pic>
+        <p:nvPicPr>
+          <p:cNvPr id="10" name="Picture 20" descr="Icon&#10;&#10;Description automatically generated">
+            <a:extLst>
+              <a:ext uri="{FF2B5EF4-FFF2-40B4-BE49-F238E27FC236}">
+                <a16:creationId xmlns:a16="http://schemas.microsoft.com/office/drawing/2014/main" id="{7131AC27-D480-402C-A7E0-E802D133806C}"/>
+              </a:ext>
+            </a:extLst>
+          </p:cNvPr>
+          <p:cNvPicPr>
+            <a:picLocks noChangeAspect="1"/>
+          </p:cNvPicPr>
+          <p:nvPr/>
+        </p:nvPicPr>
+        <p:blipFill>
+          <a:blip r:embed="rId3">
+            <a:biLevel thresh="50000"/>
+          </a:blip>
+          <a:stretch>
+            <a:fillRect/>
+          </a:stretch>
+        </p:blipFill>
+        <p:spPr>
+          <a:xfrm>
+            <a:off x="80997" y="149194"/>
+            <a:ext cx="388195" cy="386277"/>
+          </a:xfrm>
+          <a:prstGeom prst="rect">
+            <a:avLst/>
+          </a:prstGeom>
+        </p:spPr>
+      </p:pic>
+      <p:sp>
+        <p:nvSpPr>
+          <p:cNvPr id="11" name="TextBox 21">
+            <a:extLst>
+              <a:ext uri="{FF2B5EF4-FFF2-40B4-BE49-F238E27FC236}">
+                <a16:creationId xmlns:a16="http://schemas.microsoft.com/office/drawing/2014/main" id="{01CC3A98-023E-4DE2-9F12-C47EADE683F7}"/>
+              </a:ext>
+            </a:extLst>
+          </p:cNvPr>
+          <p:cNvSpPr txBox="1"/>
+          <p:nvPr/>
+        </p:nvSpPr>
+        <p:spPr>
+          <a:xfrm>
+            <a:off x="397005" y="189677"/>
+            <a:ext cx="1617074" cy="369332"/>
+          </a:xfrm>
+          <a:prstGeom prst="rect">
+            <a:avLst/>
+          </a:prstGeom>
+          <a:noFill/>
+        </p:spPr>
+        <p:txBody>
+          <a:bodyPr wrap="square">
+            <a:spAutoFit/>
+          </a:bodyPr>
+          <a:lstStyle/>
+          <a:p>
+            <a:r>
+              <a:rPr lang="pt-BR" sz="1800" dirty="0">
+                <a:solidFill>
+                  <a:schemeClr val="tx1"/>
+                </a:solidFill>
+                <a:latin typeface="Aharoni" panose="02010803020104030203" pitchFamily="2" charset="-79"/>
+                <a:cs typeface="Aharoni" panose="02010803020104030203" pitchFamily="2" charset="-79"/>
+              </a:rPr>
+              <a:t>FastTech</a:t>
+            </a:r>
+          </a:p>
+        </p:txBody>
+      </p:sp>
+      <p:sp>
+        <p:nvSpPr>
+          <p:cNvPr id="12" name="Google Shape;1220;p53">
+            <a:extLst>
+              <a:ext uri="{FF2B5EF4-FFF2-40B4-BE49-F238E27FC236}">
+                <a16:creationId xmlns:a16="http://schemas.microsoft.com/office/drawing/2014/main" id="{78447920-DDD9-4499-BB62-2A4C68969CFC}"/>
+              </a:ext>
+            </a:extLst>
+          </p:cNvPr>
+          <p:cNvSpPr txBox="1">
+            <a:spLocks noGrp="1"/>
+          </p:cNvSpPr>
+          <p:nvPr>
+            <p:ph type="title"/>
+          </p:nvPr>
+        </p:nvSpPr>
+        <p:spPr>
+          <a:xfrm>
+            <a:off x="720000" y="375328"/>
+            <a:ext cx="7704000" cy="509400"/>
+          </a:xfrm>
+          <a:prstGeom prst="rect">
+            <a:avLst/>
+          </a:prstGeom>
+        </p:spPr>
+        <p:txBody>
+          <a:bodyPr spcFirstLastPara="1" wrap="square" lIns="91425" tIns="91425" rIns="91425" bIns="91425" anchor="b" anchorCtr="0">
+            <a:noAutofit/>
+          </a:bodyPr>
+          <a:lstStyle/>
+          <a:p>
+            <a:pPr marL="0" lvl="0" indent="0" algn="ctr" rtl="0">
+              <a:spcBef>
+                <a:spcPts val="0"/>
+              </a:spcBef>
+              <a:spcAft>
+                <a:spcPts val="0"/>
+              </a:spcAft>
+              <a:buNone/>
+            </a:pPr>
+            <a:r>
+              <a:rPr lang="pt-BR" sz="2400" dirty="0">
+                <a:latin typeface="Aharoni" panose="02010803020104030203" pitchFamily="2" charset="-79"/>
+                <a:cs typeface="Aharoni" panose="02010803020104030203" pitchFamily="2" charset="-79"/>
+              </a:rPr>
+              <a:t>ESTUDO REALIZADO</a:t>
+            </a:r>
+            <a:endParaRPr sz="2400" dirty="0">
+              <a:latin typeface="Aharoni" panose="02010803020104030203" pitchFamily="2" charset="-79"/>
+              <a:cs typeface="Aharoni" panose="02010803020104030203" pitchFamily="2" charset="-79"/>
+            </a:endParaRPr>
+          </a:p>
+        </p:txBody>
+      </p:sp>
     </p:spTree>
   </p:cSld>
   <p:clrMapOvr>
     <a:masterClrMapping/>
   </p:clrMapOvr>
-  <p:transition spd="med">
-    <p:pull/>
-  </p:transition>
+  <mc:AlternateContent xmlns:mc="http://schemas.openxmlformats.org/markup-compatibility/2006" xmlns:p159="http://schemas.microsoft.com/office/powerpoint/2015/09/main">
+    <mc:Choice Requires="p159">
+      <p:transition xmlns:p14="http://schemas.microsoft.com/office/powerpoint/2010/main" spd="slow" p14:dur="2000">
+        <p159:morph option="byObject"/>
+      </p:transition>
+    </mc:Choice>
+    <mc:Fallback xmlns="">
+      <p:transition spd="slow">
+        <p:fade/>
+      </p:transition>
+    </mc:Fallback>
+  </mc:AlternateContent>
 </p:sld>
 </file>
 
@@ -48903,7 +43650,6 @@
           </a:bodyPr>
           <a:lstStyle/>
           <a:p>
-            <a:pPr algn="just"/>
             <a:r>
               <a:rPr lang="pt-BR" b="1" dirty="0">
                 <a:latin typeface="Abadi Extra Light" panose="020B0204020104020204" pitchFamily="34" charset="0"/>
@@ -49244,7 +43990,6 @@
           </a:bodyPr>
           <a:lstStyle/>
           <a:p>
-            <a:pPr algn="just"/>
             <a:r>
               <a:rPr lang="pt-BR" b="1" dirty="0">
                 <a:latin typeface="Abadi Extra Light" panose="020B0204020104020204" pitchFamily="34" charset="0"/>
@@ -49863,7 +44608,6 @@
           </a:bodyPr>
           <a:lstStyle/>
           <a:p>
-            <a:pPr algn="just"/>
             <a:r>
               <a:rPr lang="pt-BR" b="1" dirty="0">
                 <a:latin typeface="Abadi Extra Light" panose="020B0204020104020204" pitchFamily="34" charset="0"/>
@@ -50176,7 +44920,7 @@
         </p:nvSpPr>
         <p:spPr>
           <a:xfrm>
-            <a:off x="5493634" y="3152351"/>
+            <a:off x="5451068" y="3222274"/>
             <a:ext cx="2882405" cy="501299"/>
           </a:xfrm>
           <a:prstGeom prst="rect">
@@ -50449,7 +45193,7 @@
                 <a:latin typeface="Aharoni" panose="02010803020104030203" pitchFamily="2" charset="-79"/>
                 <a:cs typeface="Aharoni" panose="02010803020104030203" pitchFamily="2" charset="-79"/>
               </a:rPr>
-              <a:t>Para o projeto R</a:t>
+              <a:t>Para meu projeto R</a:t>
             </a:r>
             <a:r>
               <a:rPr lang="pt-BR" sz="2800" dirty="0">
@@ -50493,7 +45237,6 @@
           </a:bodyPr>
           <a:lstStyle/>
           <a:p>
-            <a:pPr algn="just"/>
             <a:r>
               <a:rPr lang="pt-BR" b="1" dirty="0">
                 <a:latin typeface="Abadi Extra Light" panose="020B0204020104020204" pitchFamily="34" charset="0"/>
@@ -50506,10 +45249,10 @@
       </p:sp>
       <p:pic>
         <p:nvPicPr>
-          <p:cNvPr id="21" name="Picture 20" descr="Icon&#10;&#10;Description automatically generated">
+          <p:cNvPr id="17" name="Picture 20" descr="Icon&#10;&#10;Description automatically generated">
             <a:extLst>
               <a:ext uri="{FF2B5EF4-FFF2-40B4-BE49-F238E27FC236}">
-                <a16:creationId xmlns:a16="http://schemas.microsoft.com/office/drawing/2014/main" id="{59C11FC9-2457-4A6C-B1DE-9ADF01319CFB}"/>
+                <a16:creationId xmlns:a16="http://schemas.microsoft.com/office/drawing/2014/main" id="{D0A91466-EF28-4072-A6BE-A4C70CB42104}"/>
               </a:ext>
             </a:extLst>
           </p:cNvPr>
@@ -50536,10 +45279,10 @@
       </p:pic>
       <p:sp>
         <p:nvSpPr>
-          <p:cNvPr id="22" name="TextBox 21">
+          <p:cNvPr id="19" name="TextBox 21">
             <a:extLst>
               <a:ext uri="{FF2B5EF4-FFF2-40B4-BE49-F238E27FC236}">
-                <a16:creationId xmlns:a16="http://schemas.microsoft.com/office/drawing/2014/main" id="{75A05DEF-06E2-45F9-BEA3-84634295512B}"/>
+                <a16:creationId xmlns:a16="http://schemas.microsoft.com/office/drawing/2014/main" id="{6168A5D4-F669-4AEC-B18A-71A4CBA2102A}"/>
               </a:ext>
             </a:extLst>
           </p:cNvPr>
@@ -50584,15 +45327,15 @@
   <p:clrMapOvr>
     <a:masterClrMapping/>
   </p:clrMapOvr>
-  <mc:AlternateContent xmlns:mc="http://schemas.openxmlformats.org/markup-compatibility/2006" xmlns:p14="http://schemas.microsoft.com/office/powerpoint/2010/main">
-    <mc:Choice Requires="p14">
-      <p:transition spd="slow" p14:dur="1500">
-        <p:split orient="vert"/>
+  <mc:AlternateContent xmlns:mc="http://schemas.openxmlformats.org/markup-compatibility/2006" xmlns:p159="http://schemas.microsoft.com/office/powerpoint/2015/09/main">
+    <mc:Choice Requires="p159">
+      <p:transition xmlns:p14="http://schemas.microsoft.com/office/powerpoint/2010/main" spd="slow" p14:dur="2000">
+        <p159:morph option="byObject"/>
       </p:transition>
     </mc:Choice>
     <mc:Fallback xmlns="">
       <p:transition spd="slow">
-        <p:split orient="vert"/>
+        <p:fade/>
       </p:transition>
     </mc:Fallback>
   </mc:AlternateContent>
@@ -50628,7 +45371,7 @@
         </p:nvSpPr>
         <p:spPr>
           <a:xfrm>
-            <a:off x="577125" y="554287"/>
+            <a:off x="589371" y="273404"/>
             <a:ext cx="7704000" cy="694500"/>
           </a:xfrm>
           <a:prstGeom prst="rect">
@@ -50658,81 +45401,6 @@
               <a:t>DIAGRAMA DE SOLUÇÃO</a:t>
             </a:r>
             <a:endParaRPr dirty="0">
-              <a:latin typeface="Aharoni" panose="02010803020104030203" pitchFamily="2" charset="-79"/>
-              <a:cs typeface="Aharoni" panose="02010803020104030203" pitchFamily="2" charset="-79"/>
-            </a:endParaRPr>
-          </a:p>
-        </p:txBody>
-      </p:sp>
-      <p:pic>
-        <p:nvPicPr>
-          <p:cNvPr id="35" name="Picture 34" descr="Icon&#10;&#10;Description automatically generated">
-            <a:extLst>
-              <a:ext uri="{FF2B5EF4-FFF2-40B4-BE49-F238E27FC236}">
-                <a16:creationId xmlns:a16="http://schemas.microsoft.com/office/drawing/2014/main" id="{B0A09C9A-1B67-4804-A551-74B5B3EF373F}"/>
-              </a:ext>
-            </a:extLst>
-          </p:cNvPr>
-          <p:cNvPicPr>
-            <a:picLocks noChangeAspect="1"/>
-          </p:cNvPicPr>
-          <p:nvPr/>
-        </p:nvPicPr>
-        <p:blipFill>
-          <a:blip r:embed="rId3"/>
-          <a:stretch>
-            <a:fillRect/>
-          </a:stretch>
-        </p:blipFill>
-        <p:spPr>
-          <a:xfrm>
-            <a:off x="7682519" y="4762678"/>
-            <a:ext cx="335797" cy="334138"/>
-          </a:xfrm>
-          <a:prstGeom prst="rect">
-            <a:avLst/>
-          </a:prstGeom>
-        </p:spPr>
-      </p:pic>
-      <p:sp>
-        <p:nvSpPr>
-          <p:cNvPr id="36" name="TextBox 35">
-            <a:extLst>
-              <a:ext uri="{FF2B5EF4-FFF2-40B4-BE49-F238E27FC236}">
-                <a16:creationId xmlns:a16="http://schemas.microsoft.com/office/drawing/2014/main" id="{ADFE853B-86C7-4ED9-87E9-AAFEE518A556}"/>
-              </a:ext>
-            </a:extLst>
-          </p:cNvPr>
-          <p:cNvSpPr txBox="1"/>
-          <p:nvPr/>
-        </p:nvSpPr>
-        <p:spPr>
-          <a:xfrm>
-            <a:off x="8018316" y="4789039"/>
-            <a:ext cx="1493003" cy="307777"/>
-          </a:xfrm>
-          <a:prstGeom prst="rect">
-            <a:avLst/>
-          </a:prstGeom>
-          <a:noFill/>
-        </p:spPr>
-        <p:txBody>
-          <a:bodyPr wrap="square">
-            <a:spAutoFit/>
-          </a:bodyPr>
-          <a:lstStyle/>
-          <a:p>
-            <a:r>
-              <a:rPr lang="pt-BR" dirty="0">
-                <a:solidFill>
-                  <a:srgbClr val="5879FA"/>
-                </a:solidFill>
-                <a:latin typeface="Aharoni" panose="02010803020104030203" pitchFamily="2" charset="-79"/>
-                <a:cs typeface="Aharoni" panose="02010803020104030203" pitchFamily="2" charset="-79"/>
-              </a:rPr>
-              <a:t>FastTech</a:t>
-            </a:r>
-            <a:endParaRPr lang="pt-BR" sz="1200" dirty="0">
               <a:latin typeface="Aharoni" panose="02010803020104030203" pitchFamily="2" charset="-79"/>
               <a:cs typeface="Aharoni" panose="02010803020104030203" pitchFamily="2" charset="-79"/>
             </a:endParaRPr>
@@ -50754,7 +45422,7 @@
           <p:nvPr/>
         </p:nvPicPr>
         <p:blipFill>
-          <a:blip r:embed="rId4"/>
+          <a:blip r:embed="rId3"/>
           <a:stretch>
             <a:fillRect/>
           </a:stretch>
@@ -50776,27 +45444,277 @@
           </a:effectLst>
         </p:spPr>
       </p:pic>
+      <p:pic>
+        <p:nvPicPr>
+          <p:cNvPr id="6" name="Picture 20" descr="Icon&#10;&#10;Description automatically generated">
+            <a:extLst>
+              <a:ext uri="{FF2B5EF4-FFF2-40B4-BE49-F238E27FC236}">
+                <a16:creationId xmlns:a16="http://schemas.microsoft.com/office/drawing/2014/main" id="{384B32D1-EFCF-4567-B971-AA52AADA32D0}"/>
+              </a:ext>
+            </a:extLst>
+          </p:cNvPr>
+          <p:cNvPicPr>
+            <a:picLocks noChangeAspect="1"/>
+          </p:cNvPicPr>
+          <p:nvPr/>
+        </p:nvPicPr>
+        <p:blipFill>
+          <a:blip r:embed="rId4"/>
+          <a:stretch>
+            <a:fillRect/>
+          </a:stretch>
+        </p:blipFill>
+        <p:spPr>
+          <a:xfrm>
+            <a:off x="201176" y="210839"/>
+            <a:ext cx="388195" cy="386277"/>
+          </a:xfrm>
+          <a:prstGeom prst="rect">
+            <a:avLst/>
+          </a:prstGeom>
+        </p:spPr>
+      </p:pic>
+      <p:sp>
+        <p:nvSpPr>
+          <p:cNvPr id="7" name="TextBox 21">
+            <a:extLst>
+              <a:ext uri="{FF2B5EF4-FFF2-40B4-BE49-F238E27FC236}">
+                <a16:creationId xmlns:a16="http://schemas.microsoft.com/office/drawing/2014/main" id="{2369966E-EEF4-4852-87EE-809D74784C46}"/>
+              </a:ext>
+            </a:extLst>
+          </p:cNvPr>
+          <p:cNvSpPr txBox="1"/>
+          <p:nvPr/>
+        </p:nvSpPr>
+        <p:spPr>
+          <a:xfrm>
+            <a:off x="517184" y="251322"/>
+            <a:ext cx="1617074" cy="369332"/>
+          </a:xfrm>
+          <a:prstGeom prst="rect">
+            <a:avLst/>
+          </a:prstGeom>
+          <a:noFill/>
+        </p:spPr>
+        <p:txBody>
+          <a:bodyPr wrap="square">
+            <a:spAutoFit/>
+          </a:bodyPr>
+          <a:lstStyle/>
+          <a:p>
+            <a:r>
+              <a:rPr lang="pt-BR" sz="1800" dirty="0">
+                <a:solidFill>
+                  <a:srgbClr val="5879FA"/>
+                </a:solidFill>
+                <a:latin typeface="Aharoni" panose="02010803020104030203" pitchFamily="2" charset="-79"/>
+                <a:cs typeface="Aharoni" panose="02010803020104030203" pitchFamily="2" charset="-79"/>
+              </a:rPr>
+              <a:t>FastTech</a:t>
+            </a:r>
+            <a:endParaRPr lang="pt-BR" sz="1800" dirty="0">
+              <a:latin typeface="Aharoni" panose="02010803020104030203" pitchFamily="2" charset="-79"/>
+              <a:cs typeface="Aharoni" panose="02010803020104030203" pitchFamily="2" charset="-79"/>
+            </a:endParaRPr>
+          </a:p>
+        </p:txBody>
+      </p:sp>
     </p:spTree>
   </p:cSld>
   <p:clrMapOvr>
     <a:masterClrMapping/>
   </p:clrMapOvr>
-  <mc:AlternateContent xmlns:mc="http://schemas.openxmlformats.org/markup-compatibility/2006" xmlns:p14="http://schemas.microsoft.com/office/powerpoint/2010/main">
-    <mc:Choice Requires="p14">
-      <p:transition spd="med" p14:dur="700">
-        <p:fade/>
-      </p:transition>
-    </mc:Choice>
-    <mc:Fallback xmlns="">
-      <p:transition spd="med">
-        <p:fade/>
-      </p:transition>
-    </mc:Fallback>
-  </mc:AlternateContent>
+  <p:transition spd="med">
+    <p:pull/>
+  </p:transition>
 </p:sld>
 </file>
 
 <file path=ppt/slides/slide7.xml><?xml version="1.0" encoding="utf-8"?>
+<p:sld xmlns:a="http://schemas.openxmlformats.org/drawingml/2006/main" xmlns:r="http://schemas.openxmlformats.org/officeDocument/2006/relationships" xmlns:p="http://schemas.openxmlformats.org/presentationml/2006/main">
+  <p:cSld>
+    <p:spTree>
+      <p:nvGrpSpPr>
+        <p:cNvPr id="1" name=""/>
+        <p:cNvGrpSpPr/>
+        <p:nvPr/>
+      </p:nvGrpSpPr>
+      <p:grpSpPr>
+        <a:xfrm>
+          <a:off x="0" y="0"/>
+          <a:ext cx="0" cy="0"/>
+          <a:chOff x="0" y="0"/>
+          <a:chExt cx="0" cy="0"/>
+        </a:xfrm>
+      </p:grpSpPr>
+      <p:sp>
+        <p:nvSpPr>
+          <p:cNvPr id="2" name="Título 1">
+            <a:extLst>
+              <a:ext uri="{FF2B5EF4-FFF2-40B4-BE49-F238E27FC236}">
+                <a16:creationId xmlns:a16="http://schemas.microsoft.com/office/drawing/2014/main" id="{7BD26648-0463-4716-95BE-6466D7397CEE}"/>
+              </a:ext>
+            </a:extLst>
+          </p:cNvPr>
+          <p:cNvSpPr>
+            <a:spLocks noGrp="1"/>
+          </p:cNvSpPr>
+          <p:nvPr>
+            <p:ph type="title"/>
+          </p:nvPr>
+        </p:nvSpPr>
+        <p:spPr>
+          <a:xfrm>
+            <a:off x="589370" y="435988"/>
+            <a:ext cx="7704000" cy="694500"/>
+          </a:xfrm>
+        </p:spPr>
+        <p:txBody>
+          <a:bodyPr/>
+          <a:lstStyle/>
+          <a:p>
+            <a:r>
+              <a:rPr lang="pt-BR" sz="2800" dirty="0">
+                <a:latin typeface="Aharoni" panose="02010803020104030203" pitchFamily="2" charset="-79"/>
+                <a:cs typeface="Aharoni" panose="02010803020104030203" pitchFamily="2" charset="-79"/>
+              </a:rPr>
+              <a:t>DIAGRAMA DE CLASSES</a:t>
+            </a:r>
+          </a:p>
+        </p:txBody>
+      </p:sp>
+      <p:pic>
+        <p:nvPicPr>
+          <p:cNvPr id="9" name="Picture 20" descr="Icon&#10;&#10;Description automatically generated">
+            <a:extLst>
+              <a:ext uri="{FF2B5EF4-FFF2-40B4-BE49-F238E27FC236}">
+                <a16:creationId xmlns:a16="http://schemas.microsoft.com/office/drawing/2014/main" id="{F5EF7A94-6975-4890-BFB4-D52D72E9BF3A}"/>
+              </a:ext>
+            </a:extLst>
+          </p:cNvPr>
+          <p:cNvPicPr>
+            <a:picLocks noChangeAspect="1"/>
+          </p:cNvPicPr>
+          <p:nvPr/>
+        </p:nvPicPr>
+        <p:blipFill>
+          <a:blip r:embed="rId2"/>
+          <a:stretch>
+            <a:fillRect/>
+          </a:stretch>
+        </p:blipFill>
+        <p:spPr>
+          <a:xfrm>
+            <a:off x="201176" y="210839"/>
+            <a:ext cx="388195" cy="386277"/>
+          </a:xfrm>
+          <a:prstGeom prst="rect">
+            <a:avLst/>
+          </a:prstGeom>
+        </p:spPr>
+      </p:pic>
+      <p:sp>
+        <p:nvSpPr>
+          <p:cNvPr id="10" name="TextBox 21">
+            <a:extLst>
+              <a:ext uri="{FF2B5EF4-FFF2-40B4-BE49-F238E27FC236}">
+                <a16:creationId xmlns:a16="http://schemas.microsoft.com/office/drawing/2014/main" id="{78CF100C-7888-4262-84CC-92F7906B0E33}"/>
+              </a:ext>
+            </a:extLst>
+          </p:cNvPr>
+          <p:cNvSpPr txBox="1"/>
+          <p:nvPr/>
+        </p:nvSpPr>
+        <p:spPr>
+          <a:xfrm>
+            <a:off x="517184" y="251322"/>
+            <a:ext cx="1617074" cy="369332"/>
+          </a:xfrm>
+          <a:prstGeom prst="rect">
+            <a:avLst/>
+          </a:prstGeom>
+          <a:noFill/>
+        </p:spPr>
+        <p:txBody>
+          <a:bodyPr wrap="square">
+            <a:spAutoFit/>
+          </a:bodyPr>
+          <a:lstStyle/>
+          <a:p>
+            <a:r>
+              <a:rPr lang="pt-BR" sz="1800" dirty="0">
+                <a:solidFill>
+                  <a:srgbClr val="5879FA"/>
+                </a:solidFill>
+                <a:latin typeface="Aharoni" panose="02010803020104030203" pitchFamily="2" charset="-79"/>
+                <a:cs typeface="Aharoni" panose="02010803020104030203" pitchFamily="2" charset="-79"/>
+              </a:rPr>
+              <a:t>FastTech</a:t>
+            </a:r>
+            <a:endParaRPr lang="pt-BR" sz="1800" dirty="0">
+              <a:latin typeface="Aharoni" panose="02010803020104030203" pitchFamily="2" charset="-79"/>
+              <a:cs typeface="Aharoni" panose="02010803020104030203" pitchFamily="2" charset="-79"/>
+            </a:endParaRPr>
+          </a:p>
+        </p:txBody>
+      </p:sp>
+      <p:pic>
+        <p:nvPicPr>
+          <p:cNvPr id="4" name="Imagem 3" descr="Diagrama&#10;&#10;Descrição gerada automaticamente">
+            <a:extLst>
+              <a:ext uri="{FF2B5EF4-FFF2-40B4-BE49-F238E27FC236}">
+                <a16:creationId xmlns:a16="http://schemas.microsoft.com/office/drawing/2014/main" id="{5771824C-C821-4C96-9CAE-8024C80B7C7C}"/>
+              </a:ext>
+            </a:extLst>
+          </p:cNvPr>
+          <p:cNvPicPr>
+            <a:picLocks noChangeAspect="1"/>
+          </p:cNvPicPr>
+          <p:nvPr/>
+        </p:nvPicPr>
+        <p:blipFill>
+          <a:blip r:embed="rId3"/>
+          <a:stretch>
+            <a:fillRect/>
+          </a:stretch>
+        </p:blipFill>
+        <p:spPr>
+          <a:xfrm>
+            <a:off x="2940219" y="1439832"/>
+            <a:ext cx="3002303" cy="3163841"/>
+          </a:xfrm>
+          <a:prstGeom prst="rect">
+            <a:avLst/>
+          </a:prstGeom>
+          <a:ln>
+            <a:noFill/>
+          </a:ln>
+          <a:effectLst>
+            <a:outerShdw blurRad="292100" dist="139700" dir="2700000" algn="tl" rotWithShape="0">
+              <a:srgbClr val="333333">
+                <a:alpha val="65000"/>
+              </a:srgbClr>
+            </a:outerShdw>
+          </a:effectLst>
+        </p:spPr>
+      </p:pic>
+    </p:spTree>
+    <p:extLst>
+      <p:ext uri="{BB962C8B-B14F-4D97-AF65-F5344CB8AC3E}">
+        <p14:creationId xmlns:p14="http://schemas.microsoft.com/office/powerpoint/2010/main" val="1992254580"/>
+      </p:ext>
+    </p:extLst>
+  </p:cSld>
+  <p:clrMapOvr>
+    <a:masterClrMapping/>
+  </p:clrMapOvr>
+  <p:transition spd="med">
+    <p:pull/>
+  </p:transition>
+</p:sld>
+</file>
+
+<file path=ppt/slides/slide8.xml><?xml version="1.0" encoding="utf-8"?>
 <p:sld xmlns:a="http://schemas.openxmlformats.org/drawingml/2006/main" xmlns:r="http://schemas.openxmlformats.org/officeDocument/2006/relationships" xmlns:p="http://schemas.openxmlformats.org/presentationml/2006/main">
   <p:cSld>
     <p:spTree>
@@ -50815,6 +45733,61 @@
       </p:grpSpPr>
       <p:sp>
         <p:nvSpPr>
+          <p:cNvPr id="2" name="Retângulo 1">
+            <a:extLst>
+              <a:ext uri="{FF2B5EF4-FFF2-40B4-BE49-F238E27FC236}">
+                <a16:creationId xmlns:a16="http://schemas.microsoft.com/office/drawing/2014/main" id="{F3137EF8-CFE9-4329-9DBE-228050CBBA94}"/>
+              </a:ext>
+            </a:extLst>
+          </p:cNvPr>
+          <p:cNvSpPr/>
+          <p:nvPr/>
+        </p:nvSpPr>
+        <p:spPr>
+          <a:xfrm>
+            <a:off x="0" y="260819"/>
+            <a:ext cx="1027416" cy="448098"/>
+          </a:xfrm>
+          <a:prstGeom prst="rect">
+            <a:avLst/>
+          </a:prstGeom>
+          <a:solidFill>
+            <a:schemeClr val="bg1"/>
+          </a:solidFill>
+          <a:ln>
+            <a:noFill/>
+          </a:ln>
+        </p:spPr>
+        <p:style>
+          <a:lnRef idx="2">
+            <a:schemeClr val="accent1">
+              <a:shade val="50000"/>
+            </a:schemeClr>
+          </a:lnRef>
+          <a:fillRef idx="1">
+            <a:schemeClr val="accent1"/>
+          </a:fillRef>
+          <a:effectRef idx="0">
+            <a:schemeClr val="accent1"/>
+          </a:effectRef>
+          <a:fontRef idx="minor">
+            <a:schemeClr val="lt1"/>
+          </a:fontRef>
+        </p:style>
+        <p:txBody>
+          <a:bodyPr rtlCol="0" anchor="ctr"/>
+          <a:lstStyle/>
+          <a:p>
+            <a:pPr algn="ctr"/>
+            <a:r>
+              <a:rPr lang="pt-BR" dirty="0"/>
+              <a:t>,,,,</a:t>
+            </a:r>
+          </a:p>
+        </p:txBody>
+      </p:sp>
+      <p:sp>
+        <p:nvSpPr>
           <p:cNvPr id="985" name="Google Shape;985;p44"/>
           <p:cNvSpPr txBox="1">
             <a:spLocks noGrp="1"/>
@@ -50825,7 +45798,7 @@
         </p:nvSpPr>
         <p:spPr>
           <a:xfrm>
-            <a:off x="720000" y="260819"/>
+            <a:off x="720000" y="484868"/>
             <a:ext cx="7704000" cy="837900"/>
           </a:xfrm>
           <a:prstGeom prst="rect">
@@ -50861,12 +45834,42 @@
           </a:p>
         </p:txBody>
       </p:sp>
+      <p:pic>
+        <p:nvPicPr>
+          <p:cNvPr id="6" name="Picture 20" descr="Icon&#10;&#10;Description automatically generated">
+            <a:extLst>
+              <a:ext uri="{FF2B5EF4-FFF2-40B4-BE49-F238E27FC236}">
+                <a16:creationId xmlns:a16="http://schemas.microsoft.com/office/drawing/2014/main" id="{AE7932E6-89BC-4884-B16C-382B00F6AC00}"/>
+              </a:ext>
+            </a:extLst>
+          </p:cNvPr>
+          <p:cNvPicPr>
+            <a:picLocks noChangeAspect="1"/>
+          </p:cNvPicPr>
+          <p:nvPr/>
+        </p:nvPicPr>
+        <p:blipFill>
+          <a:blip r:embed="rId3"/>
+          <a:stretch>
+            <a:fillRect/>
+          </a:stretch>
+        </p:blipFill>
+        <p:spPr>
+          <a:xfrm>
+            <a:off x="201176" y="210839"/>
+            <a:ext cx="388195" cy="386277"/>
+          </a:xfrm>
+          <a:prstGeom prst="rect">
+            <a:avLst/>
+          </a:prstGeom>
+        </p:spPr>
+      </p:pic>
       <p:sp>
         <p:nvSpPr>
-          <p:cNvPr id="21" name="TextBox 20">
+          <p:cNvPr id="7" name="TextBox 21">
             <a:extLst>
               <a:ext uri="{FF2B5EF4-FFF2-40B4-BE49-F238E27FC236}">
-                <a16:creationId xmlns:a16="http://schemas.microsoft.com/office/drawing/2014/main" id="{EE5BBC44-0AA6-4748-98C9-FBF6354FBCEC}"/>
+                <a16:creationId xmlns:a16="http://schemas.microsoft.com/office/drawing/2014/main" id="{586E330D-C9D6-463D-B3C2-1E112B177E25}"/>
               </a:ext>
             </a:extLst>
           </p:cNvPr>
@@ -50875,8 +45878,8 @@
         </p:nvSpPr>
         <p:spPr>
           <a:xfrm>
-            <a:off x="7539840" y="4775858"/>
-            <a:ext cx="1493003" cy="307777"/>
+            <a:off x="517184" y="251322"/>
+            <a:ext cx="1617074" cy="369332"/>
           </a:xfrm>
           <a:prstGeom prst="rect">
             <a:avLst/>
@@ -50890,19 +45893,16 @@
           <a:lstStyle/>
           <a:p>
             <a:r>
-              <a:rPr lang="pt-BR" dirty="0">
+              <a:rPr lang="pt-BR" sz="1800" dirty="0">
                 <a:solidFill>
-                  <a:schemeClr val="bg2"/>
+                  <a:srgbClr val="5879FA"/>
                 </a:solidFill>
                 <a:latin typeface="Aharoni" panose="02010803020104030203" pitchFamily="2" charset="-79"/>
                 <a:cs typeface="Aharoni" panose="02010803020104030203" pitchFamily="2" charset="-79"/>
               </a:rPr>
               <a:t>FastTech</a:t>
             </a:r>
-            <a:endParaRPr lang="pt-BR" sz="1200" dirty="0">
-              <a:solidFill>
-                <a:schemeClr val="bg2"/>
-              </a:solidFill>
+            <a:endParaRPr lang="pt-BR" sz="1800" dirty="0">
               <a:latin typeface="Aharoni" panose="02010803020104030203" pitchFamily="2" charset="-79"/>
               <a:cs typeface="Aharoni" panose="02010803020104030203" pitchFamily="2" charset="-79"/>
             </a:endParaRPr>
@@ -50911,42 +45911,10 @@
       </p:sp>
       <p:pic>
         <p:nvPicPr>
-          <p:cNvPr id="22" name="Picture 21" descr="Icon&#10;&#10;Description automatically generated">
+          <p:cNvPr id="9" name="Picture 2" descr="Graphical user interface, diagram&#10;&#10;Description automatically generated">
             <a:extLst>
               <a:ext uri="{FF2B5EF4-FFF2-40B4-BE49-F238E27FC236}">
-                <a16:creationId xmlns:a16="http://schemas.microsoft.com/office/drawing/2014/main" id="{7AED67FF-EC8D-4AD7-804A-9701545E28FC}"/>
-              </a:ext>
-            </a:extLst>
-          </p:cNvPr>
-          <p:cNvPicPr>
-            <a:picLocks noChangeAspect="1"/>
-          </p:cNvPicPr>
-          <p:nvPr/>
-        </p:nvPicPr>
-        <p:blipFill>
-          <a:blip r:embed="rId3">
-            <a:biLevel thresh="25000"/>
-          </a:blip>
-          <a:stretch>
-            <a:fillRect/>
-          </a:stretch>
-        </p:blipFill>
-        <p:spPr>
-          <a:xfrm>
-            <a:off x="7204043" y="4749497"/>
-            <a:ext cx="335797" cy="334138"/>
-          </a:xfrm>
-          <a:prstGeom prst="rect">
-            <a:avLst/>
-          </a:prstGeom>
-        </p:spPr>
-      </p:pic>
-      <p:pic>
-        <p:nvPicPr>
-          <p:cNvPr id="3" name="Picture 2" descr="Graphical user interface, diagram&#10;&#10;Description automatically generated">
-            <a:extLst>
-              <a:ext uri="{FF2B5EF4-FFF2-40B4-BE49-F238E27FC236}">
-                <a16:creationId xmlns:a16="http://schemas.microsoft.com/office/drawing/2014/main" id="{B9AACF57-B968-4646-81FE-8D0908B35696}"/>
+                <a16:creationId xmlns:a16="http://schemas.microsoft.com/office/drawing/2014/main" id="{5A9DE65A-F39E-4BE9-86B8-BB8DB52F5CB2}"/>
               </a:ext>
             </a:extLst>
           </p:cNvPr>
@@ -50963,8 +45931,8 @@
         </p:blipFill>
         <p:spPr>
           <a:xfrm>
-            <a:off x="2132744" y="1028917"/>
-            <a:ext cx="4878512" cy="2946061"/>
+            <a:off x="2132744" y="1184669"/>
+            <a:ext cx="4620596" cy="2790309"/>
           </a:xfrm>
           <a:prstGeom prst="rect">
             <a:avLst/>
@@ -50983,22 +45951,13 @@
   <p:clrMapOvr>
     <a:masterClrMapping/>
   </p:clrMapOvr>
-  <mc:AlternateContent xmlns:mc="http://schemas.openxmlformats.org/markup-compatibility/2006" xmlns:p14="http://schemas.microsoft.com/office/powerpoint/2010/main">
-    <mc:Choice Requires="p14">
-      <p:transition spd="slow">
-        <p14:flash/>
-      </p:transition>
-    </mc:Choice>
-    <mc:Fallback xmlns="">
-      <p:transition spd="slow">
-        <p:fade/>
-      </p:transition>
-    </mc:Fallback>
-  </mc:AlternateContent>
+  <p:transition spd="med">
+    <p:pull/>
+  </p:transition>
 </p:sld>
 </file>
 
-<file path=ppt/slides/slide8.xml><?xml version="1.0" encoding="utf-8"?>
+<file path=ppt/slides/slide9.xml><?xml version="1.0" encoding="utf-8"?>
 <p:sld xmlns:a="http://schemas.openxmlformats.org/drawingml/2006/main" xmlns:r="http://schemas.openxmlformats.org/officeDocument/2006/relationships" xmlns:p="http://schemas.openxmlformats.org/presentationml/2006/main">
   <p:cSld>
     <p:spTree>
@@ -51360,7 +46319,7 @@
         </p:blipFill>
         <p:spPr>
           <a:xfrm>
-            <a:off x="6037496" y="2358158"/>
+            <a:off x="5959108" y="2228850"/>
             <a:ext cx="685800" cy="685800"/>
           </a:xfrm>
           <a:prstGeom prst="rect">
@@ -51606,514 +46565,12 @@
           </a:p>
         </p:txBody>
       </p:sp>
-    </p:spTree>
-  </p:cSld>
-  <p:clrMapOvr>
-    <a:masterClrMapping/>
-  </p:clrMapOvr>
-  <p:transition spd="med">
-    <p:pull/>
-  </p:transition>
-</p:sld>
-</file>
-
-<file path=ppt/slides/slide9.xml><?xml version="1.0" encoding="utf-8"?>
-<p:sld xmlns:a="http://schemas.openxmlformats.org/drawingml/2006/main" xmlns:r="http://schemas.openxmlformats.org/officeDocument/2006/relationships" xmlns:p="http://schemas.openxmlformats.org/presentationml/2006/main">
-  <p:cSld>
-    <p:spTree>
-      <p:nvGrpSpPr>
-        <p:cNvPr id="1" name="Shape 827"/>
-        <p:cNvGrpSpPr/>
-        <p:nvPr/>
-      </p:nvGrpSpPr>
-      <p:grpSpPr>
-        <a:xfrm>
-          <a:off x="0" y="0"/>
-          <a:ext cx="0" cy="0"/>
-          <a:chOff x="0" y="0"/>
-          <a:chExt cx="0" cy="0"/>
-        </a:xfrm>
-      </p:grpSpPr>
       <p:sp>
         <p:nvSpPr>
-          <p:cNvPr id="7" name="Google Shape;798;p37">
+          <p:cNvPr id="14" name="TextBox 51">
             <a:extLst>
               <a:ext uri="{FF2B5EF4-FFF2-40B4-BE49-F238E27FC236}">
-                <a16:creationId xmlns:a16="http://schemas.microsoft.com/office/drawing/2014/main" id="{821CE211-38E1-4D3E-843E-FC2534411C5B}"/>
-              </a:ext>
-            </a:extLst>
-          </p:cNvPr>
-          <p:cNvSpPr txBox="1">
-            <a:spLocks/>
-          </p:cNvSpPr>
-          <p:nvPr/>
-        </p:nvSpPr>
-        <p:spPr>
-          <a:xfrm>
-            <a:off x="603508" y="1889371"/>
-            <a:ext cx="4182609" cy="909638"/>
-          </a:xfrm>
-          <a:prstGeom prst="rect">
-            <a:avLst/>
-          </a:prstGeom>
-          <a:noFill/>
-          <a:ln>
-            <a:noFill/>
-          </a:ln>
-        </p:spPr>
-        <p:txBody>
-          <a:bodyPr spcFirstLastPara="1" wrap="square" lIns="91425" tIns="91425" rIns="91425" bIns="91425" anchor="t" anchorCtr="0">
-            <a:noAutofit/>
-          </a:bodyPr>
-          <a:lstStyle>
-            <a:defPPr marR="0" lvl="0" algn="l" rtl="0">
-              <a:lnSpc>
-                <a:spcPct val="100000"/>
-              </a:lnSpc>
-              <a:spcBef>
-                <a:spcPts val="0"/>
-              </a:spcBef>
-              <a:spcAft>
-                <a:spcPts val="0"/>
-              </a:spcAft>
-              <a:defRPr/>
-            </a:defPPr>
-            <a:lvl1pPr marR="0" lvl="0" algn="ctr" rtl="0">
-              <a:lnSpc>
-                <a:spcPct val="100000"/>
-              </a:lnSpc>
-              <a:spcBef>
-                <a:spcPts val="0"/>
-              </a:spcBef>
-              <a:spcAft>
-                <a:spcPts val="0"/>
-              </a:spcAft>
-              <a:buClr>
-                <a:schemeClr val="dk1"/>
-              </a:buClr>
-              <a:buSzPts val="2700"/>
-              <a:buFont typeface="Krona One"/>
-              <a:buNone/>
-              <a:defRPr sz="2700" b="0" i="0" u="none" strike="noStrike" cap="none">
-                <a:solidFill>
-                  <a:schemeClr val="dk1"/>
-                </a:solidFill>
-                <a:latin typeface="Krona One"/>
-                <a:ea typeface="Krona One"/>
-                <a:cs typeface="Krona One"/>
-                <a:sym typeface="Krona One"/>
-              </a:defRPr>
-            </a:lvl1pPr>
-            <a:lvl2pPr marR="0" lvl="1" algn="l" rtl="0">
-              <a:lnSpc>
-                <a:spcPct val="100000"/>
-              </a:lnSpc>
-              <a:spcBef>
-                <a:spcPts val="0"/>
-              </a:spcBef>
-              <a:spcAft>
-                <a:spcPts val="0"/>
-              </a:spcAft>
-              <a:buClr>
-                <a:schemeClr val="dk1"/>
-              </a:buClr>
-              <a:buSzPts val="2800"/>
-              <a:buFont typeface="Arial"/>
-              <a:buNone/>
-              <a:defRPr sz="2800" b="0" i="0" u="none" strike="noStrike" cap="none">
-                <a:solidFill>
-                  <a:schemeClr val="dk1"/>
-                </a:solidFill>
-                <a:latin typeface="Ruda"/>
-                <a:ea typeface="Ruda"/>
-                <a:cs typeface="Ruda"/>
-                <a:sym typeface="Ruda"/>
-              </a:defRPr>
-            </a:lvl2pPr>
-            <a:lvl3pPr marR="0" lvl="2" algn="l" rtl="0">
-              <a:lnSpc>
-                <a:spcPct val="100000"/>
-              </a:lnSpc>
-              <a:spcBef>
-                <a:spcPts val="0"/>
-              </a:spcBef>
-              <a:spcAft>
-                <a:spcPts val="0"/>
-              </a:spcAft>
-              <a:buClr>
-                <a:schemeClr val="dk1"/>
-              </a:buClr>
-              <a:buSzPts val="2800"/>
-              <a:buFont typeface="Arial"/>
-              <a:buNone/>
-              <a:defRPr sz="2800" b="0" i="0" u="none" strike="noStrike" cap="none">
-                <a:solidFill>
-                  <a:schemeClr val="dk1"/>
-                </a:solidFill>
-                <a:latin typeface="Ruda"/>
-                <a:ea typeface="Ruda"/>
-                <a:cs typeface="Ruda"/>
-                <a:sym typeface="Ruda"/>
-              </a:defRPr>
-            </a:lvl3pPr>
-            <a:lvl4pPr marR="0" lvl="3" algn="l" rtl="0">
-              <a:lnSpc>
-                <a:spcPct val="100000"/>
-              </a:lnSpc>
-              <a:spcBef>
-                <a:spcPts val="0"/>
-              </a:spcBef>
-              <a:spcAft>
-                <a:spcPts val="0"/>
-              </a:spcAft>
-              <a:buClr>
-                <a:schemeClr val="dk1"/>
-              </a:buClr>
-              <a:buSzPts val="2800"/>
-              <a:buFont typeface="Arial"/>
-              <a:buNone/>
-              <a:defRPr sz="2800" b="0" i="0" u="none" strike="noStrike" cap="none">
-                <a:solidFill>
-                  <a:schemeClr val="dk1"/>
-                </a:solidFill>
-                <a:latin typeface="Ruda"/>
-                <a:ea typeface="Ruda"/>
-                <a:cs typeface="Ruda"/>
-                <a:sym typeface="Ruda"/>
-              </a:defRPr>
-            </a:lvl4pPr>
-            <a:lvl5pPr marR="0" lvl="4" algn="l" rtl="0">
-              <a:lnSpc>
-                <a:spcPct val="100000"/>
-              </a:lnSpc>
-              <a:spcBef>
-                <a:spcPts val="0"/>
-              </a:spcBef>
-              <a:spcAft>
-                <a:spcPts val="0"/>
-              </a:spcAft>
-              <a:buClr>
-                <a:schemeClr val="dk1"/>
-              </a:buClr>
-              <a:buSzPts val="2800"/>
-              <a:buFont typeface="Arial"/>
-              <a:buNone/>
-              <a:defRPr sz="2800" b="0" i="0" u="none" strike="noStrike" cap="none">
-                <a:solidFill>
-                  <a:schemeClr val="dk1"/>
-                </a:solidFill>
-                <a:latin typeface="Ruda"/>
-                <a:ea typeface="Ruda"/>
-                <a:cs typeface="Ruda"/>
-                <a:sym typeface="Ruda"/>
-              </a:defRPr>
-            </a:lvl5pPr>
-            <a:lvl6pPr marR="0" lvl="5" algn="l" rtl="0">
-              <a:lnSpc>
-                <a:spcPct val="100000"/>
-              </a:lnSpc>
-              <a:spcBef>
-                <a:spcPts val="0"/>
-              </a:spcBef>
-              <a:spcAft>
-                <a:spcPts val="0"/>
-              </a:spcAft>
-              <a:buClr>
-                <a:schemeClr val="dk1"/>
-              </a:buClr>
-              <a:buSzPts val="2800"/>
-              <a:buFont typeface="Arial"/>
-              <a:buNone/>
-              <a:defRPr sz="2800" b="0" i="0" u="none" strike="noStrike" cap="none">
-                <a:solidFill>
-                  <a:schemeClr val="dk1"/>
-                </a:solidFill>
-                <a:latin typeface="Ruda"/>
-                <a:ea typeface="Ruda"/>
-                <a:cs typeface="Ruda"/>
-                <a:sym typeface="Ruda"/>
-              </a:defRPr>
-            </a:lvl6pPr>
-            <a:lvl7pPr marR="0" lvl="6" algn="l" rtl="0">
-              <a:lnSpc>
-                <a:spcPct val="100000"/>
-              </a:lnSpc>
-              <a:spcBef>
-                <a:spcPts val="0"/>
-              </a:spcBef>
-              <a:spcAft>
-                <a:spcPts val="0"/>
-              </a:spcAft>
-              <a:buClr>
-                <a:schemeClr val="dk1"/>
-              </a:buClr>
-              <a:buSzPts val="2800"/>
-              <a:buFont typeface="Arial"/>
-              <a:buNone/>
-              <a:defRPr sz="2800" b="0" i="0" u="none" strike="noStrike" cap="none">
-                <a:solidFill>
-                  <a:schemeClr val="dk1"/>
-                </a:solidFill>
-                <a:latin typeface="Ruda"/>
-                <a:ea typeface="Ruda"/>
-                <a:cs typeface="Ruda"/>
-                <a:sym typeface="Ruda"/>
-              </a:defRPr>
-            </a:lvl7pPr>
-            <a:lvl8pPr marR="0" lvl="7" algn="l" rtl="0">
-              <a:lnSpc>
-                <a:spcPct val="100000"/>
-              </a:lnSpc>
-              <a:spcBef>
-                <a:spcPts val="0"/>
-              </a:spcBef>
-              <a:spcAft>
-                <a:spcPts val="0"/>
-              </a:spcAft>
-              <a:buClr>
-                <a:schemeClr val="dk1"/>
-              </a:buClr>
-              <a:buSzPts val="2800"/>
-              <a:buFont typeface="Arial"/>
-              <a:buNone/>
-              <a:defRPr sz="2800" b="0" i="0" u="none" strike="noStrike" cap="none">
-                <a:solidFill>
-                  <a:schemeClr val="dk1"/>
-                </a:solidFill>
-                <a:latin typeface="Ruda"/>
-                <a:ea typeface="Ruda"/>
-                <a:cs typeface="Ruda"/>
-                <a:sym typeface="Ruda"/>
-              </a:defRPr>
-            </a:lvl8pPr>
-            <a:lvl9pPr marR="0" lvl="8" algn="l" rtl="0">
-              <a:lnSpc>
-                <a:spcPct val="100000"/>
-              </a:lnSpc>
-              <a:spcBef>
-                <a:spcPts val="0"/>
-              </a:spcBef>
-              <a:spcAft>
-                <a:spcPts val="0"/>
-              </a:spcAft>
-              <a:buClr>
-                <a:schemeClr val="dk1"/>
-              </a:buClr>
-              <a:buSzPts val="2800"/>
-              <a:buFont typeface="Arial"/>
-              <a:buNone/>
-              <a:defRPr sz="2800" b="0" i="0" u="none" strike="noStrike" cap="none">
-                <a:solidFill>
-                  <a:schemeClr val="dk1"/>
-                </a:solidFill>
-                <a:latin typeface="Ruda"/>
-                <a:ea typeface="Ruda"/>
-                <a:cs typeface="Ruda"/>
-                <a:sym typeface="Ruda"/>
-              </a:defRPr>
-            </a:lvl9pPr>
-          </a:lstStyle>
-          <a:p>
-            <a:r>
-              <a:rPr lang="pt-BR" sz="3600" dirty="0">
-                <a:latin typeface="Aharoni" panose="02010803020104030203" pitchFamily="2" charset="-79"/>
-                <a:cs typeface="Aharoni" panose="02010803020104030203" pitchFamily="2" charset="-79"/>
-              </a:rPr>
-              <a:t>Então vamos lá!</a:t>
-            </a:r>
-          </a:p>
-        </p:txBody>
-      </p:sp>
-      <p:sp>
-        <p:nvSpPr>
-          <p:cNvPr id="6" name="Oval 5">
-            <a:extLst>
-              <a:ext uri="{FF2B5EF4-FFF2-40B4-BE49-F238E27FC236}">
-                <a16:creationId xmlns:a16="http://schemas.microsoft.com/office/drawing/2014/main" id="{064825FB-9D1F-4606-A153-CB9334537E38}"/>
-              </a:ext>
-            </a:extLst>
-          </p:cNvPr>
-          <p:cNvSpPr/>
-          <p:nvPr/>
-        </p:nvSpPr>
-        <p:spPr>
-          <a:xfrm>
-            <a:off x="4950229" y="1172096"/>
-            <a:ext cx="2535381" cy="2344189"/>
-          </a:xfrm>
-          <a:prstGeom prst="ellipse">
-            <a:avLst/>
-          </a:prstGeom>
-          <a:solidFill>
-            <a:schemeClr val="accent3">
-              <a:lumMod val="20000"/>
-              <a:lumOff val="80000"/>
-            </a:schemeClr>
-          </a:solidFill>
-          <a:ln>
-            <a:noFill/>
-          </a:ln>
-        </p:spPr>
-        <p:style>
-          <a:lnRef idx="2">
-            <a:schemeClr val="accent1">
-              <a:shade val="50000"/>
-            </a:schemeClr>
-          </a:lnRef>
-          <a:fillRef idx="1">
-            <a:schemeClr val="accent1"/>
-          </a:fillRef>
-          <a:effectRef idx="0">
-            <a:schemeClr val="accent1"/>
-          </a:effectRef>
-          <a:fontRef idx="minor">
-            <a:schemeClr val="lt1"/>
-          </a:fontRef>
-        </p:style>
-        <p:txBody>
-          <a:bodyPr rtlCol="0" anchor="ctr"/>
-          <a:lstStyle/>
-          <a:p>
-            <a:pPr algn="ctr"/>
-            <a:endParaRPr lang="pt-BR"/>
-          </a:p>
-        </p:txBody>
-      </p:sp>
-      <p:pic>
-        <p:nvPicPr>
-          <p:cNvPr id="1026" name="Picture 2" descr="Vencedores - ícones de pessoas grátis">
-            <a:extLst>
-              <a:ext uri="{FF2B5EF4-FFF2-40B4-BE49-F238E27FC236}">
-                <a16:creationId xmlns:a16="http://schemas.microsoft.com/office/drawing/2014/main" id="{DFD4A960-7C11-421D-A61F-3C5733DB9D4A}"/>
-              </a:ext>
-            </a:extLst>
-          </p:cNvPr>
-          <p:cNvPicPr>
-            <a:picLocks noChangeAspect="1" noChangeArrowheads="1"/>
-          </p:cNvPicPr>
-          <p:nvPr/>
-        </p:nvPicPr>
-        <p:blipFill>
-          <a:blip r:embed="rId3">
-            <a:extLst>
-              <a:ext uri="{28A0092B-C50C-407E-A947-70E740481C1C}">
-                <a14:useLocalDpi xmlns:a14="http://schemas.microsoft.com/office/drawing/2010/main" val="0"/>
-              </a:ext>
-            </a:extLst>
-          </a:blip>
-          <a:srcRect/>
-          <a:stretch>
-            <a:fillRect/>
-          </a:stretch>
-        </p:blipFill>
-        <p:spPr bwMode="auto">
-          <a:xfrm>
-            <a:off x="5384537" y="1503156"/>
-            <a:ext cx="1622429" cy="1622429"/>
-          </a:xfrm>
-          <a:prstGeom prst="rect">
-            <a:avLst/>
-          </a:prstGeom>
-          <a:noFill/>
-          <a:extLst>
-            <a:ext uri="{909E8E84-426E-40DD-AFC4-6F175D3DCCD1}">
-              <a14:hiddenFill xmlns:a14="http://schemas.microsoft.com/office/drawing/2010/main">
-                <a:solidFill>
-                  <a:srgbClr val="FFFFFF"/>
-                </a:solidFill>
-              </a14:hiddenFill>
-            </a:ext>
-          </a:extLst>
-        </p:spPr>
-      </p:pic>
-      <p:sp>
-        <p:nvSpPr>
-          <p:cNvPr id="8" name="Rectangle 7">
-            <a:extLst>
-              <a:ext uri="{FF2B5EF4-FFF2-40B4-BE49-F238E27FC236}">
-                <a16:creationId xmlns:a16="http://schemas.microsoft.com/office/drawing/2014/main" id="{6FBFEA63-EB71-452F-9E36-E8B1BB721BEE}"/>
-              </a:ext>
-            </a:extLst>
-          </p:cNvPr>
-          <p:cNvSpPr/>
-          <p:nvPr/>
-        </p:nvSpPr>
-        <p:spPr>
-          <a:xfrm>
-            <a:off x="201176" y="210839"/>
-            <a:ext cx="804664" cy="703561"/>
-          </a:xfrm>
-          <a:prstGeom prst="rect">
-            <a:avLst/>
-          </a:prstGeom>
-          <a:solidFill>
-            <a:schemeClr val="bg1"/>
-          </a:solidFill>
-          <a:ln>
-            <a:noFill/>
-          </a:ln>
-        </p:spPr>
-        <p:style>
-          <a:lnRef idx="2">
-            <a:schemeClr val="accent1">
-              <a:shade val="50000"/>
-            </a:schemeClr>
-          </a:lnRef>
-          <a:fillRef idx="1">
-            <a:schemeClr val="accent1"/>
-          </a:fillRef>
-          <a:effectRef idx="0">
-            <a:schemeClr val="accent1"/>
-          </a:effectRef>
-          <a:fontRef idx="minor">
-            <a:schemeClr val="lt1"/>
-          </a:fontRef>
-        </p:style>
-        <p:txBody>
-          <a:bodyPr rtlCol="0" anchor="ctr"/>
-          <a:lstStyle/>
-          <a:p>
-            <a:pPr algn="ctr"/>
-            <a:endParaRPr lang="pt-BR"/>
-          </a:p>
-        </p:txBody>
-      </p:sp>
-      <p:pic>
-        <p:nvPicPr>
-          <p:cNvPr id="9" name="Picture 8" descr="Icon&#10;&#10;Description automatically generated">
-            <a:extLst>
-              <a:ext uri="{FF2B5EF4-FFF2-40B4-BE49-F238E27FC236}">
-                <a16:creationId xmlns:a16="http://schemas.microsoft.com/office/drawing/2014/main" id="{7ACF0A19-BDDF-4CF5-B1CF-98A4A89586D7}"/>
-              </a:ext>
-            </a:extLst>
-          </p:cNvPr>
-          <p:cNvPicPr>
-            <a:picLocks noChangeAspect="1"/>
-          </p:cNvPicPr>
-          <p:nvPr/>
-        </p:nvPicPr>
-        <p:blipFill>
-          <a:blip r:embed="rId4"/>
-          <a:stretch>
-            <a:fillRect/>
-          </a:stretch>
-        </p:blipFill>
-        <p:spPr>
-          <a:xfrm>
-            <a:off x="201176" y="210839"/>
-            <a:ext cx="388195" cy="386277"/>
-          </a:xfrm>
-          <a:prstGeom prst="rect">
-            <a:avLst/>
-          </a:prstGeom>
-        </p:spPr>
-      </p:pic>
-      <p:sp>
-        <p:nvSpPr>
-          <p:cNvPr id="10" name="TextBox 9">
-            <a:extLst>
-              <a:ext uri="{FF2B5EF4-FFF2-40B4-BE49-F238E27FC236}">
-                <a16:creationId xmlns:a16="http://schemas.microsoft.com/office/drawing/2014/main" id="{1A0CADA7-18BF-4E16-BF49-B015E2B72671}"/>
+                <a16:creationId xmlns:a16="http://schemas.microsoft.com/office/drawing/2014/main" id="{EE2962F3-3474-4377-BD51-3FD53E4AE826}"/>
               </a:ext>
             </a:extLst>
           </p:cNvPr>
@@ -52122,8 +46579,8 @@
         </p:nvSpPr>
         <p:spPr>
           <a:xfrm>
-            <a:off x="517184" y="251322"/>
-            <a:ext cx="1617074" cy="369332"/>
+            <a:off x="5667115" y="2953268"/>
+            <a:ext cx="1665509" cy="369332"/>
           </a:xfrm>
           <a:prstGeom prst="rect">
             <a:avLst/>
@@ -52137,28 +46594,13 @@
           <a:lstStyle/>
           <a:p>
             <a:r>
-              <a:rPr lang="pt-BR" sz="1800" dirty="0">
-                <a:solidFill>
-                  <a:srgbClr val="5879FA"/>
-                </a:solidFill>
-                <a:latin typeface="Aharoni" panose="02010803020104030203" pitchFamily="2" charset="-79"/>
-                <a:cs typeface="Aharoni" panose="02010803020104030203" pitchFamily="2" charset="-79"/>
-              </a:rPr>
-              <a:t>FastTech</a:t>
+              <a:rPr lang="pt-BR" sz="1800" b="1" dirty="0"/>
+              <a:t>Cadastros</a:t>
             </a:r>
-            <a:endParaRPr lang="pt-BR" sz="1800" dirty="0">
-              <a:latin typeface="Aharoni" panose="02010803020104030203" pitchFamily="2" charset="-79"/>
-              <a:cs typeface="Aharoni" panose="02010803020104030203" pitchFamily="2" charset="-79"/>
-            </a:endParaRPr>
           </a:p>
         </p:txBody>
       </p:sp>
     </p:spTree>
-    <p:extLst>
-      <p:ext uri="{BB962C8B-B14F-4D97-AF65-F5344CB8AC3E}">
-        <p14:creationId xmlns:p14="http://schemas.microsoft.com/office/powerpoint/2010/main" val="2959042167"/>
-      </p:ext>
-    </p:extLst>
   </p:cSld>
   <p:clrMapOvr>
     <a:masterClrMapping/>
